--- a/cours/Cours Java_Programmation Objet.pptx
+++ b/cours/Cours Java_Programmation Objet.pptx
@@ -5,7 +5,7 @@
     <p:sldMasterId id="2147483660" r:id="rId1"/>
   </p:sldMasterIdLst>
   <p:notesMasterIdLst>
-    <p:notesMasterId r:id="rId7"/>
+    <p:notesMasterId r:id="rId9"/>
   </p:notesMasterIdLst>
   <p:sldIdLst>
     <p:sldId id="267" r:id="rId2"/>
@@ -13,6 +13,8 @@
     <p:sldId id="270" r:id="rId4"/>
     <p:sldId id="271" r:id="rId5"/>
     <p:sldId id="269" r:id="rId6"/>
+    <p:sldId id="272" r:id="rId7"/>
+    <p:sldId id="273" r:id="rId8"/>
   </p:sldIdLst>
   <p:sldSz cx="12192000" cy="6858000"/>
   <p:notesSz cx="6858000" cy="9144000"/>
@@ -441,7 +443,7 @@
           <a:p>
             <a:fld id="{FB6A2C3C-331C-40B1-B907-1A337451F258}" type="datetimeFigureOut">
               <a:rPr lang="fr-FR" smtClean="0"/>
-              <a:t>21/02/2022</a:t>
+              <a:t>23/02/2022</a:t>
             </a:fld>
             <a:endParaRPr lang="fr-FR"/>
           </a:p>
@@ -1839,6 +1841,1401 @@
     <p:extLst>
       <p:ext uri="{BB962C8B-B14F-4D97-AF65-F5344CB8AC3E}">
         <p14:creationId xmlns:p14="http://schemas.microsoft.com/office/powerpoint/2010/main" val="75828835"/>
+      </p:ext>
+    </p:extLst>
+  </p:cSld>
+  <p:clrMapOvr>
+    <a:masterClrMapping/>
+  </p:clrMapOvr>
+</p:notes>
+</file>
+
+<file path=ppt/notesSlides/notesSlide6.xml><?xml version="1.0" encoding="utf-8"?>
+<p:notes xmlns:a="http://schemas.openxmlformats.org/drawingml/2006/main" xmlns:r="http://schemas.openxmlformats.org/officeDocument/2006/relationships" xmlns:p="http://schemas.openxmlformats.org/presentationml/2006/main">
+  <p:cSld>
+    <p:spTree>
+      <p:nvGrpSpPr>
+        <p:cNvPr id="1" name=""/>
+        <p:cNvGrpSpPr/>
+        <p:nvPr/>
+      </p:nvGrpSpPr>
+      <p:grpSpPr>
+        <a:xfrm>
+          <a:off x="0" y="0"/>
+          <a:ext cx="0" cy="0"/>
+          <a:chOff x="0" y="0"/>
+          <a:chExt cx="0" cy="0"/>
+        </a:xfrm>
+      </p:grpSpPr>
+      <p:sp>
+        <p:nvSpPr>
+          <p:cNvPr id="2" name="Espace réservé de l'image des diapositives 1"/>
+          <p:cNvSpPr>
+            <a:spLocks noGrp="1" noRot="1" noChangeAspect="1"/>
+          </p:cNvSpPr>
+          <p:nvPr>
+            <p:ph type="sldImg"/>
+          </p:nvPr>
+        </p:nvSpPr>
+        <p:spPr/>
+      </p:sp>
+      <p:sp>
+        <p:nvSpPr>
+          <p:cNvPr id="3" name="Espace réservé des notes 2"/>
+          <p:cNvSpPr>
+            <a:spLocks noGrp="1"/>
+          </p:cNvSpPr>
+          <p:nvPr>
+            <p:ph type="body" idx="1"/>
+          </p:nvPr>
+        </p:nvSpPr>
+        <p:spPr/>
+        <p:txBody>
+          <a:bodyPr/>
+          <a:lstStyle/>
+          <a:p>
+            <a:pPr marL="0" marR="0" lvl="0" indent="0" algn="l" defTabSz="914400" rtl="0" eaLnBrk="1" fontAlgn="auto" latinLnBrk="0" hangingPunct="1">
+              <a:lnSpc>
+                <a:spcPct val="100000"/>
+              </a:lnSpc>
+              <a:spcBef>
+                <a:spcPts val="0"/>
+              </a:spcBef>
+              <a:spcAft>
+                <a:spcPts val="0"/>
+              </a:spcAft>
+              <a:buClrTx/>
+              <a:buSzTx/>
+              <a:buFontTx/>
+              <a:buNone/>
+              <a:tabLst/>
+              <a:defRPr/>
+            </a:pPr>
+            <a:r>
+              <a:rPr lang="fr-FR" sz="1800" dirty="0">
+                <a:effectLst/>
+                <a:latin typeface="Calibri" panose="020F0502020204030204" pitchFamily="34" charset="0"/>
+                <a:ea typeface="Calibri" panose="020F0502020204030204" pitchFamily="34" charset="0"/>
+                <a:cs typeface="Times New Roman" panose="02020603050405020304" pitchFamily="18" charset="0"/>
+              </a:rPr>
+              <a:t>Jusqu’à présent on a défini accès public à tous nos attributs et méthodes pour que le code fonctionne. </a:t>
+            </a:r>
+          </a:p>
+          <a:p>
+            <a:pPr marL="0" marR="0" lvl="0" indent="0" algn="l" defTabSz="914400" rtl="0" eaLnBrk="1" fontAlgn="auto" latinLnBrk="0" hangingPunct="1">
+              <a:lnSpc>
+                <a:spcPct val="100000"/>
+              </a:lnSpc>
+              <a:spcBef>
+                <a:spcPts val="0"/>
+              </a:spcBef>
+              <a:spcAft>
+                <a:spcPts val="0"/>
+              </a:spcAft>
+              <a:buClrTx/>
+              <a:buSzTx/>
+              <a:buFontTx/>
+              <a:buNone/>
+              <a:tabLst/>
+              <a:defRPr/>
+            </a:pPr>
+            <a:r>
+              <a:rPr lang="fr-FR" sz="1800" dirty="0">
+                <a:effectLst/>
+                <a:latin typeface="Calibri" panose="020F0502020204030204" pitchFamily="34" charset="0"/>
+                <a:ea typeface="Calibri" panose="020F0502020204030204" pitchFamily="34" charset="0"/>
+                <a:cs typeface="Times New Roman" panose="02020603050405020304" pitchFamily="18" charset="0"/>
+              </a:rPr>
+              <a:t>Public fait partie des modificateurs d’accès et il y en a 4 &lt;click&gt;. Ils vont modifier la visibilité des attributs, constructeurs et méthodes. Ils seront plus ou moins accessibles des autres classes. Public rend accessible les attributs, constructeurs et méthodes de n’importe où (click). Si j’enlève public de couleur dans Voiture …</a:t>
+            </a:r>
+          </a:p>
+          <a:p>
+            <a:pPr marL="0" marR="0" lvl="0" indent="0" algn="l" defTabSz="914400" rtl="0" eaLnBrk="1" fontAlgn="auto" latinLnBrk="0" hangingPunct="1">
+              <a:lnSpc>
+                <a:spcPct val="100000"/>
+              </a:lnSpc>
+              <a:spcBef>
+                <a:spcPts val="0"/>
+              </a:spcBef>
+              <a:spcAft>
+                <a:spcPts val="0"/>
+              </a:spcAft>
+              <a:buClrTx/>
+              <a:buSzTx/>
+              <a:buFontTx/>
+              <a:buNone/>
+              <a:tabLst/>
+              <a:defRPr/>
+            </a:pPr>
+            <a:r>
+              <a:rPr lang="fr-FR" sz="1800" dirty="0">
+                <a:effectLst/>
+                <a:latin typeface="Calibri" panose="020F0502020204030204" pitchFamily="34" charset="0"/>
+                <a:ea typeface="Calibri" panose="020F0502020204030204" pitchFamily="34" charset="0"/>
+                <a:cs typeface="Times New Roman" panose="02020603050405020304" pitchFamily="18" charset="0"/>
+              </a:rPr>
+              <a:t>La visibilité par défaut est package, on ne peut pas écrire package String couleur, on ne met rien.</a:t>
+            </a:r>
+          </a:p>
+          <a:p>
+            <a:pPr marL="0" marR="0" lvl="0" indent="0" algn="l" defTabSz="914400" rtl="0" eaLnBrk="1" fontAlgn="auto" latinLnBrk="0" hangingPunct="1">
+              <a:lnSpc>
+                <a:spcPct val="100000"/>
+              </a:lnSpc>
+              <a:spcBef>
+                <a:spcPts val="0"/>
+              </a:spcBef>
+              <a:spcAft>
+                <a:spcPts val="0"/>
+              </a:spcAft>
+              <a:buClrTx/>
+              <a:buSzTx/>
+              <a:buFontTx/>
+              <a:buNone/>
+              <a:tabLst/>
+              <a:defRPr/>
+            </a:pPr>
+            <a:r>
+              <a:rPr lang="fr-FR" sz="1800" dirty="0" err="1">
+                <a:effectLst/>
+                <a:latin typeface="Calibri" panose="020F0502020204030204" pitchFamily="34" charset="0"/>
+                <a:ea typeface="Calibri" panose="020F0502020204030204" pitchFamily="34" charset="0"/>
+                <a:cs typeface="Times New Roman" panose="02020603050405020304" pitchFamily="18" charset="0"/>
+              </a:rPr>
+              <a:t>Private</a:t>
+            </a:r>
+            <a:r>
+              <a:rPr lang="fr-FR" sz="1800" dirty="0">
+                <a:effectLst/>
+                <a:latin typeface="Calibri" panose="020F0502020204030204" pitchFamily="34" charset="0"/>
+                <a:ea typeface="Calibri" panose="020F0502020204030204" pitchFamily="34" charset="0"/>
+                <a:cs typeface="Times New Roman" panose="02020603050405020304" pitchFamily="18" charset="0"/>
+              </a:rPr>
+              <a:t> va interdire l’accès à la propriété ou méthode à touts classe sauf la classe courante &lt;click&gt;. Je peux interdire d’instancier un objet Voiture depuis une classe extérieure mais je garde la possibilité de la faire depuis la classe Voiture. </a:t>
+            </a:r>
+            <a:r>
+              <a:rPr lang="fr-FR" sz="1800" dirty="0" err="1">
+                <a:effectLst/>
+                <a:latin typeface="Calibri" panose="020F0502020204030204" pitchFamily="34" charset="0"/>
+                <a:ea typeface="Calibri" panose="020F0502020204030204" pitchFamily="34" charset="0"/>
+                <a:cs typeface="Times New Roman" panose="02020603050405020304" pitchFamily="18" charset="0"/>
+              </a:rPr>
+              <a:t>Protected</a:t>
+            </a:r>
+            <a:r>
+              <a:rPr lang="fr-FR" sz="1800" dirty="0">
+                <a:effectLst/>
+                <a:latin typeface="Calibri" panose="020F0502020204030204" pitchFamily="34" charset="0"/>
+                <a:ea typeface="Calibri" panose="020F0502020204030204" pitchFamily="34" charset="0"/>
+                <a:cs typeface="Times New Roman" panose="02020603050405020304" pitchFamily="18" charset="0"/>
+              </a:rPr>
+              <a:t> est un intermédiaire entre public et </a:t>
+            </a:r>
+            <a:r>
+              <a:rPr lang="fr-FR" sz="1800" dirty="0" err="1">
+                <a:effectLst/>
+                <a:latin typeface="Calibri" panose="020F0502020204030204" pitchFamily="34" charset="0"/>
+                <a:ea typeface="Calibri" panose="020F0502020204030204" pitchFamily="34" charset="0"/>
+                <a:cs typeface="Times New Roman" panose="02020603050405020304" pitchFamily="18" charset="0"/>
+              </a:rPr>
+              <a:t>private</a:t>
+            </a:r>
+            <a:r>
+              <a:rPr lang="fr-FR" sz="1800" dirty="0">
+                <a:effectLst/>
+                <a:latin typeface="Calibri" panose="020F0502020204030204" pitchFamily="34" charset="0"/>
+                <a:ea typeface="Calibri" panose="020F0502020204030204" pitchFamily="34" charset="0"/>
+                <a:cs typeface="Times New Roman" panose="02020603050405020304" pitchFamily="18" charset="0"/>
+              </a:rPr>
+              <a:t>, il rend les attributs et méthodes visibles dans la même classe comme </a:t>
+            </a:r>
+            <a:r>
+              <a:rPr lang="fr-FR" sz="1800" dirty="0" err="1">
+                <a:effectLst/>
+                <a:latin typeface="Calibri" panose="020F0502020204030204" pitchFamily="34" charset="0"/>
+                <a:ea typeface="Calibri" panose="020F0502020204030204" pitchFamily="34" charset="0"/>
+                <a:cs typeface="Times New Roman" panose="02020603050405020304" pitchFamily="18" charset="0"/>
+              </a:rPr>
+              <a:t>private</a:t>
+            </a:r>
+            <a:r>
+              <a:rPr lang="fr-FR" sz="1800" dirty="0">
+                <a:effectLst/>
+                <a:latin typeface="Calibri" panose="020F0502020204030204" pitchFamily="34" charset="0"/>
+                <a:ea typeface="Calibri" panose="020F0502020204030204" pitchFamily="34" charset="0"/>
+                <a:cs typeface="Times New Roman" panose="02020603050405020304" pitchFamily="18" charset="0"/>
+              </a:rPr>
+              <a:t>, dans le même package comme package et de toute classe </a:t>
+            </a:r>
+            <a:r>
+              <a:rPr lang="fr-FR" sz="1800" dirty="0" err="1">
+                <a:effectLst/>
+                <a:latin typeface="Calibri" panose="020F0502020204030204" pitchFamily="34" charset="0"/>
+                <a:ea typeface="Calibri" panose="020F0502020204030204" pitchFamily="34" charset="0"/>
+                <a:cs typeface="Times New Roman" panose="02020603050405020304" pitchFamily="18" charset="0"/>
+              </a:rPr>
+              <a:t>héritante</a:t>
+            </a:r>
+            <a:r>
+              <a:rPr lang="fr-FR" sz="1800" dirty="0">
+                <a:effectLst/>
+                <a:latin typeface="Calibri" panose="020F0502020204030204" pitchFamily="34" charset="0"/>
+                <a:ea typeface="Calibri" panose="020F0502020204030204" pitchFamily="34" charset="0"/>
+                <a:cs typeface="Times New Roman" panose="02020603050405020304" pitchFamily="18" charset="0"/>
+              </a:rPr>
+              <a:t> de voiture. Click.</a:t>
+            </a:r>
+          </a:p>
+          <a:p>
+            <a:pPr marL="0" marR="0" lvl="0" indent="0" algn="l" defTabSz="914400" rtl="0" eaLnBrk="1" fontAlgn="auto" latinLnBrk="0" hangingPunct="1">
+              <a:lnSpc>
+                <a:spcPct val="100000"/>
+              </a:lnSpc>
+              <a:spcBef>
+                <a:spcPts val="0"/>
+              </a:spcBef>
+              <a:spcAft>
+                <a:spcPts val="0"/>
+              </a:spcAft>
+              <a:buClrTx/>
+              <a:buSzTx/>
+              <a:buFontTx/>
+              <a:buNone/>
+              <a:tabLst/>
+              <a:defRPr/>
+            </a:pPr>
+            <a:r>
+              <a:rPr lang="fr-FR" sz="1800" dirty="0">
+                <a:effectLst/>
+                <a:latin typeface="Calibri" panose="020F0502020204030204" pitchFamily="34" charset="0"/>
+                <a:ea typeface="Calibri" panose="020F0502020204030204" pitchFamily="34" charset="0"/>
+                <a:cs typeface="Times New Roman" panose="02020603050405020304" pitchFamily="18" charset="0"/>
+              </a:rPr>
+              <a:t>Comment choisir ?</a:t>
+            </a:r>
+          </a:p>
+          <a:p>
+            <a:pPr marL="285750" marR="0" lvl="0" indent="-285750" algn="l" defTabSz="914400" rtl="0" eaLnBrk="1" fontAlgn="auto" latinLnBrk="0" hangingPunct="1">
+              <a:lnSpc>
+                <a:spcPct val="100000"/>
+              </a:lnSpc>
+              <a:spcBef>
+                <a:spcPts val="0"/>
+              </a:spcBef>
+              <a:spcAft>
+                <a:spcPts val="0"/>
+              </a:spcAft>
+              <a:buClrTx/>
+              <a:buSzTx/>
+              <a:buFontTx/>
+              <a:buChar char="-"/>
+              <a:tabLst/>
+              <a:defRPr/>
+            </a:pPr>
+            <a:r>
+              <a:rPr lang="fr-FR" sz="1800" dirty="0">
+                <a:effectLst/>
+                <a:latin typeface="Calibri" panose="020F0502020204030204" pitchFamily="34" charset="0"/>
+                <a:ea typeface="Calibri" panose="020F0502020204030204" pitchFamily="34" charset="0"/>
+                <a:cs typeface="Times New Roman" panose="02020603050405020304" pitchFamily="18" charset="0"/>
+              </a:rPr>
+              <a:t>Utiliser </a:t>
+            </a:r>
+            <a:r>
+              <a:rPr lang="fr-FR" sz="1800" dirty="0" err="1">
+                <a:effectLst/>
+                <a:latin typeface="Calibri" panose="020F0502020204030204" pitchFamily="34" charset="0"/>
+                <a:ea typeface="Calibri" panose="020F0502020204030204" pitchFamily="34" charset="0"/>
+                <a:cs typeface="Times New Roman" panose="02020603050405020304" pitchFamily="18" charset="0"/>
+              </a:rPr>
+              <a:t>private</a:t>
+            </a:r>
+            <a:r>
+              <a:rPr lang="fr-FR" sz="1800" dirty="0">
+                <a:effectLst/>
+                <a:latin typeface="Calibri" panose="020F0502020204030204" pitchFamily="34" charset="0"/>
+                <a:ea typeface="Calibri" panose="020F0502020204030204" pitchFamily="34" charset="0"/>
+                <a:cs typeface="Times New Roman" panose="02020603050405020304" pitchFamily="18" charset="0"/>
+              </a:rPr>
+              <a:t> tant que c’est possible pour interdire tout accès extérieur sauf besoin explicite.</a:t>
+            </a:r>
+          </a:p>
+          <a:p>
+            <a:pPr marL="285750" marR="0" lvl="0" indent="-285750" algn="l" defTabSz="914400" rtl="0" eaLnBrk="1" fontAlgn="auto" latinLnBrk="0" hangingPunct="1">
+              <a:lnSpc>
+                <a:spcPct val="100000"/>
+              </a:lnSpc>
+              <a:spcBef>
+                <a:spcPts val="0"/>
+              </a:spcBef>
+              <a:spcAft>
+                <a:spcPts val="0"/>
+              </a:spcAft>
+              <a:buClrTx/>
+              <a:buSzTx/>
+              <a:buFontTx/>
+              <a:buChar char="-"/>
+              <a:tabLst/>
+              <a:defRPr/>
+            </a:pPr>
+            <a:r>
+              <a:rPr lang="fr-FR" sz="1800" dirty="0">
+                <a:effectLst/>
+                <a:latin typeface="Calibri" panose="020F0502020204030204" pitchFamily="34" charset="0"/>
+                <a:ea typeface="Calibri" panose="020F0502020204030204" pitchFamily="34" charset="0"/>
+                <a:cs typeface="Times New Roman" panose="02020603050405020304" pitchFamily="18" charset="0"/>
+              </a:rPr>
+              <a:t>Pour une classe, seul public est possible.</a:t>
+            </a:r>
+          </a:p>
+          <a:p>
+            <a:pPr marL="0" marR="0" lvl="0" indent="0" algn="l" defTabSz="914400" rtl="0" eaLnBrk="1" fontAlgn="auto" latinLnBrk="0" hangingPunct="1">
+              <a:lnSpc>
+                <a:spcPct val="100000"/>
+              </a:lnSpc>
+              <a:spcBef>
+                <a:spcPts val="0"/>
+              </a:spcBef>
+              <a:spcAft>
+                <a:spcPts val="0"/>
+              </a:spcAft>
+              <a:buClrTx/>
+              <a:buSzTx/>
+              <a:buFontTx/>
+              <a:buNone/>
+              <a:tabLst/>
+              <a:defRPr/>
+            </a:pPr>
+            <a:endParaRPr lang="fr-FR" sz="1800" dirty="0">
+              <a:effectLst/>
+              <a:latin typeface="Calibri" panose="020F0502020204030204" pitchFamily="34" charset="0"/>
+              <a:ea typeface="Calibri" panose="020F0502020204030204" pitchFamily="34" charset="0"/>
+              <a:cs typeface="Times New Roman" panose="02020603050405020304" pitchFamily="18" charset="0"/>
+            </a:endParaRPr>
+          </a:p>
+          <a:p>
+            <a:pPr marL="0" marR="0" lvl="0" indent="0" algn="l" defTabSz="914400" rtl="0" eaLnBrk="1" fontAlgn="auto" latinLnBrk="0" hangingPunct="1">
+              <a:lnSpc>
+                <a:spcPct val="100000"/>
+              </a:lnSpc>
+              <a:spcBef>
+                <a:spcPts val="0"/>
+              </a:spcBef>
+              <a:spcAft>
+                <a:spcPts val="0"/>
+              </a:spcAft>
+              <a:buClrTx/>
+              <a:buSzTx/>
+              <a:buFontTx/>
+              <a:buNone/>
+              <a:tabLst/>
+              <a:defRPr/>
+            </a:pPr>
+            <a:endParaRPr lang="fr-FR" sz="1800" dirty="0">
+              <a:effectLst/>
+              <a:latin typeface="Calibri" panose="020F0502020204030204" pitchFamily="34" charset="0"/>
+              <a:ea typeface="Calibri" panose="020F0502020204030204" pitchFamily="34" charset="0"/>
+              <a:cs typeface="Times New Roman" panose="02020603050405020304" pitchFamily="18" charset="0"/>
+            </a:endParaRPr>
+          </a:p>
+          <a:p>
+            <a:pPr marL="0" marR="0" lvl="0" indent="0" algn="l" defTabSz="914400" rtl="0" eaLnBrk="1" fontAlgn="auto" latinLnBrk="0" hangingPunct="1">
+              <a:lnSpc>
+                <a:spcPct val="100000"/>
+              </a:lnSpc>
+              <a:spcBef>
+                <a:spcPts val="0"/>
+              </a:spcBef>
+              <a:spcAft>
+                <a:spcPts val="0"/>
+              </a:spcAft>
+              <a:buClrTx/>
+              <a:buSzTx/>
+              <a:buFontTx/>
+              <a:buNone/>
+              <a:tabLst/>
+              <a:defRPr/>
+            </a:pPr>
+            <a:endParaRPr lang="fr-FR" sz="1800" dirty="0">
+              <a:effectLst/>
+              <a:latin typeface="Calibri" panose="020F0502020204030204" pitchFamily="34" charset="0"/>
+              <a:ea typeface="Calibri" panose="020F0502020204030204" pitchFamily="34" charset="0"/>
+              <a:cs typeface="Times New Roman" panose="02020603050405020304" pitchFamily="18" charset="0"/>
+            </a:endParaRPr>
+          </a:p>
+          <a:p>
+            <a:endParaRPr kumimoji="0" lang="fr-FR" sz="1200" b="1" i="0" u="none" strike="noStrike" kern="1200" cap="none" spc="0" normalizeH="0" baseline="0" noProof="0" dirty="0">
+              <a:ln>
+                <a:noFill/>
+              </a:ln>
+              <a:solidFill>
+                <a:srgbClr val="242852">
+                  <a:lumMod val="60000"/>
+                  <a:lumOff val="40000"/>
+                </a:srgbClr>
+              </a:solidFill>
+              <a:effectLst/>
+              <a:uLnTx/>
+              <a:uFillTx/>
+              <a:latin typeface="Arial Narrow" panose="020B0606020202030204" pitchFamily="34" charset="0"/>
+              <a:cs typeface="Times New Roman" panose="02020603050405020304" pitchFamily="18" charset="0"/>
+            </a:endParaRPr>
+          </a:p>
+          <a:p>
+            <a:endParaRPr kumimoji="0" lang="fr-FR" sz="1200" b="1" i="0" u="none" strike="noStrike" kern="1200" cap="none" spc="0" normalizeH="0" baseline="0" noProof="0" dirty="0">
+              <a:ln>
+                <a:noFill/>
+              </a:ln>
+              <a:solidFill>
+                <a:srgbClr val="242852">
+                  <a:lumMod val="60000"/>
+                  <a:lumOff val="40000"/>
+                </a:srgbClr>
+              </a:solidFill>
+              <a:effectLst/>
+              <a:uLnTx/>
+              <a:uFillTx/>
+              <a:latin typeface="Arial Narrow" panose="020B0606020202030204" pitchFamily="34" charset="0"/>
+              <a:cs typeface="Times New Roman" panose="02020603050405020304" pitchFamily="18" charset="0"/>
+            </a:endParaRPr>
+          </a:p>
+          <a:p>
+            <a:endParaRPr kumimoji="0" lang="fr-FR" sz="1200" b="1" i="0" u="none" strike="noStrike" kern="1200" cap="none" spc="0" normalizeH="0" baseline="0" noProof="0" dirty="0">
+              <a:ln>
+                <a:noFill/>
+              </a:ln>
+              <a:solidFill>
+                <a:srgbClr val="242852">
+                  <a:lumMod val="60000"/>
+                  <a:lumOff val="40000"/>
+                </a:srgbClr>
+              </a:solidFill>
+              <a:effectLst/>
+              <a:uLnTx/>
+              <a:uFillTx/>
+              <a:latin typeface="Arial Narrow" panose="020B0606020202030204" pitchFamily="34" charset="0"/>
+              <a:cs typeface="Times New Roman" panose="02020603050405020304" pitchFamily="18" charset="0"/>
+            </a:endParaRPr>
+          </a:p>
+          <a:p>
+            <a:endParaRPr lang="fr-FR" dirty="0"/>
+          </a:p>
+        </p:txBody>
+      </p:sp>
+      <p:sp>
+        <p:nvSpPr>
+          <p:cNvPr id="4" name="Espace réservé du numéro de diapositive 3"/>
+          <p:cNvSpPr>
+            <a:spLocks noGrp="1"/>
+          </p:cNvSpPr>
+          <p:nvPr>
+            <p:ph type="sldNum" sz="quarter" idx="5"/>
+          </p:nvPr>
+        </p:nvSpPr>
+        <p:spPr/>
+        <p:txBody>
+          <a:bodyPr/>
+          <a:lstStyle/>
+          <a:p>
+            <a:fld id="{933A14DE-251B-43F2-9117-712805D1AF12}" type="slidenum">
+              <a:rPr lang="fr-FR" smtClean="0"/>
+              <a:t>6</a:t>
+            </a:fld>
+            <a:endParaRPr lang="fr-FR"/>
+          </a:p>
+        </p:txBody>
+      </p:sp>
+    </p:spTree>
+    <p:extLst>
+      <p:ext uri="{BB962C8B-B14F-4D97-AF65-F5344CB8AC3E}">
+        <p14:creationId xmlns:p14="http://schemas.microsoft.com/office/powerpoint/2010/main" val="3714913394"/>
+      </p:ext>
+    </p:extLst>
+  </p:cSld>
+  <p:clrMapOvr>
+    <a:masterClrMapping/>
+  </p:clrMapOvr>
+</p:notes>
+</file>
+
+<file path=ppt/notesSlides/notesSlide7.xml><?xml version="1.0" encoding="utf-8"?>
+<p:notes xmlns:a="http://schemas.openxmlformats.org/drawingml/2006/main" xmlns:r="http://schemas.openxmlformats.org/officeDocument/2006/relationships" xmlns:p="http://schemas.openxmlformats.org/presentationml/2006/main">
+  <p:cSld>
+    <p:spTree>
+      <p:nvGrpSpPr>
+        <p:cNvPr id="1" name=""/>
+        <p:cNvGrpSpPr/>
+        <p:nvPr/>
+      </p:nvGrpSpPr>
+      <p:grpSpPr>
+        <a:xfrm>
+          <a:off x="0" y="0"/>
+          <a:ext cx="0" cy="0"/>
+          <a:chOff x="0" y="0"/>
+          <a:chExt cx="0" cy="0"/>
+        </a:xfrm>
+      </p:grpSpPr>
+      <p:sp>
+        <p:nvSpPr>
+          <p:cNvPr id="2" name="Espace réservé de l'image des diapositives 1"/>
+          <p:cNvSpPr>
+            <a:spLocks noGrp="1" noRot="1" noChangeAspect="1"/>
+          </p:cNvSpPr>
+          <p:nvPr>
+            <p:ph type="sldImg"/>
+          </p:nvPr>
+        </p:nvSpPr>
+        <p:spPr/>
+      </p:sp>
+      <p:sp>
+        <p:nvSpPr>
+          <p:cNvPr id="3" name="Espace réservé des notes 2"/>
+          <p:cNvSpPr>
+            <a:spLocks noGrp="1"/>
+          </p:cNvSpPr>
+          <p:nvPr>
+            <p:ph type="body" idx="1"/>
+          </p:nvPr>
+        </p:nvSpPr>
+        <p:spPr/>
+        <p:txBody>
+          <a:bodyPr/>
+          <a:lstStyle/>
+          <a:p>
+            <a:r>
+              <a:rPr kumimoji="0" lang="fr-FR" sz="1200" b="1" i="0" u="none" strike="noStrike" kern="1200" cap="none" spc="0" normalizeH="0" baseline="0" noProof="0" dirty="0">
+                <a:ln>
+                  <a:noFill/>
+                </a:ln>
+                <a:solidFill>
+                  <a:srgbClr val="242852">
+                    <a:lumMod val="60000"/>
+                    <a:lumOff val="40000"/>
+                  </a:srgbClr>
+                </a:solidFill>
+                <a:effectLst/>
+                <a:uLnTx/>
+                <a:uFillTx/>
+                <a:latin typeface="Arial Narrow" panose="020B0606020202030204" pitchFamily="34" charset="0"/>
+                <a:cs typeface="Times New Roman" panose="02020603050405020304" pitchFamily="18" charset="0"/>
+              </a:rPr>
+              <a:t>Quand une propriété est </a:t>
+            </a:r>
+            <a:r>
+              <a:rPr kumimoji="0" lang="fr-FR" sz="1200" b="1" i="0" u="none" strike="noStrike" kern="1200" cap="none" spc="0" normalizeH="0" baseline="0" noProof="0" dirty="0" err="1">
+                <a:ln>
+                  <a:noFill/>
+                </a:ln>
+                <a:solidFill>
+                  <a:srgbClr val="242852">
+                    <a:lumMod val="60000"/>
+                    <a:lumOff val="40000"/>
+                  </a:srgbClr>
+                </a:solidFill>
+                <a:effectLst/>
+                <a:uLnTx/>
+                <a:uFillTx/>
+                <a:latin typeface="Arial Narrow" panose="020B0606020202030204" pitchFamily="34" charset="0"/>
+                <a:cs typeface="Times New Roman" panose="02020603050405020304" pitchFamily="18" charset="0"/>
+              </a:rPr>
+              <a:t>private</a:t>
+            </a:r>
+            <a:r>
+              <a:rPr kumimoji="0" lang="fr-FR" sz="1200" b="1" i="0" u="none" strike="noStrike" kern="1200" cap="none" spc="0" normalizeH="0" baseline="0" noProof="0" dirty="0">
+                <a:ln>
+                  <a:noFill/>
+                </a:ln>
+                <a:solidFill>
+                  <a:srgbClr val="242852">
+                    <a:lumMod val="60000"/>
+                    <a:lumOff val="40000"/>
+                  </a:srgbClr>
+                </a:solidFill>
+                <a:effectLst/>
+                <a:uLnTx/>
+                <a:uFillTx/>
+                <a:latin typeface="Arial Narrow" panose="020B0606020202030204" pitchFamily="34" charset="0"/>
+                <a:cs typeface="Times New Roman" panose="02020603050405020304" pitchFamily="18" charset="0"/>
+              </a:rPr>
+              <a:t>, son accès est impossible en lecture et écriture depuis l’extérieur de la classe.</a:t>
+            </a:r>
+          </a:p>
+          <a:p>
+            <a:r>
+              <a:rPr kumimoji="0" lang="fr-FR" sz="1200" b="1" i="0" u="none" strike="noStrike" kern="1200" cap="none" spc="0" normalizeH="0" baseline="0" noProof="0" dirty="0">
+                <a:ln>
+                  <a:noFill/>
+                </a:ln>
+                <a:solidFill>
+                  <a:srgbClr val="242852">
+                    <a:lumMod val="60000"/>
+                    <a:lumOff val="40000"/>
+                  </a:srgbClr>
+                </a:solidFill>
+                <a:effectLst/>
+                <a:uLnTx/>
+                <a:uFillTx/>
+                <a:latin typeface="Arial Narrow" panose="020B0606020202030204" pitchFamily="34" charset="0"/>
+                <a:cs typeface="Times New Roman" panose="02020603050405020304" pitchFamily="18" charset="0"/>
+              </a:rPr>
+              <a:t>La norme des composants réutilisables veut que toutes les propriétés qui doivent être accessibles depuis l’extérieur doivent être privées.</a:t>
+            </a:r>
+          </a:p>
+          <a:p>
+            <a:r>
+              <a:rPr kumimoji="0" lang="fr-FR" sz="1200" b="1" i="0" u="none" strike="noStrike" kern="1200" cap="none" spc="0" normalizeH="0" baseline="0" noProof="0" dirty="0">
+                <a:ln>
+                  <a:noFill/>
+                </a:ln>
+                <a:solidFill>
+                  <a:srgbClr val="242852">
+                    <a:lumMod val="60000"/>
+                    <a:lumOff val="40000"/>
+                  </a:srgbClr>
+                </a:solidFill>
+                <a:effectLst/>
+                <a:uLnTx/>
+                <a:uFillTx/>
+                <a:latin typeface="Arial Narrow" panose="020B0606020202030204" pitchFamily="34" charset="0"/>
+                <a:cs typeface="Times New Roman" panose="02020603050405020304" pitchFamily="18" charset="0"/>
+              </a:rPr>
+              <a:t>&lt;</a:t>
+            </a:r>
+            <a:r>
+              <a:rPr kumimoji="0" lang="fr-FR" sz="1200" b="1" i="0" u="none" strike="noStrike" kern="1200" cap="none" spc="0" normalizeH="0" baseline="0" noProof="0" dirty="0" err="1">
+                <a:ln>
+                  <a:noFill/>
+                </a:ln>
+                <a:solidFill>
+                  <a:srgbClr val="242852">
+                    <a:lumMod val="60000"/>
+                    <a:lumOff val="40000"/>
+                  </a:srgbClr>
+                </a:solidFill>
+                <a:effectLst/>
+                <a:uLnTx/>
+                <a:uFillTx/>
+                <a:latin typeface="Arial Narrow" panose="020B0606020202030204" pitchFamily="34" charset="0"/>
+                <a:cs typeface="Times New Roman" panose="02020603050405020304" pitchFamily="18" charset="0"/>
+              </a:rPr>
+              <a:t>MemoCode</a:t>
+            </a:r>
+            <a:r>
+              <a:rPr kumimoji="0" lang="fr-FR" sz="1200" b="1" i="0" u="none" strike="noStrike" kern="1200" cap="none" spc="0" normalizeH="0" baseline="0" noProof="0" dirty="0">
+                <a:ln>
+                  <a:noFill/>
+                </a:ln>
+                <a:solidFill>
+                  <a:srgbClr val="242852">
+                    <a:lumMod val="60000"/>
+                    <a:lumOff val="40000"/>
+                  </a:srgbClr>
+                </a:solidFill>
+                <a:effectLst/>
+                <a:uLnTx/>
+                <a:uFillTx/>
+                <a:latin typeface="Arial Narrow" panose="020B0606020202030204" pitchFamily="34" charset="0"/>
+                <a:cs typeface="Times New Roman" panose="02020603050405020304" pitchFamily="18" charset="0"/>
+              </a:rPr>
+              <a:t>&gt;, classe Voiture, rendons nos propriétés privées (uniquement propriétés d’instances, pas </a:t>
+            </a:r>
+            <a:r>
+              <a:rPr kumimoji="0" lang="fr-FR" sz="1200" b="1" i="0" u="none" strike="noStrike" kern="1200" cap="none" spc="0" normalizeH="0" baseline="0" noProof="0" dirty="0" err="1">
+                <a:ln>
+                  <a:noFill/>
+                </a:ln>
+                <a:solidFill>
+                  <a:srgbClr val="242852">
+                    <a:lumMod val="60000"/>
+                    <a:lumOff val="40000"/>
+                  </a:srgbClr>
+                </a:solidFill>
+                <a:effectLst/>
+                <a:uLnTx/>
+                <a:uFillTx/>
+                <a:latin typeface="Arial Narrow" panose="020B0606020202030204" pitchFamily="34" charset="0"/>
+                <a:cs typeface="Times New Roman" panose="02020603050405020304" pitchFamily="18" charset="0"/>
+              </a:rPr>
+              <a:t>static</a:t>
+            </a:r>
+            <a:r>
+              <a:rPr kumimoji="0" lang="fr-FR" sz="1200" b="1" i="0" u="none" strike="noStrike" kern="1200" cap="none" spc="0" normalizeH="0" baseline="0" noProof="0" dirty="0">
+                <a:ln>
+                  <a:noFill/>
+                </a:ln>
+                <a:solidFill>
+                  <a:srgbClr val="242852">
+                    <a:lumMod val="60000"/>
+                    <a:lumOff val="40000"/>
+                  </a:srgbClr>
+                </a:solidFill>
+                <a:effectLst/>
+                <a:uLnTx/>
+                <a:uFillTx/>
+                <a:latin typeface="Arial Narrow" panose="020B0606020202030204" pitchFamily="34" charset="0"/>
+                <a:cs typeface="Times New Roman" panose="02020603050405020304" pitchFamily="18" charset="0"/>
+              </a:rPr>
+              <a:t>).</a:t>
+            </a:r>
+          </a:p>
+          <a:p>
+            <a:r>
+              <a:rPr kumimoji="0" lang="fr-FR" sz="1200" b="1" i="0" u="none" strike="noStrike" kern="1200" cap="none" spc="0" normalizeH="0" baseline="0" noProof="0" dirty="0">
+                <a:ln>
+                  <a:noFill/>
+                </a:ln>
+                <a:solidFill>
+                  <a:srgbClr val="242852">
+                    <a:lumMod val="60000"/>
+                    <a:lumOff val="40000"/>
+                  </a:srgbClr>
+                </a:solidFill>
+                <a:effectLst/>
+                <a:uLnTx/>
+                <a:uFillTx/>
+                <a:latin typeface="Arial Narrow" panose="020B0606020202030204" pitchFamily="34" charset="0"/>
+                <a:cs typeface="Times New Roman" panose="02020603050405020304" pitchFamily="18" charset="0"/>
+              </a:rPr>
+              <a:t>Pour rendre nos propriétés accessibles en lecture, nous allons ajouter des méthodes publiques.</a:t>
+            </a:r>
+          </a:p>
+          <a:p>
+            <a:r>
+              <a:rPr kumimoji="0" lang="fr-FR" sz="1200" b="1" i="0" u="none" strike="noStrike" kern="1200" cap="none" spc="0" normalizeH="0" baseline="0" noProof="0" dirty="0">
+                <a:ln>
+                  <a:noFill/>
+                </a:ln>
+                <a:solidFill>
+                  <a:srgbClr val="242852">
+                    <a:lumMod val="60000"/>
+                    <a:lumOff val="40000"/>
+                  </a:srgbClr>
+                </a:solidFill>
+                <a:effectLst/>
+                <a:uLnTx/>
+                <a:uFillTx/>
+                <a:latin typeface="Arial Narrow" panose="020B0606020202030204" pitchFamily="34" charset="0"/>
+                <a:cs typeface="Times New Roman" panose="02020603050405020304" pitchFamily="18" charset="0"/>
+              </a:rPr>
+              <a:t>La méthode publique qui permet de lire le contenu d’une propriété s’appelle l’accesseur. &lt;click&gt;</a:t>
+            </a:r>
+          </a:p>
+          <a:p>
+            <a:pPr marL="0" marR="0" lvl="0" indent="0" algn="l" defTabSz="914400" rtl="0" eaLnBrk="1" fontAlgn="auto" latinLnBrk="0" hangingPunct="1">
+              <a:lnSpc>
+                <a:spcPct val="100000"/>
+              </a:lnSpc>
+              <a:spcBef>
+                <a:spcPts val="0"/>
+              </a:spcBef>
+              <a:spcAft>
+                <a:spcPts val="0"/>
+              </a:spcAft>
+              <a:buClrTx/>
+              <a:buSzTx/>
+              <a:buFontTx/>
+              <a:buNone/>
+              <a:tabLst/>
+              <a:defRPr/>
+            </a:pPr>
+            <a:r>
+              <a:rPr kumimoji="0" lang="fr-FR" sz="1200" b="1" i="0" u="none" strike="noStrike" kern="1200" cap="none" spc="0" normalizeH="0" baseline="0" noProof="0" dirty="0">
+                <a:ln>
+                  <a:noFill/>
+                </a:ln>
+                <a:solidFill>
+                  <a:srgbClr val="242852">
+                    <a:lumMod val="60000"/>
+                    <a:lumOff val="40000"/>
+                  </a:srgbClr>
+                </a:solidFill>
+                <a:effectLst/>
+                <a:uLnTx/>
+                <a:uFillTx/>
+                <a:latin typeface="Arial Narrow" panose="020B0606020202030204" pitchFamily="34" charset="0"/>
+                <a:cs typeface="Times New Roman" panose="02020603050405020304" pitchFamily="18" charset="0"/>
+              </a:rPr>
+              <a:t>La méthode publique qui permet d’écrire dans la propriété s’appelle le mutateur. &lt;click&gt;</a:t>
+            </a:r>
+          </a:p>
+          <a:p>
+            <a:pPr marL="0" marR="0" lvl="0" indent="0" algn="l" defTabSz="914400" rtl="0" eaLnBrk="1" fontAlgn="auto" latinLnBrk="0" hangingPunct="1">
+              <a:lnSpc>
+                <a:spcPct val="100000"/>
+              </a:lnSpc>
+              <a:spcBef>
+                <a:spcPts val="0"/>
+              </a:spcBef>
+              <a:spcAft>
+                <a:spcPts val="0"/>
+              </a:spcAft>
+              <a:buClrTx/>
+              <a:buSzTx/>
+              <a:buFontTx/>
+              <a:buNone/>
+              <a:tabLst/>
+              <a:defRPr/>
+            </a:pPr>
+            <a:r>
+              <a:rPr kumimoji="0" lang="fr-FR" sz="1200" b="1" i="0" u="none" strike="noStrike" kern="1200" cap="none" spc="0" normalizeH="0" baseline="0" noProof="0" dirty="0">
+                <a:ln>
+                  <a:noFill/>
+                </a:ln>
+                <a:solidFill>
+                  <a:srgbClr val="242852">
+                    <a:lumMod val="60000"/>
+                    <a:lumOff val="40000"/>
+                  </a:srgbClr>
+                </a:solidFill>
+                <a:effectLst/>
+                <a:uLnTx/>
+                <a:uFillTx/>
+                <a:latin typeface="Arial Narrow" panose="020B0606020202030204" pitchFamily="34" charset="0"/>
+                <a:cs typeface="Times New Roman" panose="02020603050405020304" pitchFamily="18" charset="0"/>
+              </a:rPr>
+              <a:t>Elles ont une syntaxe définie par la norme, il suffit de la générer. Exemple avec </a:t>
+            </a:r>
+            <a:r>
+              <a:rPr kumimoji="0" lang="fr-FR" sz="1200" b="1" i="0" u="none" strike="noStrike" kern="1200" cap="none" spc="0" normalizeH="0" baseline="0" noProof="0" dirty="0" err="1">
+                <a:ln>
+                  <a:noFill/>
+                </a:ln>
+                <a:solidFill>
+                  <a:srgbClr val="242852">
+                    <a:lumMod val="60000"/>
+                    <a:lumOff val="40000"/>
+                  </a:srgbClr>
+                </a:solidFill>
+                <a:effectLst/>
+                <a:uLnTx/>
+                <a:uFillTx/>
+                <a:latin typeface="Arial Narrow" panose="020B0606020202030204" pitchFamily="34" charset="0"/>
+                <a:cs typeface="Times New Roman" panose="02020603050405020304" pitchFamily="18" charset="0"/>
+              </a:rPr>
+              <a:t>nbPortes</a:t>
+            </a:r>
+            <a:r>
+              <a:rPr kumimoji="0" lang="fr-FR" sz="1200" b="1" i="0" u="none" strike="noStrike" kern="1200" cap="none" spc="0" normalizeH="0" baseline="0" noProof="0" dirty="0">
+                <a:ln>
+                  <a:noFill/>
+                </a:ln>
+                <a:solidFill>
+                  <a:srgbClr val="242852">
+                    <a:lumMod val="60000"/>
+                    <a:lumOff val="40000"/>
+                  </a:srgbClr>
+                </a:solidFill>
+                <a:effectLst/>
+                <a:uLnTx/>
+                <a:uFillTx/>
+                <a:latin typeface="Arial Narrow" panose="020B0606020202030204" pitchFamily="34" charset="0"/>
+                <a:cs typeface="Times New Roman" panose="02020603050405020304" pitchFamily="18" charset="0"/>
+              </a:rPr>
+              <a:t>.</a:t>
+            </a:r>
+          </a:p>
+          <a:p>
+            <a:pPr marL="0" marR="0" lvl="0" indent="0" algn="l" defTabSz="914400" rtl="0" eaLnBrk="1" fontAlgn="auto" latinLnBrk="0" hangingPunct="1">
+              <a:lnSpc>
+                <a:spcPct val="100000"/>
+              </a:lnSpc>
+              <a:spcBef>
+                <a:spcPts val="0"/>
+              </a:spcBef>
+              <a:spcAft>
+                <a:spcPts val="0"/>
+              </a:spcAft>
+              <a:buClrTx/>
+              <a:buSzTx/>
+              <a:buFontTx/>
+              <a:buNone/>
+              <a:tabLst/>
+              <a:defRPr/>
+            </a:pPr>
+            <a:r>
+              <a:rPr kumimoji="0" lang="fr-FR" sz="1200" b="1" i="0" u="none" strike="noStrike" kern="1200" cap="none" spc="0" normalizeH="0" baseline="0" noProof="0" dirty="0" err="1">
+                <a:ln>
+                  <a:noFill/>
+                </a:ln>
+                <a:solidFill>
+                  <a:srgbClr val="242852">
+                    <a:lumMod val="60000"/>
+                    <a:lumOff val="40000"/>
+                  </a:srgbClr>
+                </a:solidFill>
+                <a:effectLst/>
+                <a:uLnTx/>
+                <a:uFillTx/>
+                <a:latin typeface="Arial Narrow" panose="020B0606020202030204" pitchFamily="34" charset="0"/>
+                <a:cs typeface="Times New Roman" panose="02020603050405020304" pitchFamily="18" charset="0"/>
+              </a:rPr>
+              <a:t>nbPortes</a:t>
+            </a:r>
+            <a:r>
+              <a:rPr kumimoji="0" lang="fr-FR" sz="1200" b="1" i="0" u="none" strike="noStrike" kern="1200" cap="none" spc="0" normalizeH="0" baseline="0" noProof="0" dirty="0">
+                <a:ln>
+                  <a:noFill/>
+                </a:ln>
+                <a:solidFill>
+                  <a:srgbClr val="242852">
+                    <a:lumMod val="60000"/>
+                    <a:lumOff val="40000"/>
+                  </a:srgbClr>
+                </a:solidFill>
+                <a:effectLst/>
+                <a:uLnTx/>
+                <a:uFillTx/>
+                <a:latin typeface="Arial Narrow" panose="020B0606020202030204" pitchFamily="34" charset="0"/>
+                <a:cs typeface="Times New Roman" panose="02020603050405020304" pitchFamily="18" charset="0"/>
+              </a:rPr>
+              <a:t> est privée mais comme je suis à l’intérieur de la classe, les méthodes y ont accès.</a:t>
+            </a:r>
+          </a:p>
+          <a:p>
+            <a:pPr marL="0" marR="0" lvl="0" indent="0" algn="l" defTabSz="914400" rtl="0" eaLnBrk="1" fontAlgn="auto" latinLnBrk="0" hangingPunct="1">
+              <a:lnSpc>
+                <a:spcPct val="100000"/>
+              </a:lnSpc>
+              <a:spcBef>
+                <a:spcPts val="0"/>
+              </a:spcBef>
+              <a:spcAft>
+                <a:spcPts val="0"/>
+              </a:spcAft>
+              <a:buClrTx/>
+              <a:buSzTx/>
+              <a:buFontTx/>
+              <a:buNone/>
+              <a:tabLst/>
+              <a:defRPr/>
+            </a:pPr>
+            <a:r>
+              <a:rPr kumimoji="0" lang="fr-FR" sz="1200" b="1" i="0" u="none" strike="noStrike" kern="1200" cap="none" spc="0" normalizeH="0" baseline="0" noProof="0" dirty="0">
+                <a:ln>
+                  <a:noFill/>
+                </a:ln>
+                <a:solidFill>
+                  <a:srgbClr val="242852">
+                    <a:lumMod val="60000"/>
+                    <a:lumOff val="40000"/>
+                  </a:srgbClr>
+                </a:solidFill>
+                <a:effectLst/>
+                <a:uLnTx/>
+                <a:uFillTx/>
+                <a:latin typeface="Arial Narrow" panose="020B0606020202030204" pitchFamily="34" charset="0"/>
+                <a:cs typeface="Times New Roman" panose="02020603050405020304" pitchFamily="18" charset="0"/>
+              </a:rPr>
+              <a:t>La syntaxe suit un certain standard : </a:t>
+            </a:r>
+            <a:r>
+              <a:rPr kumimoji="0" lang="fr-FR" sz="1200" b="1" i="0" u="none" strike="noStrike" kern="1200" cap="none" spc="0" normalizeH="0" baseline="0" noProof="0" dirty="0" err="1">
+                <a:ln>
+                  <a:noFill/>
+                </a:ln>
+                <a:solidFill>
+                  <a:srgbClr val="242852">
+                    <a:lumMod val="60000"/>
+                    <a:lumOff val="40000"/>
+                  </a:srgbClr>
+                </a:solidFill>
+                <a:effectLst/>
+                <a:uLnTx/>
+                <a:uFillTx/>
+                <a:latin typeface="Arial Narrow" panose="020B0606020202030204" pitchFamily="34" charset="0"/>
+                <a:cs typeface="Times New Roman" panose="02020603050405020304" pitchFamily="18" charset="0"/>
+              </a:rPr>
+              <a:t>get</a:t>
+            </a:r>
+            <a:r>
+              <a:rPr kumimoji="0" lang="fr-FR" sz="1200" b="1" i="0" u="none" strike="noStrike" kern="1200" cap="none" spc="0" normalizeH="0" baseline="0" noProof="0" dirty="0">
+                <a:ln>
+                  <a:noFill/>
+                </a:ln>
+                <a:solidFill>
+                  <a:srgbClr val="242852">
+                    <a:lumMod val="60000"/>
+                    <a:lumOff val="40000"/>
+                  </a:srgbClr>
+                </a:solidFill>
+                <a:effectLst/>
+                <a:uLnTx/>
+                <a:uFillTx/>
+                <a:latin typeface="Arial Narrow" panose="020B0606020202030204" pitchFamily="34" charset="0"/>
+                <a:cs typeface="Times New Roman" panose="02020603050405020304" pitchFamily="18" charset="0"/>
+              </a:rPr>
+              <a:t> + nom de la propriété avec la 1ere lettre en majuscule.</a:t>
+            </a:r>
+          </a:p>
+          <a:p>
+            <a:pPr marL="0" marR="0" lvl="0" indent="0" algn="l" defTabSz="914400" rtl="0" eaLnBrk="1" fontAlgn="auto" latinLnBrk="0" hangingPunct="1">
+              <a:lnSpc>
+                <a:spcPct val="100000"/>
+              </a:lnSpc>
+              <a:spcBef>
+                <a:spcPts val="0"/>
+              </a:spcBef>
+              <a:spcAft>
+                <a:spcPts val="0"/>
+              </a:spcAft>
+              <a:buClrTx/>
+              <a:buSzTx/>
+              <a:buFontTx/>
+              <a:buNone/>
+              <a:tabLst/>
+              <a:defRPr/>
+            </a:pPr>
+            <a:r>
+              <a:rPr kumimoji="0" lang="fr-FR" sz="1200" b="1" i="0" u="none" strike="noStrike" kern="1200" cap="none" spc="0" normalizeH="0" baseline="0" noProof="0" dirty="0" err="1">
+                <a:ln>
+                  <a:noFill/>
+                </a:ln>
+                <a:solidFill>
+                  <a:srgbClr val="242852">
+                    <a:lumMod val="60000"/>
+                    <a:lumOff val="40000"/>
+                  </a:srgbClr>
+                </a:solidFill>
+                <a:effectLst/>
+                <a:uLnTx/>
+                <a:uFillTx/>
+                <a:latin typeface="Arial Narrow" panose="020B0606020202030204" pitchFamily="34" charset="0"/>
+                <a:cs typeface="Times New Roman" panose="02020603050405020304" pitchFamily="18" charset="0"/>
+              </a:rPr>
+              <a:t>nbPortes</a:t>
+            </a:r>
+            <a:r>
+              <a:rPr kumimoji="0" lang="fr-FR" sz="1200" b="1" i="0" u="none" strike="noStrike" kern="1200" cap="none" spc="0" normalizeH="0" baseline="0" noProof="0" dirty="0">
+                <a:ln>
+                  <a:noFill/>
+                </a:ln>
+                <a:solidFill>
+                  <a:srgbClr val="242852">
+                    <a:lumMod val="60000"/>
+                    <a:lumOff val="40000"/>
+                  </a:srgbClr>
+                </a:solidFill>
+                <a:effectLst/>
+                <a:uLnTx/>
+                <a:uFillTx/>
+                <a:latin typeface="Arial Narrow" panose="020B0606020202030204" pitchFamily="34" charset="0"/>
+                <a:cs typeface="Times New Roman" panose="02020603050405020304" pitchFamily="18" charset="0"/>
+              </a:rPr>
+              <a:t> est accessible en lecture / </a:t>
+            </a:r>
+            <a:r>
+              <a:rPr kumimoji="0" lang="fr-FR" sz="1200" b="1" i="0" u="none" strike="noStrike" kern="1200" cap="none" spc="0" normalizeH="0" baseline="0" noProof="0" dirty="0" err="1">
+                <a:ln>
+                  <a:noFill/>
+                </a:ln>
+                <a:solidFill>
+                  <a:srgbClr val="242852">
+                    <a:lumMod val="60000"/>
+                    <a:lumOff val="40000"/>
+                  </a:srgbClr>
+                </a:solidFill>
+                <a:effectLst/>
+                <a:uLnTx/>
+                <a:uFillTx/>
+                <a:latin typeface="Arial Narrow" panose="020B0606020202030204" pitchFamily="34" charset="0"/>
+                <a:cs typeface="Times New Roman" panose="02020603050405020304" pitchFamily="18" charset="0"/>
+              </a:rPr>
+              <a:t>ecriture</a:t>
+            </a:r>
+            <a:r>
+              <a:rPr kumimoji="0" lang="fr-FR" sz="1200" b="1" i="0" u="none" strike="noStrike" kern="1200" cap="none" spc="0" normalizeH="0" baseline="0" noProof="0" dirty="0">
+                <a:ln>
+                  <a:noFill/>
+                </a:ln>
+                <a:solidFill>
+                  <a:srgbClr val="242852">
+                    <a:lumMod val="60000"/>
+                    <a:lumOff val="40000"/>
+                  </a:srgbClr>
+                </a:solidFill>
+                <a:effectLst/>
+                <a:uLnTx/>
+                <a:uFillTx/>
+                <a:latin typeface="Arial Narrow" panose="020B0606020202030204" pitchFamily="34" charset="0"/>
+                <a:cs typeface="Times New Roman" panose="02020603050405020304" pitchFamily="18" charset="0"/>
+              </a:rPr>
+              <a:t>. Je peux choisir seulement lecture ou écriture.</a:t>
+            </a:r>
+          </a:p>
+          <a:p>
+            <a:pPr marL="0" marR="0" lvl="0" indent="0" algn="l" defTabSz="914400" rtl="0" eaLnBrk="1" fontAlgn="auto" latinLnBrk="0" hangingPunct="1">
+              <a:lnSpc>
+                <a:spcPct val="100000"/>
+              </a:lnSpc>
+              <a:spcBef>
+                <a:spcPts val="0"/>
+              </a:spcBef>
+              <a:spcAft>
+                <a:spcPts val="0"/>
+              </a:spcAft>
+              <a:buClrTx/>
+              <a:buSzTx/>
+              <a:buFontTx/>
+              <a:buNone/>
+              <a:tabLst/>
+              <a:defRPr/>
+            </a:pPr>
+            <a:r>
+              <a:rPr kumimoji="0" lang="fr-FR" sz="1200" b="1" i="0" u="none" strike="noStrike" kern="1200" cap="none" spc="0" normalizeH="0" baseline="0" noProof="0" dirty="0">
+                <a:ln>
+                  <a:noFill/>
+                </a:ln>
+                <a:solidFill>
+                  <a:srgbClr val="242852">
+                    <a:lumMod val="60000"/>
+                    <a:lumOff val="40000"/>
+                  </a:srgbClr>
+                </a:solidFill>
+                <a:effectLst/>
+                <a:uLnTx/>
+                <a:uFillTx/>
+                <a:latin typeface="Arial Narrow" panose="020B0606020202030204" pitchFamily="34" charset="0"/>
+                <a:cs typeface="Times New Roman" panose="02020603050405020304" pitchFamily="18" charset="0"/>
+              </a:rPr>
+              <a:t>Dans classe voiture de </a:t>
+            </a:r>
+            <a:r>
+              <a:rPr kumimoji="0" lang="fr-FR" sz="1200" b="1" i="0" u="none" strike="noStrike" kern="1200" cap="none" spc="0" normalizeH="0" baseline="0" noProof="0" dirty="0" err="1">
+                <a:ln>
+                  <a:noFill/>
+                </a:ln>
+                <a:solidFill>
+                  <a:srgbClr val="242852">
+                    <a:lumMod val="60000"/>
+                    <a:lumOff val="40000"/>
+                  </a:srgbClr>
+                </a:solidFill>
+                <a:effectLst/>
+                <a:uLnTx/>
+                <a:uFillTx/>
+                <a:latin typeface="Arial Narrow" panose="020B0606020202030204" pitchFamily="34" charset="0"/>
+                <a:cs typeface="Times New Roman" panose="02020603050405020304" pitchFamily="18" charset="0"/>
+              </a:rPr>
+              <a:t>memoCode</a:t>
+            </a:r>
+            <a:r>
+              <a:rPr kumimoji="0" lang="fr-FR" sz="1200" b="1" i="0" u="none" strike="noStrike" kern="1200" cap="none" spc="0" normalizeH="0" baseline="0" noProof="0" dirty="0">
+                <a:ln>
+                  <a:noFill/>
+                </a:ln>
+                <a:solidFill>
+                  <a:srgbClr val="242852">
+                    <a:lumMod val="60000"/>
+                    <a:lumOff val="40000"/>
+                  </a:srgbClr>
+                </a:solidFill>
+                <a:effectLst/>
+                <a:uLnTx/>
+                <a:uFillTx/>
+                <a:latin typeface="Arial Narrow" panose="020B0606020202030204" pitchFamily="34" charset="0"/>
+                <a:cs typeface="Times New Roman" panose="02020603050405020304" pitchFamily="18" charset="0"/>
+              </a:rPr>
+              <a:t> : </a:t>
+            </a:r>
+          </a:p>
+          <a:p>
+            <a:pPr marL="0" marR="0" lvl="0" indent="0" algn="l" defTabSz="914400" rtl="0" eaLnBrk="1" fontAlgn="auto" latinLnBrk="0" hangingPunct="1">
+              <a:lnSpc>
+                <a:spcPct val="100000"/>
+              </a:lnSpc>
+              <a:spcBef>
+                <a:spcPts val="0"/>
+              </a:spcBef>
+              <a:spcAft>
+                <a:spcPts val="0"/>
+              </a:spcAft>
+              <a:buClrTx/>
+              <a:buSzTx/>
+              <a:buFontTx/>
+              <a:buNone/>
+              <a:tabLst/>
+              <a:defRPr/>
+            </a:pPr>
+            <a:r>
+              <a:rPr kumimoji="0" lang="fr-FR" sz="1200" b="1" i="0" u="none" strike="noStrike" kern="1200" cap="none" spc="0" normalizeH="0" baseline="0" noProof="0" dirty="0">
+                <a:ln>
+                  <a:noFill/>
+                </a:ln>
+                <a:solidFill>
+                  <a:srgbClr val="242852">
+                    <a:lumMod val="60000"/>
+                    <a:lumOff val="40000"/>
+                  </a:srgbClr>
+                </a:solidFill>
+                <a:effectLst/>
+                <a:uLnTx/>
+                <a:uFillTx/>
+                <a:latin typeface="Arial Narrow" panose="020B0606020202030204" pitchFamily="34" charset="0"/>
+                <a:cs typeface="Times New Roman" panose="02020603050405020304" pitchFamily="18" charset="0"/>
+              </a:rPr>
+              <a:t>On écrit maintenant peugeot206.setCouleur(« Rouge ») ou peugeot206.getCouleur();</a:t>
+            </a:r>
+          </a:p>
+          <a:p>
+            <a:endParaRPr kumimoji="0" lang="fr-FR" sz="1200" b="1" i="0" u="none" strike="noStrike" kern="1200" cap="none" spc="0" normalizeH="0" baseline="0" noProof="0" dirty="0">
+              <a:ln>
+                <a:noFill/>
+              </a:ln>
+              <a:solidFill>
+                <a:srgbClr val="242852">
+                  <a:lumMod val="60000"/>
+                  <a:lumOff val="40000"/>
+                </a:srgbClr>
+              </a:solidFill>
+              <a:effectLst/>
+              <a:uLnTx/>
+              <a:uFillTx/>
+              <a:latin typeface="Arial Narrow" panose="020B0606020202030204" pitchFamily="34" charset="0"/>
+              <a:cs typeface="Times New Roman" panose="02020603050405020304" pitchFamily="18" charset="0"/>
+            </a:endParaRPr>
+          </a:p>
+          <a:p>
+            <a:r>
+              <a:rPr kumimoji="0" lang="fr-FR" sz="1200" b="1" i="0" u="none" strike="noStrike" kern="1200" cap="none" spc="0" normalizeH="0" baseline="0" noProof="0" dirty="0">
+                <a:ln>
+                  <a:noFill/>
+                </a:ln>
+                <a:solidFill>
+                  <a:srgbClr val="242852">
+                    <a:lumMod val="60000"/>
+                    <a:lumOff val="40000"/>
+                  </a:srgbClr>
+                </a:solidFill>
+                <a:effectLst/>
+                <a:uLnTx/>
+                <a:uFillTx/>
+                <a:latin typeface="Arial Narrow" panose="020B0606020202030204" pitchFamily="34" charset="0"/>
+                <a:cs typeface="Times New Roman" panose="02020603050405020304" pitchFamily="18" charset="0"/>
+              </a:rPr>
+              <a:t>La norme impose aussi de bénéficier d’un constructeur sans paramètre, </a:t>
+            </a:r>
+            <a:r>
+              <a:rPr kumimoji="0" lang="fr-FR" sz="1200" b="1" i="0" u="none" strike="noStrike" kern="1200" cap="none" spc="0" normalizeH="0" baseline="0" noProof="0">
+                <a:ln>
+                  <a:noFill/>
+                </a:ln>
+                <a:solidFill>
+                  <a:srgbClr val="242852">
+                    <a:lumMod val="60000"/>
+                    <a:lumOff val="40000"/>
+                  </a:srgbClr>
+                </a:solidFill>
+                <a:effectLst/>
+                <a:uLnTx/>
+                <a:uFillTx/>
+                <a:latin typeface="Arial Narrow" panose="020B0606020202030204" pitchFamily="34" charset="0"/>
+                <a:cs typeface="Times New Roman" panose="02020603050405020304" pitchFamily="18" charset="0"/>
+              </a:rPr>
+              <a:t>c’est fait.</a:t>
+            </a:r>
+            <a:endParaRPr kumimoji="0" lang="fr-FR" sz="1200" b="1" i="0" u="none" strike="noStrike" kern="1200" cap="none" spc="0" normalizeH="0" baseline="0" noProof="0" dirty="0">
+              <a:ln>
+                <a:noFill/>
+              </a:ln>
+              <a:solidFill>
+                <a:srgbClr val="242852">
+                  <a:lumMod val="60000"/>
+                  <a:lumOff val="40000"/>
+                </a:srgbClr>
+              </a:solidFill>
+              <a:effectLst/>
+              <a:uLnTx/>
+              <a:uFillTx/>
+              <a:latin typeface="Arial Narrow" panose="020B0606020202030204" pitchFamily="34" charset="0"/>
+              <a:cs typeface="Times New Roman" panose="02020603050405020304" pitchFamily="18" charset="0"/>
+            </a:endParaRPr>
+          </a:p>
+          <a:p>
+            <a:endParaRPr kumimoji="0" lang="fr-FR" sz="1200" b="1" i="0" u="none" strike="noStrike" kern="1200" cap="none" spc="0" normalizeH="0" baseline="0" noProof="0" dirty="0">
+              <a:ln>
+                <a:noFill/>
+              </a:ln>
+              <a:solidFill>
+                <a:srgbClr val="242852">
+                  <a:lumMod val="60000"/>
+                  <a:lumOff val="40000"/>
+                </a:srgbClr>
+              </a:solidFill>
+              <a:effectLst/>
+              <a:uLnTx/>
+              <a:uFillTx/>
+              <a:latin typeface="Arial Narrow" panose="020B0606020202030204" pitchFamily="34" charset="0"/>
+              <a:cs typeface="Times New Roman" panose="02020603050405020304" pitchFamily="18" charset="0"/>
+            </a:endParaRPr>
+          </a:p>
+          <a:p>
+            <a:endParaRPr kumimoji="0" lang="fr-FR" sz="1200" b="1" i="0" u="none" strike="noStrike" kern="1200" cap="none" spc="0" normalizeH="0" baseline="0" noProof="0" dirty="0">
+              <a:ln>
+                <a:noFill/>
+              </a:ln>
+              <a:solidFill>
+                <a:srgbClr val="242852">
+                  <a:lumMod val="60000"/>
+                  <a:lumOff val="40000"/>
+                </a:srgbClr>
+              </a:solidFill>
+              <a:effectLst/>
+              <a:uLnTx/>
+              <a:uFillTx/>
+              <a:latin typeface="Arial Narrow" panose="020B0606020202030204" pitchFamily="34" charset="0"/>
+              <a:cs typeface="Times New Roman" panose="02020603050405020304" pitchFamily="18" charset="0"/>
+            </a:endParaRPr>
+          </a:p>
+          <a:p>
+            <a:endParaRPr kumimoji="0" lang="fr-FR" sz="1200" b="1" i="0" u="none" strike="noStrike" kern="1200" cap="none" spc="0" normalizeH="0" baseline="0" noProof="0" dirty="0">
+              <a:ln>
+                <a:noFill/>
+              </a:ln>
+              <a:solidFill>
+                <a:srgbClr val="242852">
+                  <a:lumMod val="60000"/>
+                  <a:lumOff val="40000"/>
+                </a:srgbClr>
+              </a:solidFill>
+              <a:effectLst/>
+              <a:uLnTx/>
+              <a:uFillTx/>
+              <a:latin typeface="Arial Narrow" panose="020B0606020202030204" pitchFamily="34" charset="0"/>
+              <a:cs typeface="Times New Roman" panose="02020603050405020304" pitchFamily="18" charset="0"/>
+            </a:endParaRPr>
+          </a:p>
+          <a:p>
+            <a:endParaRPr lang="fr-FR" dirty="0"/>
+          </a:p>
+        </p:txBody>
+      </p:sp>
+      <p:sp>
+        <p:nvSpPr>
+          <p:cNvPr id="4" name="Espace réservé du numéro de diapositive 3"/>
+          <p:cNvSpPr>
+            <a:spLocks noGrp="1"/>
+          </p:cNvSpPr>
+          <p:nvPr>
+            <p:ph type="sldNum" sz="quarter" idx="5"/>
+          </p:nvPr>
+        </p:nvSpPr>
+        <p:spPr/>
+        <p:txBody>
+          <a:bodyPr/>
+          <a:lstStyle/>
+          <a:p>
+            <a:fld id="{933A14DE-251B-43F2-9117-712805D1AF12}" type="slidenum">
+              <a:rPr lang="fr-FR" smtClean="0"/>
+              <a:t>7</a:t>
+            </a:fld>
+            <a:endParaRPr lang="fr-FR"/>
+          </a:p>
+        </p:txBody>
+      </p:sp>
+    </p:spTree>
+    <p:extLst>
+      <p:ext uri="{BB962C8B-B14F-4D97-AF65-F5344CB8AC3E}">
+        <p14:creationId xmlns:p14="http://schemas.microsoft.com/office/powerpoint/2010/main" val="1368652634"/>
       </p:ext>
     </p:extLst>
   </p:cSld>
@@ -2570,7 +3967,7 @@
           <a:p>
             <a:fld id="{68AA2F7D-4A48-42B4-8BEA-B9039AC65ED3}" type="datetimeFigureOut">
               <a:rPr lang="fr-FR" smtClean="0"/>
-              <a:t>21/02/2022</a:t>
+              <a:t>23/02/2022</a:t>
             </a:fld>
             <a:endParaRPr lang="fr-FR"/>
           </a:p>
@@ -2821,7 +4218,7 @@
           <a:p>
             <a:fld id="{68AA2F7D-4A48-42B4-8BEA-B9039AC65ED3}" type="datetimeFigureOut">
               <a:rPr lang="fr-FR" smtClean="0"/>
-              <a:t>21/02/2022</a:t>
+              <a:t>23/02/2022</a:t>
             </a:fld>
             <a:endParaRPr lang="fr-FR"/>
           </a:p>
@@ -3135,7 +4532,7 @@
           <a:p>
             <a:fld id="{68AA2F7D-4A48-42B4-8BEA-B9039AC65ED3}" type="datetimeFigureOut">
               <a:rPr lang="fr-FR" smtClean="0"/>
-              <a:t>21/02/2022</a:t>
+              <a:t>23/02/2022</a:t>
             </a:fld>
             <a:endParaRPr lang="fr-FR"/>
           </a:p>
@@ -3476,7 +4873,7 @@
           <a:p>
             <a:fld id="{68AA2F7D-4A48-42B4-8BEA-B9039AC65ED3}" type="datetimeFigureOut">
               <a:rPr lang="fr-FR" smtClean="0"/>
-              <a:t>21/02/2022</a:t>
+              <a:t>23/02/2022</a:t>
             </a:fld>
             <a:endParaRPr lang="fr-FR"/>
           </a:p>
@@ -3790,7 +5187,7 @@
           <a:p>
             <a:fld id="{68AA2F7D-4A48-42B4-8BEA-B9039AC65ED3}" type="datetimeFigureOut">
               <a:rPr lang="fr-FR" smtClean="0"/>
-              <a:t>21/02/2022</a:t>
+              <a:t>23/02/2022</a:t>
             </a:fld>
             <a:endParaRPr lang="fr-FR"/>
           </a:p>
@@ -4183,7 +5580,7 @@
           <a:p>
             <a:fld id="{68AA2F7D-4A48-42B4-8BEA-B9039AC65ED3}" type="datetimeFigureOut">
               <a:rPr lang="fr-FR" smtClean="0"/>
-              <a:t>21/02/2022</a:t>
+              <a:t>23/02/2022</a:t>
             </a:fld>
             <a:endParaRPr lang="fr-FR"/>
           </a:p>
@@ -4353,7 +5750,7 @@
           <a:p>
             <a:fld id="{68AA2F7D-4A48-42B4-8BEA-B9039AC65ED3}" type="datetimeFigureOut">
               <a:rPr lang="fr-FR" smtClean="0"/>
-              <a:t>21/02/2022</a:t>
+              <a:t>23/02/2022</a:t>
             </a:fld>
             <a:endParaRPr lang="fr-FR"/>
           </a:p>
@@ -4533,7 +5930,7 @@
           <a:p>
             <a:fld id="{68AA2F7D-4A48-42B4-8BEA-B9039AC65ED3}" type="datetimeFigureOut">
               <a:rPr lang="fr-FR" smtClean="0"/>
-              <a:t>21/02/2022</a:t>
+              <a:t>23/02/2022</a:t>
             </a:fld>
             <a:endParaRPr lang="fr-FR"/>
           </a:p>
@@ -4709,7 +6106,7 @@
           <a:p>
             <a:fld id="{68AA2F7D-4A48-42B4-8BEA-B9039AC65ED3}" type="datetimeFigureOut">
               <a:rPr lang="fr-FR" smtClean="0"/>
-              <a:t>21/02/2022</a:t>
+              <a:t>23/02/2022</a:t>
             </a:fld>
             <a:endParaRPr lang="fr-FR"/>
           </a:p>
@@ -4956,7 +6353,7 @@
           <a:p>
             <a:fld id="{68AA2F7D-4A48-42B4-8BEA-B9039AC65ED3}" type="datetimeFigureOut">
               <a:rPr lang="fr-FR" smtClean="0"/>
-              <a:t>21/02/2022</a:t>
+              <a:t>23/02/2022</a:t>
             </a:fld>
             <a:endParaRPr lang="fr-FR"/>
           </a:p>
@@ -5188,7 +6585,7 @@
           <a:p>
             <a:fld id="{68AA2F7D-4A48-42B4-8BEA-B9039AC65ED3}" type="datetimeFigureOut">
               <a:rPr lang="fr-FR" smtClean="0"/>
-              <a:t>21/02/2022</a:t>
+              <a:t>23/02/2022</a:t>
             </a:fld>
             <a:endParaRPr lang="fr-FR"/>
           </a:p>
@@ -5562,7 +6959,7 @@
           <a:p>
             <a:fld id="{68AA2F7D-4A48-42B4-8BEA-B9039AC65ED3}" type="datetimeFigureOut">
               <a:rPr lang="fr-FR" smtClean="0"/>
-              <a:t>21/02/2022</a:t>
+              <a:t>23/02/2022</a:t>
             </a:fld>
             <a:endParaRPr lang="fr-FR"/>
           </a:p>
@@ -5685,7 +7082,7 @@
           <a:p>
             <a:fld id="{68AA2F7D-4A48-42B4-8BEA-B9039AC65ED3}" type="datetimeFigureOut">
               <a:rPr lang="fr-FR" smtClean="0"/>
-              <a:t>21/02/2022</a:t>
+              <a:t>23/02/2022</a:t>
             </a:fld>
             <a:endParaRPr lang="fr-FR"/>
           </a:p>
@@ -5780,7 +7177,7 @@
           <a:p>
             <a:fld id="{68AA2F7D-4A48-42B4-8BEA-B9039AC65ED3}" type="datetimeFigureOut">
               <a:rPr lang="fr-FR" smtClean="0"/>
-              <a:t>21/02/2022</a:t>
+              <a:t>23/02/2022</a:t>
             </a:fld>
             <a:endParaRPr lang="fr-FR"/>
           </a:p>
@@ -6035,7 +7432,7 @@
           <a:p>
             <a:fld id="{68AA2F7D-4A48-42B4-8BEA-B9039AC65ED3}" type="datetimeFigureOut">
               <a:rPr lang="fr-FR" smtClean="0"/>
-              <a:t>21/02/2022</a:t>
+              <a:t>23/02/2022</a:t>
             </a:fld>
             <a:endParaRPr lang="fr-FR"/>
           </a:p>
@@ -6298,7 +7695,7 @@
           <a:p>
             <a:fld id="{68AA2F7D-4A48-42B4-8BEA-B9039AC65ED3}" type="datetimeFigureOut">
               <a:rPr lang="fr-FR" smtClean="0"/>
-              <a:t>21/02/2022</a:t>
+              <a:t>23/02/2022</a:t>
             </a:fld>
             <a:endParaRPr lang="fr-FR"/>
           </a:p>
@@ -7041,7 +8438,7 @@
           <a:p>
             <a:fld id="{68AA2F7D-4A48-42B4-8BEA-B9039AC65ED3}" type="datetimeFigureOut">
               <a:rPr lang="fr-FR" smtClean="0"/>
-              <a:t>21/02/2022</a:t>
+              <a:t>23/02/2022</a:t>
             </a:fld>
             <a:endParaRPr lang="fr-FR"/>
           </a:p>
@@ -10588,6 +11985,1156 @@
   <p:clrMapOvr>
     <a:masterClrMapping/>
   </p:clrMapOvr>
+</p:sld>
+</file>
+
+<file path=ppt/slides/slide6.xml><?xml version="1.0" encoding="utf-8"?>
+<p:sld xmlns:a="http://schemas.openxmlformats.org/drawingml/2006/main" xmlns:r="http://schemas.openxmlformats.org/officeDocument/2006/relationships" xmlns:p="http://schemas.openxmlformats.org/presentationml/2006/main">
+  <p:cSld>
+    <p:spTree>
+      <p:nvGrpSpPr>
+        <p:cNvPr id="1" name=""/>
+        <p:cNvGrpSpPr/>
+        <p:nvPr/>
+      </p:nvGrpSpPr>
+      <p:grpSpPr>
+        <a:xfrm>
+          <a:off x="0" y="0"/>
+          <a:ext cx="0" cy="0"/>
+          <a:chOff x="0" y="0"/>
+          <a:chExt cx="0" cy="0"/>
+        </a:xfrm>
+      </p:grpSpPr>
+      <p:sp>
+        <p:nvSpPr>
+          <p:cNvPr id="2" name="ZoneTexte 1">
+            <a:extLst>
+              <a:ext uri="{FF2B5EF4-FFF2-40B4-BE49-F238E27FC236}">
+                <a16:creationId xmlns:a16="http://schemas.microsoft.com/office/drawing/2014/main" id="{291B507B-E340-406B-B837-3CC0B27820D3}"/>
+              </a:ext>
+            </a:extLst>
+          </p:cNvPr>
+          <p:cNvSpPr txBox="1"/>
+          <p:nvPr/>
+        </p:nvSpPr>
+        <p:spPr>
+          <a:xfrm>
+            <a:off x="771525" y="679318"/>
+            <a:ext cx="6097464" cy="480131"/>
+          </a:xfrm>
+          <a:prstGeom prst="rect">
+            <a:avLst/>
+          </a:prstGeom>
+          <a:noFill/>
+        </p:spPr>
+        <p:txBody>
+          <a:bodyPr wrap="square">
+            <a:spAutoFit/>
+          </a:bodyPr>
+          <a:lstStyle/>
+          <a:p>
+            <a:pPr marL="0" marR="0" lvl="0" indent="0" algn="ctr" defTabSz="914400" rtl="0" eaLnBrk="1" fontAlgn="auto" latinLnBrk="0" hangingPunct="1">
+              <a:lnSpc>
+                <a:spcPct val="90000"/>
+              </a:lnSpc>
+              <a:spcBef>
+                <a:spcPts val="1000"/>
+              </a:spcBef>
+              <a:spcAft>
+                <a:spcPts val="0"/>
+              </a:spcAft>
+              <a:buClrTx/>
+              <a:buSzTx/>
+              <a:buFont typeface="Arial" panose="020B0604020202020204" pitchFamily="34" charset="0"/>
+              <a:buNone/>
+              <a:tabLst/>
+              <a:defRPr/>
+            </a:pPr>
+            <a:r>
+              <a:rPr lang="fr-FR" sz="2800" b="1" dirty="0">
+                <a:solidFill>
+                  <a:srgbClr val="242852">
+                    <a:lumMod val="60000"/>
+                    <a:lumOff val="40000"/>
+                  </a:srgbClr>
+                </a:solidFill>
+                <a:latin typeface="Arial Narrow" panose="020B0606020202030204" pitchFamily="34" charset="0"/>
+                <a:ea typeface="Calibri" panose="020F0502020204030204" pitchFamily="34" charset="0"/>
+                <a:cs typeface="Times New Roman" panose="02020603050405020304" pitchFamily="18" charset="0"/>
+              </a:rPr>
+              <a:t>Les modificateurs d’accès (visibilité)</a:t>
+            </a:r>
+            <a:endParaRPr kumimoji="0" lang="fr-FR" sz="2800" b="1" i="0" u="none" strike="noStrike" kern="1200" cap="none" spc="0" normalizeH="0" baseline="0" noProof="0" dirty="0">
+              <a:ln>
+                <a:noFill/>
+              </a:ln>
+              <a:solidFill>
+                <a:srgbClr val="242852">
+                  <a:lumMod val="60000"/>
+                  <a:lumOff val="40000"/>
+                </a:srgbClr>
+              </a:solidFill>
+              <a:effectLst/>
+              <a:uLnTx/>
+              <a:uFillTx/>
+              <a:latin typeface="Arial Narrow" panose="020B0606020202030204" pitchFamily="34" charset="0"/>
+              <a:ea typeface="Calibri" panose="020F0502020204030204" pitchFamily="34" charset="0"/>
+              <a:cs typeface="Times New Roman" panose="02020603050405020304" pitchFamily="18" charset="0"/>
+            </a:endParaRPr>
+          </a:p>
+        </p:txBody>
+      </p:sp>
+      <p:grpSp>
+        <p:nvGrpSpPr>
+          <p:cNvPr id="8" name="Groupe 7">
+            <a:extLst>
+              <a:ext uri="{FF2B5EF4-FFF2-40B4-BE49-F238E27FC236}">
+                <a16:creationId xmlns:a16="http://schemas.microsoft.com/office/drawing/2014/main" id="{C04D44D2-A68D-4027-8402-A42F4309A81C}"/>
+              </a:ext>
+            </a:extLst>
+          </p:cNvPr>
+          <p:cNvGrpSpPr/>
+          <p:nvPr/>
+        </p:nvGrpSpPr>
+        <p:grpSpPr>
+          <a:xfrm>
+            <a:off x="2320119" y="2006221"/>
+            <a:ext cx="5445457" cy="2568560"/>
+            <a:chOff x="2320119" y="2006221"/>
+            <a:chExt cx="5445457" cy="2568560"/>
+          </a:xfrm>
+        </p:grpSpPr>
+        <p:sp>
+          <p:nvSpPr>
+            <p:cNvPr id="4" name="ZoneTexte 3">
+              <a:extLst>
+                <a:ext uri="{FF2B5EF4-FFF2-40B4-BE49-F238E27FC236}">
+                  <a16:creationId xmlns:a16="http://schemas.microsoft.com/office/drawing/2014/main" id="{A12A9560-DA2B-4403-991C-DC4D1BECE6A9}"/>
+                </a:ext>
+              </a:extLst>
+            </p:cNvPr>
+            <p:cNvSpPr txBox="1"/>
+            <p:nvPr/>
+          </p:nvSpPr>
+          <p:spPr>
+            <a:xfrm>
+              <a:off x="2320119" y="2006221"/>
+              <a:ext cx="2368271" cy="646331"/>
+            </a:xfrm>
+            <a:prstGeom prst="rect">
+              <a:avLst/>
+            </a:prstGeom>
+            <a:solidFill>
+              <a:schemeClr val="bg2"/>
+            </a:solidFill>
+            <a:ln>
+              <a:solidFill>
+                <a:schemeClr val="tx1"/>
+              </a:solidFill>
+            </a:ln>
+          </p:spPr>
+          <p:txBody>
+            <a:bodyPr wrap="square" rtlCol="0">
+              <a:spAutoFit/>
+            </a:bodyPr>
+            <a:lstStyle/>
+            <a:p>
+              <a:pPr algn="ctr"/>
+              <a:r>
+                <a:rPr lang="fr-FR" dirty="0"/>
+                <a:t>public</a:t>
+              </a:r>
+            </a:p>
+            <a:p>
+              <a:pPr algn="ctr"/>
+              <a:endParaRPr lang="fr-FR" dirty="0"/>
+            </a:p>
+          </p:txBody>
+        </p:sp>
+        <p:sp>
+          <p:nvSpPr>
+            <p:cNvPr id="5" name="ZoneTexte 4">
+              <a:extLst>
+                <a:ext uri="{FF2B5EF4-FFF2-40B4-BE49-F238E27FC236}">
+                  <a16:creationId xmlns:a16="http://schemas.microsoft.com/office/drawing/2014/main" id="{B7B793D9-BD20-4703-A7C2-86939185831E}"/>
+                </a:ext>
+              </a:extLst>
+            </p:cNvPr>
+            <p:cNvSpPr txBox="1"/>
+            <p:nvPr/>
+          </p:nvSpPr>
+          <p:spPr>
+            <a:xfrm>
+              <a:off x="5338549" y="2006221"/>
+              <a:ext cx="2368271" cy="646331"/>
+            </a:xfrm>
+            <a:prstGeom prst="rect">
+              <a:avLst/>
+            </a:prstGeom>
+            <a:solidFill>
+              <a:schemeClr val="bg2"/>
+            </a:solidFill>
+            <a:ln>
+              <a:solidFill>
+                <a:schemeClr val="tx1"/>
+              </a:solidFill>
+            </a:ln>
+          </p:spPr>
+          <p:txBody>
+            <a:bodyPr wrap="square" rtlCol="0">
+              <a:spAutoFit/>
+            </a:bodyPr>
+            <a:lstStyle/>
+            <a:p>
+              <a:pPr algn="ctr"/>
+              <a:r>
+                <a:rPr lang="fr-FR" dirty="0" err="1"/>
+                <a:t>private</a:t>
+              </a:r>
+              <a:endParaRPr lang="fr-FR" dirty="0"/>
+            </a:p>
+            <a:p>
+              <a:pPr algn="ctr"/>
+              <a:endParaRPr lang="fr-FR" dirty="0"/>
+            </a:p>
+          </p:txBody>
+        </p:sp>
+        <p:sp>
+          <p:nvSpPr>
+            <p:cNvPr id="6" name="ZoneTexte 5">
+              <a:extLst>
+                <a:ext uri="{FF2B5EF4-FFF2-40B4-BE49-F238E27FC236}">
+                  <a16:creationId xmlns:a16="http://schemas.microsoft.com/office/drawing/2014/main" id="{2E470BB1-871D-4AC6-ADF3-77524F957EBE}"/>
+                </a:ext>
+              </a:extLst>
+            </p:cNvPr>
+            <p:cNvSpPr txBox="1"/>
+            <p:nvPr/>
+          </p:nvSpPr>
+          <p:spPr>
+            <a:xfrm>
+              <a:off x="2320119" y="3928450"/>
+              <a:ext cx="2368271" cy="646331"/>
+            </a:xfrm>
+            <a:prstGeom prst="rect">
+              <a:avLst/>
+            </a:prstGeom>
+            <a:solidFill>
+              <a:schemeClr val="bg2"/>
+            </a:solidFill>
+            <a:ln>
+              <a:solidFill>
+                <a:schemeClr val="tx1"/>
+              </a:solidFill>
+            </a:ln>
+          </p:spPr>
+          <p:txBody>
+            <a:bodyPr wrap="square" rtlCol="0">
+              <a:spAutoFit/>
+            </a:bodyPr>
+            <a:lstStyle/>
+            <a:p>
+              <a:pPr algn="ctr"/>
+              <a:r>
+                <a:rPr lang="fr-FR" dirty="0" err="1"/>
+                <a:t>protected</a:t>
+              </a:r>
+              <a:endParaRPr lang="fr-FR" dirty="0"/>
+            </a:p>
+            <a:p>
+              <a:pPr algn="ctr"/>
+              <a:endParaRPr lang="fr-FR" dirty="0"/>
+            </a:p>
+          </p:txBody>
+        </p:sp>
+        <p:sp>
+          <p:nvSpPr>
+            <p:cNvPr id="7" name="ZoneTexte 6">
+              <a:extLst>
+                <a:ext uri="{FF2B5EF4-FFF2-40B4-BE49-F238E27FC236}">
+                  <a16:creationId xmlns:a16="http://schemas.microsoft.com/office/drawing/2014/main" id="{2308FC67-00AA-4D14-B2B1-89FD3F9C2729}"/>
+                </a:ext>
+              </a:extLst>
+            </p:cNvPr>
+            <p:cNvSpPr txBox="1"/>
+            <p:nvPr/>
+          </p:nvSpPr>
+          <p:spPr>
+            <a:xfrm>
+              <a:off x="5397305" y="3928450"/>
+              <a:ext cx="2368271" cy="646331"/>
+            </a:xfrm>
+            <a:prstGeom prst="rect">
+              <a:avLst/>
+            </a:prstGeom>
+            <a:solidFill>
+              <a:schemeClr val="bg2"/>
+            </a:solidFill>
+            <a:ln>
+              <a:solidFill>
+                <a:schemeClr val="tx1"/>
+              </a:solidFill>
+            </a:ln>
+          </p:spPr>
+          <p:txBody>
+            <a:bodyPr wrap="square" rtlCol="0">
+              <a:spAutoFit/>
+            </a:bodyPr>
+            <a:lstStyle/>
+            <a:p>
+              <a:pPr algn="ctr"/>
+              <a:r>
+                <a:rPr lang="fr-FR" dirty="0"/>
+                <a:t>package</a:t>
+              </a:r>
+            </a:p>
+            <a:p>
+              <a:pPr algn="ctr"/>
+              <a:endParaRPr lang="fr-FR" dirty="0"/>
+            </a:p>
+          </p:txBody>
+        </p:sp>
+      </p:grpSp>
+      <p:sp>
+        <p:nvSpPr>
+          <p:cNvPr id="9" name="ZoneTexte 8">
+            <a:extLst>
+              <a:ext uri="{FF2B5EF4-FFF2-40B4-BE49-F238E27FC236}">
+                <a16:creationId xmlns:a16="http://schemas.microsoft.com/office/drawing/2014/main" id="{F023ECD7-F9E3-4520-9D1D-4392D9FA1C84}"/>
+              </a:ext>
+            </a:extLst>
+          </p:cNvPr>
+          <p:cNvSpPr txBox="1"/>
+          <p:nvPr/>
+        </p:nvSpPr>
+        <p:spPr>
+          <a:xfrm>
+            <a:off x="2320118" y="2329386"/>
+            <a:ext cx="2368271" cy="369332"/>
+          </a:xfrm>
+          <a:prstGeom prst="rect">
+            <a:avLst/>
+          </a:prstGeom>
+          <a:noFill/>
+        </p:spPr>
+        <p:txBody>
+          <a:bodyPr wrap="square" rtlCol="0">
+            <a:spAutoFit/>
+          </a:bodyPr>
+          <a:lstStyle/>
+          <a:p>
+            <a:pPr algn="ctr"/>
+            <a:r>
+              <a:rPr lang="fr-FR" dirty="0"/>
+              <a:t>Visible partout</a:t>
+            </a:r>
+          </a:p>
+        </p:txBody>
+      </p:sp>
+      <p:sp>
+        <p:nvSpPr>
+          <p:cNvPr id="10" name="ZoneTexte 9">
+            <a:extLst>
+              <a:ext uri="{FF2B5EF4-FFF2-40B4-BE49-F238E27FC236}">
+                <a16:creationId xmlns:a16="http://schemas.microsoft.com/office/drawing/2014/main" id="{1943EA90-11A5-4E20-B8E9-135447030DBE}"/>
+              </a:ext>
+            </a:extLst>
+          </p:cNvPr>
+          <p:cNvSpPr txBox="1"/>
+          <p:nvPr/>
+        </p:nvSpPr>
+        <p:spPr>
+          <a:xfrm>
+            <a:off x="5243959" y="4251615"/>
+            <a:ext cx="2674961" cy="382980"/>
+          </a:xfrm>
+          <a:prstGeom prst="rect">
+            <a:avLst/>
+          </a:prstGeom>
+          <a:noFill/>
+        </p:spPr>
+        <p:txBody>
+          <a:bodyPr wrap="square" rtlCol="0">
+            <a:spAutoFit/>
+          </a:bodyPr>
+          <a:lstStyle/>
+          <a:p>
+            <a:pPr algn="ctr"/>
+            <a:r>
+              <a:rPr lang="fr-FR" dirty="0"/>
+              <a:t>Visible dans le package</a:t>
+            </a:r>
+          </a:p>
+        </p:txBody>
+      </p:sp>
+      <p:sp>
+        <p:nvSpPr>
+          <p:cNvPr id="11" name="ZoneTexte 10">
+            <a:extLst>
+              <a:ext uri="{FF2B5EF4-FFF2-40B4-BE49-F238E27FC236}">
+                <a16:creationId xmlns:a16="http://schemas.microsoft.com/office/drawing/2014/main" id="{B7D96BF0-AB8C-419D-8441-9FA95612332E}"/>
+              </a:ext>
+            </a:extLst>
+          </p:cNvPr>
+          <p:cNvSpPr txBox="1"/>
+          <p:nvPr/>
+        </p:nvSpPr>
+        <p:spPr>
+          <a:xfrm>
+            <a:off x="5185203" y="2315738"/>
+            <a:ext cx="2674961" cy="382980"/>
+          </a:xfrm>
+          <a:prstGeom prst="rect">
+            <a:avLst/>
+          </a:prstGeom>
+          <a:noFill/>
+        </p:spPr>
+        <p:txBody>
+          <a:bodyPr wrap="square" rtlCol="0">
+            <a:spAutoFit/>
+          </a:bodyPr>
+          <a:lstStyle/>
+          <a:p>
+            <a:pPr algn="ctr"/>
+            <a:r>
+              <a:rPr lang="fr-FR" dirty="0"/>
+              <a:t>Visible classe courante</a:t>
+            </a:r>
+          </a:p>
+        </p:txBody>
+      </p:sp>
+      <p:sp>
+        <p:nvSpPr>
+          <p:cNvPr id="12" name="ZoneTexte 11">
+            <a:extLst>
+              <a:ext uri="{FF2B5EF4-FFF2-40B4-BE49-F238E27FC236}">
+                <a16:creationId xmlns:a16="http://schemas.microsoft.com/office/drawing/2014/main" id="{B5EBDB77-BE8F-43B4-8D5C-D42BD967E680}"/>
+              </a:ext>
+            </a:extLst>
+          </p:cNvPr>
+          <p:cNvSpPr txBox="1"/>
+          <p:nvPr/>
+        </p:nvSpPr>
+        <p:spPr>
+          <a:xfrm>
+            <a:off x="2166772" y="4636534"/>
+            <a:ext cx="2674961" cy="923330"/>
+          </a:xfrm>
+          <a:prstGeom prst="rect">
+            <a:avLst/>
+          </a:prstGeom>
+          <a:noFill/>
+        </p:spPr>
+        <p:txBody>
+          <a:bodyPr wrap="square" rtlCol="0">
+            <a:spAutoFit/>
+          </a:bodyPr>
+          <a:lstStyle/>
+          <a:p>
+            <a:pPr algn="ctr"/>
+            <a:r>
+              <a:rPr lang="fr-FR" dirty="0"/>
+              <a:t>Visible classe courante, package et classes enfant.</a:t>
+            </a:r>
+          </a:p>
+        </p:txBody>
+      </p:sp>
+    </p:spTree>
+    <p:extLst>
+      <p:ext uri="{BB962C8B-B14F-4D97-AF65-F5344CB8AC3E}">
+        <p14:creationId xmlns:p14="http://schemas.microsoft.com/office/powerpoint/2010/main" val="57825027"/>
+      </p:ext>
+    </p:extLst>
+  </p:cSld>
+  <p:clrMapOvr>
+    <a:masterClrMapping/>
+  </p:clrMapOvr>
+  <p:timing>
+    <p:tnLst>
+      <p:par>
+        <p:cTn id="1" dur="indefinite" restart="never" nodeType="tmRoot">
+          <p:childTnLst>
+            <p:seq concurrent="1" nextAc="seek">
+              <p:cTn id="2" dur="indefinite" nodeType="mainSeq">
+                <p:childTnLst>
+                  <p:par>
+                    <p:cTn id="3" fill="hold">
+                      <p:stCondLst>
+                        <p:cond delay="indefinite"/>
+                      </p:stCondLst>
+                      <p:childTnLst>
+                        <p:par>
+                          <p:cTn id="4" fill="hold">
+                            <p:stCondLst>
+                              <p:cond delay="0"/>
+                            </p:stCondLst>
+                            <p:childTnLst>
+                              <p:par>
+                                <p:cTn id="5" presetID="1" presetClass="entr" presetSubtype="0" fill="hold" nodeType="clickEffect">
+                                  <p:stCondLst>
+                                    <p:cond delay="0"/>
+                                  </p:stCondLst>
+                                  <p:childTnLst>
+                                    <p:set>
+                                      <p:cBhvr>
+                                        <p:cTn id="6" dur="1" fill="hold">
+                                          <p:stCondLst>
+                                            <p:cond delay="0"/>
+                                          </p:stCondLst>
+                                        </p:cTn>
+                                        <p:tgtEl>
+                                          <p:spTgt spid="8"/>
+                                        </p:tgtEl>
+                                        <p:attrNameLst>
+                                          <p:attrName>style.visibility</p:attrName>
+                                        </p:attrNameLst>
+                                      </p:cBhvr>
+                                      <p:to>
+                                        <p:strVal val="visible"/>
+                                      </p:to>
+                                    </p:set>
+                                  </p:childTnLst>
+                                </p:cTn>
+                              </p:par>
+                            </p:childTnLst>
+                          </p:cTn>
+                        </p:par>
+                      </p:childTnLst>
+                    </p:cTn>
+                  </p:par>
+                  <p:par>
+                    <p:cTn id="7" fill="hold">
+                      <p:stCondLst>
+                        <p:cond delay="indefinite"/>
+                      </p:stCondLst>
+                      <p:childTnLst>
+                        <p:par>
+                          <p:cTn id="8" fill="hold">
+                            <p:stCondLst>
+                              <p:cond delay="0"/>
+                            </p:stCondLst>
+                            <p:childTnLst>
+                              <p:par>
+                                <p:cTn id="9" presetID="1" presetClass="entr" presetSubtype="0" fill="hold" grpId="0" nodeType="clickEffect">
+                                  <p:stCondLst>
+                                    <p:cond delay="0"/>
+                                  </p:stCondLst>
+                                  <p:childTnLst>
+                                    <p:set>
+                                      <p:cBhvr>
+                                        <p:cTn id="10" dur="1" fill="hold">
+                                          <p:stCondLst>
+                                            <p:cond delay="0"/>
+                                          </p:stCondLst>
+                                        </p:cTn>
+                                        <p:tgtEl>
+                                          <p:spTgt spid="9"/>
+                                        </p:tgtEl>
+                                        <p:attrNameLst>
+                                          <p:attrName>style.visibility</p:attrName>
+                                        </p:attrNameLst>
+                                      </p:cBhvr>
+                                      <p:to>
+                                        <p:strVal val="visible"/>
+                                      </p:to>
+                                    </p:set>
+                                  </p:childTnLst>
+                                </p:cTn>
+                              </p:par>
+                            </p:childTnLst>
+                          </p:cTn>
+                        </p:par>
+                      </p:childTnLst>
+                    </p:cTn>
+                  </p:par>
+                  <p:par>
+                    <p:cTn id="11" fill="hold">
+                      <p:stCondLst>
+                        <p:cond delay="indefinite"/>
+                      </p:stCondLst>
+                      <p:childTnLst>
+                        <p:par>
+                          <p:cTn id="12" fill="hold">
+                            <p:stCondLst>
+                              <p:cond delay="0"/>
+                            </p:stCondLst>
+                            <p:childTnLst>
+                              <p:par>
+                                <p:cTn id="13" presetID="1" presetClass="entr" presetSubtype="0" fill="hold" grpId="0" nodeType="clickEffect">
+                                  <p:stCondLst>
+                                    <p:cond delay="0"/>
+                                  </p:stCondLst>
+                                  <p:childTnLst>
+                                    <p:set>
+                                      <p:cBhvr>
+                                        <p:cTn id="14" dur="1" fill="hold">
+                                          <p:stCondLst>
+                                            <p:cond delay="0"/>
+                                          </p:stCondLst>
+                                        </p:cTn>
+                                        <p:tgtEl>
+                                          <p:spTgt spid="10"/>
+                                        </p:tgtEl>
+                                        <p:attrNameLst>
+                                          <p:attrName>style.visibility</p:attrName>
+                                        </p:attrNameLst>
+                                      </p:cBhvr>
+                                      <p:to>
+                                        <p:strVal val="visible"/>
+                                      </p:to>
+                                    </p:set>
+                                  </p:childTnLst>
+                                </p:cTn>
+                              </p:par>
+                            </p:childTnLst>
+                          </p:cTn>
+                        </p:par>
+                      </p:childTnLst>
+                    </p:cTn>
+                  </p:par>
+                  <p:par>
+                    <p:cTn id="15" fill="hold">
+                      <p:stCondLst>
+                        <p:cond delay="indefinite"/>
+                      </p:stCondLst>
+                      <p:childTnLst>
+                        <p:par>
+                          <p:cTn id="16" fill="hold">
+                            <p:stCondLst>
+                              <p:cond delay="0"/>
+                            </p:stCondLst>
+                            <p:childTnLst>
+                              <p:par>
+                                <p:cTn id="17" presetID="1" presetClass="entr" presetSubtype="0" fill="hold" grpId="0" nodeType="clickEffect">
+                                  <p:stCondLst>
+                                    <p:cond delay="0"/>
+                                  </p:stCondLst>
+                                  <p:childTnLst>
+                                    <p:set>
+                                      <p:cBhvr>
+                                        <p:cTn id="18" dur="1" fill="hold">
+                                          <p:stCondLst>
+                                            <p:cond delay="0"/>
+                                          </p:stCondLst>
+                                        </p:cTn>
+                                        <p:tgtEl>
+                                          <p:spTgt spid="11"/>
+                                        </p:tgtEl>
+                                        <p:attrNameLst>
+                                          <p:attrName>style.visibility</p:attrName>
+                                        </p:attrNameLst>
+                                      </p:cBhvr>
+                                      <p:to>
+                                        <p:strVal val="visible"/>
+                                      </p:to>
+                                    </p:set>
+                                  </p:childTnLst>
+                                </p:cTn>
+                              </p:par>
+                            </p:childTnLst>
+                          </p:cTn>
+                        </p:par>
+                      </p:childTnLst>
+                    </p:cTn>
+                  </p:par>
+                  <p:par>
+                    <p:cTn id="19" fill="hold">
+                      <p:stCondLst>
+                        <p:cond delay="indefinite"/>
+                      </p:stCondLst>
+                      <p:childTnLst>
+                        <p:par>
+                          <p:cTn id="20" fill="hold">
+                            <p:stCondLst>
+                              <p:cond delay="0"/>
+                            </p:stCondLst>
+                            <p:childTnLst>
+                              <p:par>
+                                <p:cTn id="21" presetID="1" presetClass="entr" presetSubtype="0" fill="hold" grpId="0" nodeType="clickEffect">
+                                  <p:stCondLst>
+                                    <p:cond delay="0"/>
+                                  </p:stCondLst>
+                                  <p:childTnLst>
+                                    <p:set>
+                                      <p:cBhvr>
+                                        <p:cTn id="22" dur="1" fill="hold">
+                                          <p:stCondLst>
+                                            <p:cond delay="0"/>
+                                          </p:stCondLst>
+                                        </p:cTn>
+                                        <p:tgtEl>
+                                          <p:spTgt spid="12"/>
+                                        </p:tgtEl>
+                                        <p:attrNameLst>
+                                          <p:attrName>style.visibility</p:attrName>
+                                        </p:attrNameLst>
+                                      </p:cBhvr>
+                                      <p:to>
+                                        <p:strVal val="visible"/>
+                                      </p:to>
+                                    </p:set>
+                                  </p:childTnLst>
+                                </p:cTn>
+                              </p:par>
+                            </p:childTnLst>
+                          </p:cTn>
+                        </p:par>
+                      </p:childTnLst>
+                    </p:cTn>
+                  </p:par>
+                </p:childTnLst>
+              </p:cTn>
+              <p:prevCondLst>
+                <p:cond evt="onPrev" delay="0">
+                  <p:tgtEl>
+                    <p:sldTgt/>
+                  </p:tgtEl>
+                </p:cond>
+              </p:prevCondLst>
+              <p:nextCondLst>
+                <p:cond evt="onNext" delay="0">
+                  <p:tgtEl>
+                    <p:sldTgt/>
+                  </p:tgtEl>
+                </p:cond>
+              </p:nextCondLst>
+            </p:seq>
+          </p:childTnLst>
+        </p:cTn>
+      </p:par>
+    </p:tnLst>
+    <p:bldLst>
+      <p:bldP spid="9" grpId="0"/>
+      <p:bldP spid="10" grpId="0"/>
+      <p:bldP spid="11" grpId="0"/>
+      <p:bldP spid="12" grpId="0"/>
+    </p:bldLst>
+  </p:timing>
+</p:sld>
+</file>
+
+<file path=ppt/slides/slide7.xml><?xml version="1.0" encoding="utf-8"?>
+<p:sld xmlns:a="http://schemas.openxmlformats.org/drawingml/2006/main" xmlns:r="http://schemas.openxmlformats.org/officeDocument/2006/relationships" xmlns:p="http://schemas.openxmlformats.org/presentationml/2006/main">
+  <p:cSld>
+    <p:spTree>
+      <p:nvGrpSpPr>
+        <p:cNvPr id="1" name=""/>
+        <p:cNvGrpSpPr/>
+        <p:nvPr/>
+      </p:nvGrpSpPr>
+      <p:grpSpPr>
+        <a:xfrm>
+          <a:off x="0" y="0"/>
+          <a:ext cx="0" cy="0"/>
+          <a:chOff x="0" y="0"/>
+          <a:chExt cx="0" cy="0"/>
+        </a:xfrm>
+      </p:grpSpPr>
+      <p:sp>
+        <p:nvSpPr>
+          <p:cNvPr id="2" name="ZoneTexte 1">
+            <a:extLst>
+              <a:ext uri="{FF2B5EF4-FFF2-40B4-BE49-F238E27FC236}">
+                <a16:creationId xmlns:a16="http://schemas.microsoft.com/office/drawing/2014/main" id="{291B507B-E340-406B-B837-3CC0B27820D3}"/>
+              </a:ext>
+            </a:extLst>
+          </p:cNvPr>
+          <p:cNvSpPr txBox="1"/>
+          <p:nvPr/>
+        </p:nvSpPr>
+        <p:spPr>
+          <a:xfrm>
+            <a:off x="771525" y="679318"/>
+            <a:ext cx="6097464" cy="480131"/>
+          </a:xfrm>
+          <a:prstGeom prst="rect">
+            <a:avLst/>
+          </a:prstGeom>
+          <a:noFill/>
+        </p:spPr>
+        <p:txBody>
+          <a:bodyPr wrap="square">
+            <a:spAutoFit/>
+          </a:bodyPr>
+          <a:lstStyle/>
+          <a:p>
+            <a:pPr marL="0" marR="0" lvl="0" indent="0" algn="ctr" defTabSz="914400" rtl="0" eaLnBrk="1" fontAlgn="auto" latinLnBrk="0" hangingPunct="1">
+              <a:lnSpc>
+                <a:spcPct val="90000"/>
+              </a:lnSpc>
+              <a:spcBef>
+                <a:spcPts val="1000"/>
+              </a:spcBef>
+              <a:spcAft>
+                <a:spcPts val="0"/>
+              </a:spcAft>
+              <a:buClrTx/>
+              <a:buSzTx/>
+              <a:buFont typeface="Arial" panose="020B0604020202020204" pitchFamily="34" charset="0"/>
+              <a:buNone/>
+              <a:tabLst/>
+              <a:defRPr/>
+            </a:pPr>
+            <a:r>
+              <a:rPr kumimoji="0" lang="fr-FR" sz="2800" b="1" i="0" u="none" strike="noStrike" kern="1200" cap="none" spc="0" normalizeH="0" baseline="0" noProof="0" dirty="0">
+                <a:ln>
+                  <a:noFill/>
+                </a:ln>
+                <a:solidFill>
+                  <a:srgbClr val="242852">
+                    <a:lumMod val="60000"/>
+                    <a:lumOff val="40000"/>
+                  </a:srgbClr>
+                </a:solidFill>
+                <a:effectLst/>
+                <a:uLnTx/>
+                <a:uFillTx/>
+                <a:latin typeface="Arial Narrow" panose="020B0606020202030204" pitchFamily="34" charset="0"/>
+                <a:ea typeface="Calibri" panose="020F0502020204030204" pitchFamily="34" charset="0"/>
+                <a:cs typeface="Times New Roman" panose="02020603050405020304" pitchFamily="18" charset="0"/>
+              </a:rPr>
+              <a:t>Accesseurs et </a:t>
+            </a:r>
+            <a:r>
+              <a:rPr kumimoji="0" lang="fr-FR" sz="2800" b="1" i="0" u="none" strike="noStrike" kern="1200" cap="none" spc="0" normalizeH="0" baseline="0" noProof="0" dirty="0" err="1">
+                <a:ln>
+                  <a:noFill/>
+                </a:ln>
+                <a:solidFill>
+                  <a:srgbClr val="242852">
+                    <a:lumMod val="60000"/>
+                    <a:lumOff val="40000"/>
+                  </a:srgbClr>
+                </a:solidFill>
+                <a:effectLst/>
+                <a:uLnTx/>
+                <a:uFillTx/>
+                <a:latin typeface="Arial Narrow" panose="020B0606020202030204" pitchFamily="34" charset="0"/>
+                <a:ea typeface="Calibri" panose="020F0502020204030204" pitchFamily="34" charset="0"/>
+                <a:cs typeface="Times New Roman" panose="02020603050405020304" pitchFamily="18" charset="0"/>
+              </a:rPr>
+              <a:t>muttateurs</a:t>
+            </a:r>
+            <a:endParaRPr kumimoji="0" lang="fr-FR" sz="2800" b="1" i="0" u="none" strike="noStrike" kern="1200" cap="none" spc="0" normalizeH="0" baseline="0" noProof="0" dirty="0">
+              <a:ln>
+                <a:noFill/>
+              </a:ln>
+              <a:solidFill>
+                <a:srgbClr val="242852">
+                  <a:lumMod val="60000"/>
+                  <a:lumOff val="40000"/>
+                </a:srgbClr>
+              </a:solidFill>
+              <a:effectLst/>
+              <a:uLnTx/>
+              <a:uFillTx/>
+              <a:latin typeface="Arial Narrow" panose="020B0606020202030204" pitchFamily="34" charset="0"/>
+              <a:ea typeface="Calibri" panose="020F0502020204030204" pitchFamily="34" charset="0"/>
+              <a:cs typeface="Times New Roman" panose="02020603050405020304" pitchFamily="18" charset="0"/>
+            </a:endParaRPr>
+          </a:p>
+        </p:txBody>
+      </p:sp>
+      <p:sp>
+        <p:nvSpPr>
+          <p:cNvPr id="3" name="ZoneTexte 2">
+            <a:extLst>
+              <a:ext uri="{FF2B5EF4-FFF2-40B4-BE49-F238E27FC236}">
+                <a16:creationId xmlns:a16="http://schemas.microsoft.com/office/drawing/2014/main" id="{EB3F5687-2F70-4290-BD07-8720C929D2B5}"/>
+              </a:ext>
+            </a:extLst>
+          </p:cNvPr>
+          <p:cNvSpPr txBox="1"/>
+          <p:nvPr/>
+        </p:nvSpPr>
+        <p:spPr>
+          <a:xfrm>
+            <a:off x="2072680" y="2505670"/>
+            <a:ext cx="1167307" cy="923330"/>
+          </a:xfrm>
+          <a:prstGeom prst="rect">
+            <a:avLst/>
+          </a:prstGeom>
+          <a:noFill/>
+          <a:ln>
+            <a:solidFill>
+              <a:schemeClr val="tx1"/>
+            </a:solidFill>
+          </a:ln>
+        </p:spPr>
+        <p:txBody>
+          <a:bodyPr wrap="none" rtlCol="0">
+            <a:spAutoFit/>
+          </a:bodyPr>
+          <a:lstStyle/>
+          <a:p>
+            <a:pPr algn="ctr"/>
+            <a:r>
+              <a:rPr lang="fr-FR" b="1" dirty="0">
+                <a:solidFill>
+                  <a:srgbClr val="242852">
+                    <a:lumMod val="60000"/>
+                    <a:lumOff val="40000"/>
+                  </a:srgbClr>
+                </a:solidFill>
+                <a:latin typeface="Arial Narrow" panose="020B0606020202030204" pitchFamily="34" charset="0"/>
+                <a:cs typeface="Times New Roman" panose="02020603050405020304" pitchFamily="18" charset="0"/>
+              </a:rPr>
+              <a:t> accesseur</a:t>
+            </a:r>
+          </a:p>
+          <a:p>
+            <a:pPr algn="ctr"/>
+            <a:r>
+              <a:rPr lang="fr-FR" b="1" dirty="0">
+                <a:solidFill>
+                  <a:srgbClr val="242852">
+                    <a:lumMod val="60000"/>
+                    <a:lumOff val="40000"/>
+                  </a:srgbClr>
+                </a:solidFill>
+                <a:latin typeface="Arial Narrow" panose="020B0606020202030204" pitchFamily="34" charset="0"/>
+                <a:cs typeface="Times New Roman" panose="02020603050405020304" pitchFamily="18" charset="0"/>
+              </a:rPr>
+              <a:t> ou</a:t>
+            </a:r>
+          </a:p>
+          <a:p>
+            <a:pPr algn="ctr"/>
+            <a:r>
+              <a:rPr lang="fr-FR" b="1" dirty="0">
+                <a:solidFill>
+                  <a:srgbClr val="242852">
+                    <a:lumMod val="60000"/>
+                    <a:lumOff val="40000"/>
+                  </a:srgbClr>
+                </a:solidFill>
+                <a:latin typeface="Arial Narrow" panose="020B0606020202030204" pitchFamily="34" charset="0"/>
+                <a:cs typeface="Times New Roman" panose="02020603050405020304" pitchFamily="18" charset="0"/>
+              </a:rPr>
+              <a:t> getter</a:t>
+            </a:r>
+            <a:endParaRPr lang="fr-FR" dirty="0"/>
+          </a:p>
+        </p:txBody>
+      </p:sp>
+      <p:sp>
+        <p:nvSpPr>
+          <p:cNvPr id="4" name="ZoneTexte 3">
+            <a:extLst>
+              <a:ext uri="{FF2B5EF4-FFF2-40B4-BE49-F238E27FC236}">
+                <a16:creationId xmlns:a16="http://schemas.microsoft.com/office/drawing/2014/main" id="{B9866431-AC29-459A-837A-9CE4C2880E38}"/>
+              </a:ext>
+            </a:extLst>
+          </p:cNvPr>
+          <p:cNvSpPr txBox="1"/>
+          <p:nvPr/>
+        </p:nvSpPr>
+        <p:spPr>
+          <a:xfrm>
+            <a:off x="4414243" y="2566032"/>
+            <a:ext cx="1047083" cy="923330"/>
+          </a:xfrm>
+          <a:prstGeom prst="rect">
+            <a:avLst/>
+          </a:prstGeom>
+          <a:noFill/>
+          <a:ln>
+            <a:solidFill>
+              <a:schemeClr val="tx1"/>
+            </a:solidFill>
+          </a:ln>
+        </p:spPr>
+        <p:txBody>
+          <a:bodyPr wrap="none" rtlCol="0">
+            <a:spAutoFit/>
+          </a:bodyPr>
+          <a:lstStyle/>
+          <a:p>
+            <a:pPr algn="ctr"/>
+            <a:r>
+              <a:rPr lang="fr-FR" b="1" dirty="0">
+                <a:solidFill>
+                  <a:srgbClr val="242852">
+                    <a:lumMod val="60000"/>
+                    <a:lumOff val="40000"/>
+                  </a:srgbClr>
+                </a:solidFill>
+                <a:latin typeface="Arial Narrow" panose="020B0606020202030204" pitchFamily="34" charset="0"/>
+                <a:cs typeface="Times New Roman" panose="02020603050405020304" pitchFamily="18" charset="0"/>
+              </a:rPr>
+              <a:t> mutateur</a:t>
+            </a:r>
+          </a:p>
+          <a:p>
+            <a:pPr algn="ctr"/>
+            <a:r>
+              <a:rPr lang="fr-FR" b="1" dirty="0">
+                <a:solidFill>
+                  <a:srgbClr val="242852">
+                    <a:lumMod val="60000"/>
+                    <a:lumOff val="40000"/>
+                  </a:srgbClr>
+                </a:solidFill>
+                <a:latin typeface="Arial Narrow" panose="020B0606020202030204" pitchFamily="34" charset="0"/>
+                <a:cs typeface="Times New Roman" panose="02020603050405020304" pitchFamily="18" charset="0"/>
+              </a:rPr>
+              <a:t> ou</a:t>
+            </a:r>
+          </a:p>
+          <a:p>
+            <a:pPr algn="ctr"/>
+            <a:r>
+              <a:rPr lang="fr-FR" b="1" dirty="0">
+                <a:solidFill>
+                  <a:srgbClr val="242852">
+                    <a:lumMod val="60000"/>
+                    <a:lumOff val="40000"/>
+                  </a:srgbClr>
+                </a:solidFill>
+                <a:latin typeface="Arial Narrow" panose="020B0606020202030204" pitchFamily="34" charset="0"/>
+                <a:cs typeface="Times New Roman" panose="02020603050405020304" pitchFamily="18" charset="0"/>
+              </a:rPr>
+              <a:t> setter</a:t>
+            </a:r>
+            <a:endParaRPr lang="fr-FR" dirty="0"/>
+          </a:p>
+        </p:txBody>
+      </p:sp>
+    </p:spTree>
+    <p:extLst>
+      <p:ext uri="{BB962C8B-B14F-4D97-AF65-F5344CB8AC3E}">
+        <p14:creationId xmlns:p14="http://schemas.microsoft.com/office/powerpoint/2010/main" val="2063963722"/>
+      </p:ext>
+    </p:extLst>
+  </p:cSld>
+  <p:clrMapOvr>
+    <a:masterClrMapping/>
+  </p:clrMapOvr>
+  <p:timing>
+    <p:tnLst>
+      <p:par>
+        <p:cTn id="1" dur="indefinite" restart="never" nodeType="tmRoot">
+          <p:childTnLst>
+            <p:seq concurrent="1" nextAc="seek">
+              <p:cTn id="2" dur="indefinite" nodeType="mainSeq">
+                <p:childTnLst>
+                  <p:par>
+                    <p:cTn id="3" fill="hold">
+                      <p:stCondLst>
+                        <p:cond delay="indefinite"/>
+                      </p:stCondLst>
+                      <p:childTnLst>
+                        <p:par>
+                          <p:cTn id="4" fill="hold">
+                            <p:stCondLst>
+                              <p:cond delay="0"/>
+                            </p:stCondLst>
+                            <p:childTnLst>
+                              <p:par>
+                                <p:cTn id="5" presetID="1" presetClass="entr" presetSubtype="0" fill="hold" grpId="0" nodeType="clickEffect">
+                                  <p:stCondLst>
+                                    <p:cond delay="0"/>
+                                  </p:stCondLst>
+                                  <p:childTnLst>
+                                    <p:set>
+                                      <p:cBhvr>
+                                        <p:cTn id="6" dur="1" fill="hold">
+                                          <p:stCondLst>
+                                            <p:cond delay="0"/>
+                                          </p:stCondLst>
+                                        </p:cTn>
+                                        <p:tgtEl>
+                                          <p:spTgt spid="3"/>
+                                        </p:tgtEl>
+                                        <p:attrNameLst>
+                                          <p:attrName>style.visibility</p:attrName>
+                                        </p:attrNameLst>
+                                      </p:cBhvr>
+                                      <p:to>
+                                        <p:strVal val="visible"/>
+                                      </p:to>
+                                    </p:set>
+                                  </p:childTnLst>
+                                </p:cTn>
+                              </p:par>
+                            </p:childTnLst>
+                          </p:cTn>
+                        </p:par>
+                      </p:childTnLst>
+                    </p:cTn>
+                  </p:par>
+                  <p:par>
+                    <p:cTn id="7" fill="hold">
+                      <p:stCondLst>
+                        <p:cond delay="indefinite"/>
+                      </p:stCondLst>
+                      <p:childTnLst>
+                        <p:par>
+                          <p:cTn id="8" fill="hold">
+                            <p:stCondLst>
+                              <p:cond delay="0"/>
+                            </p:stCondLst>
+                            <p:childTnLst>
+                              <p:par>
+                                <p:cTn id="9" presetID="1" presetClass="entr" presetSubtype="0" fill="hold" grpId="0" nodeType="clickEffect">
+                                  <p:stCondLst>
+                                    <p:cond delay="0"/>
+                                  </p:stCondLst>
+                                  <p:childTnLst>
+                                    <p:set>
+                                      <p:cBhvr>
+                                        <p:cTn id="10" dur="1" fill="hold">
+                                          <p:stCondLst>
+                                            <p:cond delay="0"/>
+                                          </p:stCondLst>
+                                        </p:cTn>
+                                        <p:tgtEl>
+                                          <p:spTgt spid="4"/>
+                                        </p:tgtEl>
+                                        <p:attrNameLst>
+                                          <p:attrName>style.visibility</p:attrName>
+                                        </p:attrNameLst>
+                                      </p:cBhvr>
+                                      <p:to>
+                                        <p:strVal val="visible"/>
+                                      </p:to>
+                                    </p:set>
+                                  </p:childTnLst>
+                                </p:cTn>
+                              </p:par>
+                            </p:childTnLst>
+                          </p:cTn>
+                        </p:par>
+                      </p:childTnLst>
+                    </p:cTn>
+                  </p:par>
+                </p:childTnLst>
+              </p:cTn>
+              <p:prevCondLst>
+                <p:cond evt="onPrev" delay="0">
+                  <p:tgtEl>
+                    <p:sldTgt/>
+                  </p:tgtEl>
+                </p:cond>
+              </p:prevCondLst>
+              <p:nextCondLst>
+                <p:cond evt="onNext" delay="0">
+                  <p:tgtEl>
+                    <p:sldTgt/>
+                  </p:tgtEl>
+                </p:cond>
+              </p:nextCondLst>
+            </p:seq>
+          </p:childTnLst>
+        </p:cTn>
+      </p:par>
+    </p:tnLst>
+    <p:bldLst>
+      <p:bldP spid="3" grpId="0"/>
+      <p:bldP spid="4" grpId="0"/>
+    </p:bldLst>
+  </p:timing>
 </p:sld>
 </file>
 

--- a/cours/Cours Java_Programmation Objet.pptx
+++ b/cours/Cours Java_Programmation Objet.pptx
@@ -443,7 +443,7 @@
           <a:p>
             <a:fld id="{FB6A2C3C-331C-40B1-B907-1A337451F258}" type="datetimeFigureOut">
               <a:rPr lang="fr-FR" smtClean="0"/>
-              <a:t>23/02/2022</a:t>
+              <a:t>25/02/2022</a:t>
             </a:fld>
             <a:endParaRPr lang="fr-FR"/>
           </a:p>
@@ -2419,7 +2419,7 @@
                 <a:latin typeface="Arial Narrow" panose="020B0606020202030204" pitchFamily="34" charset="0"/>
                 <a:cs typeface="Times New Roman" panose="02020603050405020304" pitchFamily="18" charset="0"/>
               </a:rPr>
-              <a:t>Quand une propriété est </a:t>
+              <a:t>Jusque là &lt;click&gt; les attributs étaient </a:t>
             </a:r>
             <a:r>
               <a:rPr kumimoji="0" lang="fr-FR" sz="1200" b="1" i="0" u="none" strike="noStrike" kern="1200" cap="none" spc="0" normalizeH="0" baseline="0" noProof="0" dirty="0" err="1">
@@ -2438,7 +2438,7 @@
                 <a:latin typeface="Arial Narrow" panose="020B0606020202030204" pitchFamily="34" charset="0"/>
                 <a:cs typeface="Times New Roman" panose="02020603050405020304" pitchFamily="18" charset="0"/>
               </a:rPr>
-              <a:t>private</a:t>
+              <a:t>publices</a:t>
             </a:r>
             <a:r>
               <a:rPr kumimoji="0" lang="fr-FR" sz="1200" b="1" i="0" u="none" strike="noStrike" kern="1200" cap="none" spc="0" normalizeH="0" baseline="0" noProof="0" dirty="0">
@@ -2457,7 +2457,7 @@
                 <a:latin typeface="Arial Narrow" panose="020B0606020202030204" pitchFamily="34" charset="0"/>
                 <a:cs typeface="Times New Roman" panose="02020603050405020304" pitchFamily="18" charset="0"/>
               </a:rPr>
-              <a:t>, son accès est impossible en lecture et écriture depuis l’extérieur de la classe.</a:t>
+              <a:t>, donc accessibles de partout.</a:t>
             </a:r>
           </a:p>
           <a:p>
@@ -2478,8 +2478,214 @@
                 <a:latin typeface="Arial Narrow" panose="020B0606020202030204" pitchFamily="34" charset="0"/>
                 <a:cs typeface="Times New Roman" panose="02020603050405020304" pitchFamily="18" charset="0"/>
               </a:rPr>
-              <a:t>La norme des composants réutilisables veut que toutes les propriétés qui doivent être accessibles depuis l’extérieur doivent être privées.</a:t>
-            </a:r>
+              <a:t>Click : instanciation</a:t>
+            </a:r>
+          </a:p>
+          <a:p>
+            <a:r>
+              <a:rPr kumimoji="0" lang="fr-FR" sz="1200" b="1" i="0" u="none" strike="noStrike" kern="1200" cap="none" spc="0" normalizeH="0" baseline="0" noProof="0" dirty="0">
+                <a:ln>
+                  <a:noFill/>
+                </a:ln>
+                <a:solidFill>
+                  <a:srgbClr val="242852">
+                    <a:lumMod val="60000"/>
+                    <a:lumOff val="40000"/>
+                  </a:srgbClr>
+                </a:solidFill>
+                <a:effectLst/>
+                <a:uLnTx/>
+                <a:uFillTx/>
+                <a:latin typeface="Arial Narrow" panose="020B0606020202030204" pitchFamily="34" charset="0"/>
+                <a:cs typeface="Times New Roman" panose="02020603050405020304" pitchFamily="18" charset="0"/>
+              </a:rPr>
+              <a:t>Pour modifier un attribut &lt;click&gt;</a:t>
+            </a:r>
+          </a:p>
+          <a:p>
+            <a:r>
+              <a:rPr kumimoji="0" lang="fr-FR" sz="1200" b="1" i="0" u="none" strike="noStrike" kern="1200" cap="none" spc="0" normalizeH="0" baseline="0" noProof="0" dirty="0">
+                <a:ln>
+                  <a:noFill/>
+                </a:ln>
+                <a:solidFill>
+                  <a:srgbClr val="242852">
+                    <a:lumMod val="60000"/>
+                    <a:lumOff val="40000"/>
+                  </a:srgbClr>
+                </a:solidFill>
+                <a:effectLst/>
+                <a:uLnTx/>
+                <a:uFillTx/>
+                <a:latin typeface="Arial Narrow" panose="020B0606020202030204" pitchFamily="34" charset="0"/>
+                <a:cs typeface="Times New Roman" panose="02020603050405020304" pitchFamily="18" charset="0"/>
+              </a:rPr>
+              <a:t>Pour lire un </a:t>
+            </a:r>
+            <a:r>
+              <a:rPr kumimoji="0" lang="fr-FR" sz="1200" b="1" i="0" u="none" strike="noStrike" kern="1200" cap="none" spc="0" normalizeH="0" baseline="0" noProof="0" dirty="0" err="1">
+                <a:ln>
+                  <a:noFill/>
+                </a:ln>
+                <a:solidFill>
+                  <a:srgbClr val="242852">
+                    <a:lumMod val="60000"/>
+                    <a:lumOff val="40000"/>
+                  </a:srgbClr>
+                </a:solidFill>
+                <a:effectLst/>
+                <a:uLnTx/>
+                <a:uFillTx/>
+                <a:latin typeface="Arial Narrow" panose="020B0606020202030204" pitchFamily="34" charset="0"/>
+                <a:cs typeface="Times New Roman" panose="02020603050405020304" pitchFamily="18" charset="0"/>
+              </a:rPr>
+              <a:t>attribur</a:t>
+            </a:r>
+            <a:r>
+              <a:rPr kumimoji="0" lang="fr-FR" sz="1200" b="1" i="0" u="none" strike="noStrike" kern="1200" cap="none" spc="0" normalizeH="0" baseline="0" noProof="0" dirty="0">
+                <a:ln>
+                  <a:noFill/>
+                </a:ln>
+                <a:solidFill>
+                  <a:srgbClr val="242852">
+                    <a:lumMod val="60000"/>
+                    <a:lumOff val="40000"/>
+                  </a:srgbClr>
+                </a:solidFill>
+                <a:effectLst/>
+                <a:uLnTx/>
+                <a:uFillTx/>
+                <a:latin typeface="Arial Narrow" panose="020B0606020202030204" pitchFamily="34" charset="0"/>
+                <a:cs typeface="Times New Roman" panose="02020603050405020304" pitchFamily="18" charset="0"/>
+              </a:rPr>
+              <a:t> &lt;click&gt;</a:t>
+            </a:r>
+          </a:p>
+          <a:p>
+            <a:r>
+              <a:rPr kumimoji="0" lang="fr-FR" sz="1200" b="1" i="0" u="none" strike="noStrike" kern="1200" cap="none" spc="0" normalizeH="0" baseline="0" noProof="0" dirty="0">
+                <a:ln>
+                  <a:noFill/>
+                </a:ln>
+                <a:solidFill>
+                  <a:srgbClr val="242852">
+                    <a:lumMod val="60000"/>
+                    <a:lumOff val="40000"/>
+                  </a:srgbClr>
+                </a:solidFill>
+                <a:effectLst/>
+                <a:uLnTx/>
+                <a:uFillTx/>
+                <a:latin typeface="Arial Narrow" panose="020B0606020202030204" pitchFamily="34" charset="0"/>
+                <a:cs typeface="Times New Roman" panose="02020603050405020304" pitchFamily="18" charset="0"/>
+              </a:rPr>
+              <a:t>La norme des composants réutilisables veut que toutes les propriétés qui doivent être accessibles depuis l’extérieur soient privées.</a:t>
+            </a:r>
+          </a:p>
+          <a:p>
+            <a:r>
+              <a:rPr kumimoji="0" lang="fr-FR" sz="1200" b="1" i="0" u="none" strike="noStrike" kern="1200" cap="none" spc="0" normalizeH="0" baseline="0" noProof="0" dirty="0">
+                <a:ln>
+                  <a:noFill/>
+                </a:ln>
+                <a:solidFill>
+                  <a:srgbClr val="242852">
+                    <a:lumMod val="60000"/>
+                    <a:lumOff val="40000"/>
+                  </a:srgbClr>
+                </a:solidFill>
+                <a:effectLst/>
+                <a:uLnTx/>
+                <a:uFillTx/>
+                <a:latin typeface="Arial Narrow" panose="020B0606020202030204" pitchFamily="34" charset="0"/>
+                <a:cs typeface="Times New Roman" panose="02020603050405020304" pitchFamily="18" charset="0"/>
+              </a:rPr>
+              <a:t>&lt;click&gt; La nouvelle écriture est : &lt;click&gt;, mais je ne peux plus lire et écrire &lt;click&gt;</a:t>
+            </a:r>
+          </a:p>
+          <a:p>
+            <a:r>
+              <a:rPr kumimoji="0" lang="fr-FR" sz="1200" b="1" i="0" u="none" strike="noStrike" kern="1200" cap="none" spc="0" normalizeH="0" baseline="0" noProof="0" dirty="0">
+                <a:ln>
+                  <a:noFill/>
+                </a:ln>
+                <a:solidFill>
+                  <a:srgbClr val="242852">
+                    <a:lumMod val="60000"/>
+                    <a:lumOff val="40000"/>
+                  </a:srgbClr>
+                </a:solidFill>
+                <a:effectLst/>
+                <a:uLnTx/>
+                <a:uFillTx/>
+                <a:latin typeface="Arial Narrow" panose="020B0606020202030204" pitchFamily="34" charset="0"/>
+                <a:cs typeface="Times New Roman" panose="02020603050405020304" pitchFamily="18" charset="0"/>
+              </a:rPr>
+              <a:t>On va utiliser des </a:t>
+            </a:r>
+            <a:r>
+              <a:rPr lang="fr-FR" dirty="0"/>
+              <a:t>méthodes publiques, visibles de l’extérieur pour accéder aux propriétés privées. </a:t>
+            </a:r>
+          </a:p>
+          <a:p>
+            <a:r>
+              <a:rPr lang="fr-FR" dirty="0"/>
+              <a:t>&lt;click&gt; Accesseur : getter, click pour code</a:t>
+            </a:r>
+          </a:p>
+          <a:p>
+            <a:r>
+              <a:rPr lang="fr-FR" dirty="0"/>
+              <a:t>&lt;click&gt; </a:t>
+            </a:r>
+            <a:r>
+              <a:rPr lang="fr-FR" dirty="0" err="1"/>
+              <a:t>Muttateur</a:t>
+            </a:r>
+            <a:r>
+              <a:rPr lang="fr-FR" dirty="0"/>
+              <a:t> : setter : click pour code</a:t>
+            </a:r>
+          </a:p>
+          <a:p>
+            <a:endParaRPr lang="fr-FR" dirty="0"/>
+          </a:p>
+          <a:p>
+            <a:endParaRPr kumimoji="0" lang="fr-FR" sz="1200" b="1" i="0" u="none" strike="noStrike" kern="1200" cap="none" spc="0" normalizeH="0" baseline="0" noProof="0" dirty="0">
+              <a:ln>
+                <a:noFill/>
+              </a:ln>
+              <a:solidFill>
+                <a:srgbClr val="242852">
+                  <a:lumMod val="60000"/>
+                  <a:lumOff val="40000"/>
+                </a:srgbClr>
+              </a:solidFill>
+              <a:effectLst/>
+              <a:uLnTx/>
+              <a:uFillTx/>
+              <a:latin typeface="Arial Narrow" panose="020B0606020202030204" pitchFamily="34" charset="0"/>
+              <a:cs typeface="Times New Roman" panose="02020603050405020304" pitchFamily="18" charset="0"/>
+            </a:endParaRPr>
+          </a:p>
+          <a:p>
+            <a:endParaRPr kumimoji="0" lang="fr-FR" sz="1200" b="1" i="0" u="none" strike="noStrike" kern="1200" cap="none" spc="0" normalizeH="0" baseline="0" noProof="0" dirty="0">
+              <a:ln>
+                <a:noFill/>
+              </a:ln>
+              <a:solidFill>
+                <a:srgbClr val="242852">
+                  <a:lumMod val="60000"/>
+                  <a:lumOff val="40000"/>
+                </a:srgbClr>
+              </a:solidFill>
+              <a:effectLst/>
+              <a:uLnTx/>
+              <a:uFillTx/>
+              <a:latin typeface="Arial Narrow" panose="020B0606020202030204" pitchFamily="34" charset="0"/>
+              <a:cs typeface="Times New Roman" panose="02020603050405020304" pitchFamily="18" charset="0"/>
+            </a:endParaRPr>
           </a:p>
           <a:p>
             <a:r>
@@ -3112,43 +3318,8 @@
                 <a:latin typeface="Arial Narrow" panose="020B0606020202030204" pitchFamily="34" charset="0"/>
                 <a:cs typeface="Times New Roman" panose="02020603050405020304" pitchFamily="18" charset="0"/>
               </a:rPr>
-              <a:t>La norme impose aussi de bénéficier d’un constructeur sans paramètre, </a:t>
-            </a:r>
-            <a:r>
-              <a:rPr kumimoji="0" lang="fr-FR" sz="1200" b="1" i="0" u="none" strike="noStrike" kern="1200" cap="none" spc="0" normalizeH="0" baseline="0" noProof="0">
-                <a:ln>
-                  <a:noFill/>
-                </a:ln>
-                <a:solidFill>
-                  <a:srgbClr val="242852">
-                    <a:lumMod val="60000"/>
-                    <a:lumOff val="40000"/>
-                  </a:srgbClr>
-                </a:solidFill>
-                <a:effectLst/>
-                <a:uLnTx/>
-                <a:uFillTx/>
-                <a:latin typeface="Arial Narrow" panose="020B0606020202030204" pitchFamily="34" charset="0"/>
-                <a:cs typeface="Times New Roman" panose="02020603050405020304" pitchFamily="18" charset="0"/>
-              </a:rPr>
-              <a:t>c’est fait.</a:t>
-            </a:r>
-            <a:endParaRPr kumimoji="0" lang="fr-FR" sz="1200" b="1" i="0" u="none" strike="noStrike" kern="1200" cap="none" spc="0" normalizeH="0" baseline="0" noProof="0" dirty="0">
-              <a:ln>
-                <a:noFill/>
-              </a:ln>
-              <a:solidFill>
-                <a:srgbClr val="242852">
-                  <a:lumMod val="60000"/>
-                  <a:lumOff val="40000"/>
-                </a:srgbClr>
-              </a:solidFill>
-              <a:effectLst/>
-              <a:uLnTx/>
-              <a:uFillTx/>
-              <a:latin typeface="Arial Narrow" panose="020B0606020202030204" pitchFamily="34" charset="0"/>
-              <a:cs typeface="Times New Roman" panose="02020603050405020304" pitchFamily="18" charset="0"/>
-            </a:endParaRPr>
+              <a:t>La norme impose aussi de bénéficier d’un constructeur sans paramètre, c’est fait.</a:t>
+            </a:r>
           </a:p>
           <a:p>
             <a:endParaRPr kumimoji="0" lang="fr-FR" sz="1200" b="1" i="0" u="none" strike="noStrike" kern="1200" cap="none" spc="0" normalizeH="0" baseline="0" noProof="0" dirty="0">
@@ -3967,7 +4138,7 @@
           <a:p>
             <a:fld id="{68AA2F7D-4A48-42B4-8BEA-B9039AC65ED3}" type="datetimeFigureOut">
               <a:rPr lang="fr-FR" smtClean="0"/>
-              <a:t>23/02/2022</a:t>
+              <a:t>25/02/2022</a:t>
             </a:fld>
             <a:endParaRPr lang="fr-FR"/>
           </a:p>
@@ -4218,7 +4389,7 @@
           <a:p>
             <a:fld id="{68AA2F7D-4A48-42B4-8BEA-B9039AC65ED3}" type="datetimeFigureOut">
               <a:rPr lang="fr-FR" smtClean="0"/>
-              <a:t>23/02/2022</a:t>
+              <a:t>25/02/2022</a:t>
             </a:fld>
             <a:endParaRPr lang="fr-FR"/>
           </a:p>
@@ -4532,7 +4703,7 @@
           <a:p>
             <a:fld id="{68AA2F7D-4A48-42B4-8BEA-B9039AC65ED3}" type="datetimeFigureOut">
               <a:rPr lang="fr-FR" smtClean="0"/>
-              <a:t>23/02/2022</a:t>
+              <a:t>25/02/2022</a:t>
             </a:fld>
             <a:endParaRPr lang="fr-FR"/>
           </a:p>
@@ -4873,7 +5044,7 @@
           <a:p>
             <a:fld id="{68AA2F7D-4A48-42B4-8BEA-B9039AC65ED3}" type="datetimeFigureOut">
               <a:rPr lang="fr-FR" smtClean="0"/>
-              <a:t>23/02/2022</a:t>
+              <a:t>25/02/2022</a:t>
             </a:fld>
             <a:endParaRPr lang="fr-FR"/>
           </a:p>
@@ -5187,7 +5358,7 @@
           <a:p>
             <a:fld id="{68AA2F7D-4A48-42B4-8BEA-B9039AC65ED3}" type="datetimeFigureOut">
               <a:rPr lang="fr-FR" smtClean="0"/>
-              <a:t>23/02/2022</a:t>
+              <a:t>25/02/2022</a:t>
             </a:fld>
             <a:endParaRPr lang="fr-FR"/>
           </a:p>
@@ -5580,7 +5751,7 @@
           <a:p>
             <a:fld id="{68AA2F7D-4A48-42B4-8BEA-B9039AC65ED3}" type="datetimeFigureOut">
               <a:rPr lang="fr-FR" smtClean="0"/>
-              <a:t>23/02/2022</a:t>
+              <a:t>25/02/2022</a:t>
             </a:fld>
             <a:endParaRPr lang="fr-FR"/>
           </a:p>
@@ -5750,7 +5921,7 @@
           <a:p>
             <a:fld id="{68AA2F7D-4A48-42B4-8BEA-B9039AC65ED3}" type="datetimeFigureOut">
               <a:rPr lang="fr-FR" smtClean="0"/>
-              <a:t>23/02/2022</a:t>
+              <a:t>25/02/2022</a:t>
             </a:fld>
             <a:endParaRPr lang="fr-FR"/>
           </a:p>
@@ -5930,7 +6101,7 @@
           <a:p>
             <a:fld id="{68AA2F7D-4A48-42B4-8BEA-B9039AC65ED3}" type="datetimeFigureOut">
               <a:rPr lang="fr-FR" smtClean="0"/>
-              <a:t>23/02/2022</a:t>
+              <a:t>25/02/2022</a:t>
             </a:fld>
             <a:endParaRPr lang="fr-FR"/>
           </a:p>
@@ -6106,7 +6277,7 @@
           <a:p>
             <a:fld id="{68AA2F7D-4A48-42B4-8BEA-B9039AC65ED3}" type="datetimeFigureOut">
               <a:rPr lang="fr-FR" smtClean="0"/>
-              <a:t>23/02/2022</a:t>
+              <a:t>25/02/2022</a:t>
             </a:fld>
             <a:endParaRPr lang="fr-FR"/>
           </a:p>
@@ -6353,7 +6524,7 @@
           <a:p>
             <a:fld id="{68AA2F7D-4A48-42B4-8BEA-B9039AC65ED3}" type="datetimeFigureOut">
               <a:rPr lang="fr-FR" smtClean="0"/>
-              <a:t>23/02/2022</a:t>
+              <a:t>25/02/2022</a:t>
             </a:fld>
             <a:endParaRPr lang="fr-FR"/>
           </a:p>
@@ -6585,7 +6756,7 @@
           <a:p>
             <a:fld id="{68AA2F7D-4A48-42B4-8BEA-B9039AC65ED3}" type="datetimeFigureOut">
               <a:rPr lang="fr-FR" smtClean="0"/>
-              <a:t>23/02/2022</a:t>
+              <a:t>25/02/2022</a:t>
             </a:fld>
             <a:endParaRPr lang="fr-FR"/>
           </a:p>
@@ -6959,7 +7130,7 @@
           <a:p>
             <a:fld id="{68AA2F7D-4A48-42B4-8BEA-B9039AC65ED3}" type="datetimeFigureOut">
               <a:rPr lang="fr-FR" smtClean="0"/>
-              <a:t>23/02/2022</a:t>
+              <a:t>25/02/2022</a:t>
             </a:fld>
             <a:endParaRPr lang="fr-FR"/>
           </a:p>
@@ -7082,7 +7253,7 @@
           <a:p>
             <a:fld id="{68AA2F7D-4A48-42B4-8BEA-B9039AC65ED3}" type="datetimeFigureOut">
               <a:rPr lang="fr-FR" smtClean="0"/>
-              <a:t>23/02/2022</a:t>
+              <a:t>25/02/2022</a:t>
             </a:fld>
             <a:endParaRPr lang="fr-FR"/>
           </a:p>
@@ -7177,7 +7348,7 @@
           <a:p>
             <a:fld id="{68AA2F7D-4A48-42B4-8BEA-B9039AC65ED3}" type="datetimeFigureOut">
               <a:rPr lang="fr-FR" smtClean="0"/>
-              <a:t>23/02/2022</a:t>
+              <a:t>25/02/2022</a:t>
             </a:fld>
             <a:endParaRPr lang="fr-FR"/>
           </a:p>
@@ -7432,7 +7603,7 @@
           <a:p>
             <a:fld id="{68AA2F7D-4A48-42B4-8BEA-B9039AC65ED3}" type="datetimeFigureOut">
               <a:rPr lang="fr-FR" smtClean="0"/>
-              <a:t>23/02/2022</a:t>
+              <a:t>25/02/2022</a:t>
             </a:fld>
             <a:endParaRPr lang="fr-FR"/>
           </a:p>
@@ -7695,7 +7866,7 @@
           <a:p>
             <a:fld id="{68AA2F7D-4A48-42B4-8BEA-B9039AC65ED3}" type="datetimeFigureOut">
               <a:rPr lang="fr-FR" smtClean="0"/>
-              <a:t>23/02/2022</a:t>
+              <a:t>25/02/2022</a:t>
             </a:fld>
             <a:endParaRPr lang="fr-FR"/>
           </a:p>
@@ -8438,7 +8609,7 @@
           <a:p>
             <a:fld id="{68AA2F7D-4A48-42B4-8BEA-B9039AC65ED3}" type="datetimeFigureOut">
               <a:rPr lang="fr-FR" smtClean="0"/>
-              <a:t>23/02/2022</a:t>
+              <a:t>25/02/2022</a:t>
             </a:fld>
             <a:endParaRPr lang="fr-FR"/>
           </a:p>
@@ -12730,6 +12901,235 @@
           <a:chExt cx="0" cy="0"/>
         </a:xfrm>
       </p:grpSpPr>
+      <p:grpSp>
+        <p:nvGrpSpPr>
+          <p:cNvPr id="45" name="Groupe 44">
+            <a:extLst>
+              <a:ext uri="{FF2B5EF4-FFF2-40B4-BE49-F238E27FC236}">
+                <a16:creationId xmlns:a16="http://schemas.microsoft.com/office/drawing/2014/main" id="{4521FBE0-73B5-44AA-AC1E-E4318CF121FA}"/>
+              </a:ext>
+            </a:extLst>
+          </p:cNvPr>
+          <p:cNvGrpSpPr/>
+          <p:nvPr/>
+        </p:nvGrpSpPr>
+        <p:grpSpPr>
+          <a:xfrm>
+            <a:off x="1119116" y="4310421"/>
+            <a:ext cx="4822721" cy="1967549"/>
+            <a:chOff x="1119116" y="4310421"/>
+            <a:chExt cx="4822721" cy="1967549"/>
+          </a:xfrm>
+        </p:grpSpPr>
+        <p:grpSp>
+          <p:nvGrpSpPr>
+            <p:cNvPr id="33" name="Groupe 32">
+              <a:extLst>
+                <a:ext uri="{FF2B5EF4-FFF2-40B4-BE49-F238E27FC236}">
+                  <a16:creationId xmlns:a16="http://schemas.microsoft.com/office/drawing/2014/main" id="{0A9BA495-42E8-4DBD-BF4D-64874EEB1A05}"/>
+                </a:ext>
+              </a:extLst>
+            </p:cNvPr>
+            <p:cNvGrpSpPr/>
+            <p:nvPr/>
+          </p:nvGrpSpPr>
+          <p:grpSpPr>
+            <a:xfrm>
+              <a:off x="1119116" y="4790364"/>
+              <a:ext cx="4822721" cy="1487606"/>
+              <a:chOff x="1119116" y="4790364"/>
+              <a:chExt cx="4822721" cy="1487606"/>
+            </a:xfrm>
+          </p:grpSpPr>
+          <p:sp>
+            <p:nvSpPr>
+              <p:cNvPr id="29" name="Rectangle 28">
+                <a:extLst>
+                  <a:ext uri="{FF2B5EF4-FFF2-40B4-BE49-F238E27FC236}">
+                    <a16:creationId xmlns:a16="http://schemas.microsoft.com/office/drawing/2014/main" id="{821EAFE2-F831-407A-B1E2-22F18A67CBDF}"/>
+                  </a:ext>
+                </a:extLst>
+              </p:cNvPr>
+              <p:cNvSpPr/>
+              <p:nvPr/>
+            </p:nvSpPr>
+            <p:spPr>
+              <a:xfrm>
+                <a:off x="1119116" y="4790364"/>
+                <a:ext cx="4822721" cy="1487606"/>
+              </a:xfrm>
+              <a:prstGeom prst="rect">
+                <a:avLst/>
+              </a:prstGeom>
+              <a:ln>
+                <a:solidFill>
+                  <a:schemeClr val="tx1"/>
+                </a:solidFill>
+              </a:ln>
+            </p:spPr>
+            <p:style>
+              <a:lnRef idx="2">
+                <a:schemeClr val="accent6"/>
+              </a:lnRef>
+              <a:fillRef idx="1">
+                <a:schemeClr val="lt1"/>
+              </a:fillRef>
+              <a:effectRef idx="0">
+                <a:schemeClr val="accent6"/>
+              </a:effectRef>
+              <a:fontRef idx="minor">
+                <a:schemeClr val="dk1"/>
+              </a:fontRef>
+            </p:style>
+            <p:txBody>
+              <a:bodyPr rtlCol="0" anchor="ctr"/>
+              <a:lstStyle/>
+              <a:p>
+                <a:pPr marL="342900" indent="-342900" algn="l">
+                  <a:buFont typeface="Wingdings" panose="05000000000000000000" pitchFamily="2" charset="2"/>
+                  <a:buChar char="ü"/>
+                </a:pPr>
+                <a:endParaRPr lang="fr-FR" sz="1600" b="1">
+                  <a:solidFill>
+                    <a:schemeClr val="tx2">
+                      <a:lumMod val="60000"/>
+                      <a:lumOff val="40000"/>
+                    </a:schemeClr>
+                  </a:solidFill>
+                  <a:latin typeface="Arial Narrow" panose="020B0606020202030204" pitchFamily="34" charset="0"/>
+                  <a:ea typeface="Calibri" panose="020F0502020204030204" pitchFamily="34" charset="0"/>
+                  <a:cs typeface="Times New Roman" panose="02020603050405020304" pitchFamily="18" charset="0"/>
+                </a:endParaRPr>
+              </a:p>
+            </p:txBody>
+          </p:sp>
+          <p:sp>
+            <p:nvSpPr>
+              <p:cNvPr id="4" name="ZoneTexte 3">
+                <a:extLst>
+                  <a:ext uri="{FF2B5EF4-FFF2-40B4-BE49-F238E27FC236}">
+                    <a16:creationId xmlns:a16="http://schemas.microsoft.com/office/drawing/2014/main" id="{B9866431-AC29-459A-837A-9CE4C2880E38}"/>
+                  </a:ext>
+                </a:extLst>
+              </p:cNvPr>
+              <p:cNvSpPr txBox="1"/>
+              <p:nvPr/>
+            </p:nvSpPr>
+            <p:spPr>
+              <a:xfrm>
+                <a:off x="1235122" y="5008539"/>
+                <a:ext cx="1047083" cy="923330"/>
+              </a:xfrm>
+              <a:prstGeom prst="rect">
+                <a:avLst/>
+              </a:prstGeom>
+              <a:noFill/>
+              <a:ln>
+                <a:solidFill>
+                  <a:schemeClr val="tx1"/>
+                </a:solidFill>
+              </a:ln>
+            </p:spPr>
+            <p:txBody>
+              <a:bodyPr wrap="square" rtlCol="0">
+                <a:spAutoFit/>
+              </a:bodyPr>
+              <a:lstStyle/>
+              <a:p>
+                <a:pPr algn="ctr"/>
+                <a:r>
+                  <a:rPr lang="fr-FR" b="1" dirty="0">
+                    <a:solidFill>
+                      <a:srgbClr val="242852">
+                        <a:lumMod val="60000"/>
+                        <a:lumOff val="40000"/>
+                      </a:srgbClr>
+                    </a:solidFill>
+                    <a:latin typeface="Arial Narrow" panose="020B0606020202030204" pitchFamily="34" charset="0"/>
+                    <a:cs typeface="Times New Roman" panose="02020603050405020304" pitchFamily="18" charset="0"/>
+                  </a:rPr>
+                  <a:t> mutateur</a:t>
+                </a:r>
+              </a:p>
+              <a:p>
+                <a:pPr algn="ctr"/>
+                <a:r>
+                  <a:rPr lang="fr-FR" b="1" dirty="0">
+                    <a:solidFill>
+                      <a:srgbClr val="242852">
+                        <a:lumMod val="60000"/>
+                        <a:lumOff val="40000"/>
+                      </a:srgbClr>
+                    </a:solidFill>
+                    <a:latin typeface="Arial Narrow" panose="020B0606020202030204" pitchFamily="34" charset="0"/>
+                    <a:cs typeface="Times New Roman" panose="02020603050405020304" pitchFamily="18" charset="0"/>
+                  </a:rPr>
+                  <a:t> ou</a:t>
+                </a:r>
+              </a:p>
+              <a:p>
+                <a:pPr algn="ctr"/>
+                <a:r>
+                  <a:rPr lang="fr-FR" b="1" dirty="0">
+                    <a:solidFill>
+                      <a:srgbClr val="242852">
+                        <a:lumMod val="60000"/>
+                        <a:lumOff val="40000"/>
+                      </a:srgbClr>
+                    </a:solidFill>
+                    <a:latin typeface="Arial Narrow" panose="020B0606020202030204" pitchFamily="34" charset="0"/>
+                    <a:cs typeface="Times New Roman" panose="02020603050405020304" pitchFamily="18" charset="0"/>
+                  </a:rPr>
+                  <a:t> setter</a:t>
+                </a:r>
+                <a:endParaRPr lang="fr-FR" dirty="0"/>
+              </a:p>
+            </p:txBody>
+          </p:sp>
+        </p:grpSp>
+        <p:cxnSp>
+          <p:nvCxnSpPr>
+            <p:cNvPr id="35" name="Connecteur droit avec flèche 34">
+              <a:extLst>
+                <a:ext uri="{FF2B5EF4-FFF2-40B4-BE49-F238E27FC236}">
+                  <a16:creationId xmlns:a16="http://schemas.microsoft.com/office/drawing/2014/main" id="{3F4C7B92-A4BB-4E7C-82C9-44DF9EF2A6FA}"/>
+                </a:ext>
+              </a:extLst>
+            </p:cNvPr>
+            <p:cNvCxnSpPr>
+              <a:cxnSpLocks/>
+              <a:stCxn id="7" idx="2"/>
+            </p:cNvCxnSpPr>
+            <p:nvPr/>
+          </p:nvCxnSpPr>
+          <p:spPr>
+            <a:xfrm>
+              <a:off x="3401179" y="4310421"/>
+              <a:ext cx="0" cy="329818"/>
+            </a:xfrm>
+            <a:prstGeom prst="straightConnector1">
+              <a:avLst/>
+            </a:prstGeom>
+            <a:ln>
+              <a:tailEnd type="triangle"/>
+            </a:ln>
+          </p:spPr>
+          <p:style>
+            <a:lnRef idx="1">
+              <a:schemeClr val="accent1"/>
+            </a:lnRef>
+            <a:fillRef idx="0">
+              <a:schemeClr val="accent1"/>
+            </a:fillRef>
+            <a:effectRef idx="0">
+              <a:schemeClr val="accent1"/>
+            </a:effectRef>
+            <a:fontRef idx="minor">
+              <a:schemeClr val="tx1"/>
+            </a:fontRef>
+          </p:style>
+        </p:cxnSp>
+      </p:grpSp>
       <p:sp>
         <p:nvSpPr>
           <p:cNvPr id="2" name="ZoneTexte 1">
@@ -12835,12 +13235,181 @@
           </a:p>
         </p:txBody>
       </p:sp>
+      <p:grpSp>
+        <p:nvGrpSpPr>
+          <p:cNvPr id="30" name="Groupe 29">
+            <a:extLst>
+              <a:ext uri="{FF2B5EF4-FFF2-40B4-BE49-F238E27FC236}">
+                <a16:creationId xmlns:a16="http://schemas.microsoft.com/office/drawing/2014/main" id="{1C8632DE-B27C-4469-BFF8-52896531317C}"/>
+              </a:ext>
+            </a:extLst>
+          </p:cNvPr>
+          <p:cNvGrpSpPr/>
+          <p:nvPr/>
+        </p:nvGrpSpPr>
+        <p:grpSpPr>
+          <a:xfrm>
+            <a:off x="6167212" y="4790364"/>
+            <a:ext cx="4355212" cy="1487606"/>
+            <a:chOff x="6167212" y="4790364"/>
+            <a:chExt cx="3877540" cy="1487606"/>
+          </a:xfrm>
+        </p:grpSpPr>
+        <p:sp>
+          <p:nvSpPr>
+            <p:cNvPr id="28" name="Rectangle 27">
+              <a:extLst>
+                <a:ext uri="{FF2B5EF4-FFF2-40B4-BE49-F238E27FC236}">
+                  <a16:creationId xmlns:a16="http://schemas.microsoft.com/office/drawing/2014/main" id="{8FE36AE9-75A7-49CC-A152-D65CF15FD24D}"/>
+                </a:ext>
+              </a:extLst>
+            </p:cNvPr>
+            <p:cNvSpPr/>
+            <p:nvPr/>
+          </p:nvSpPr>
+          <p:spPr>
+            <a:xfrm>
+              <a:off x="6167212" y="4790364"/>
+              <a:ext cx="3877540" cy="1487606"/>
+            </a:xfrm>
+            <a:prstGeom prst="rect">
+              <a:avLst/>
+            </a:prstGeom>
+            <a:solidFill>
+              <a:schemeClr val="bg1"/>
+            </a:solidFill>
+            <a:ln>
+              <a:solidFill>
+                <a:schemeClr val="tx1"/>
+              </a:solidFill>
+            </a:ln>
+          </p:spPr>
+          <p:style>
+            <a:lnRef idx="2">
+              <a:schemeClr val="accent6"/>
+            </a:lnRef>
+            <a:fillRef idx="1">
+              <a:schemeClr val="lt1"/>
+            </a:fillRef>
+            <a:effectRef idx="0">
+              <a:schemeClr val="accent6"/>
+            </a:effectRef>
+            <a:fontRef idx="minor">
+              <a:schemeClr val="dk1"/>
+            </a:fontRef>
+          </p:style>
+          <p:txBody>
+            <a:bodyPr rtlCol="0" anchor="ctr"/>
+            <a:lstStyle/>
+            <a:p>
+              <a:pPr marL="342900" indent="-342900" algn="l">
+                <a:buFont typeface="Wingdings" panose="05000000000000000000" pitchFamily="2" charset="2"/>
+                <a:buChar char="ü"/>
+              </a:pPr>
+              <a:endParaRPr lang="fr-FR" sz="1600" b="1">
+                <a:solidFill>
+                  <a:schemeClr val="tx2">
+                    <a:lumMod val="60000"/>
+                    <a:lumOff val="40000"/>
+                  </a:schemeClr>
+                </a:solidFill>
+                <a:latin typeface="Arial Narrow" panose="020B0606020202030204" pitchFamily="34" charset="0"/>
+                <a:ea typeface="Calibri" panose="020F0502020204030204" pitchFamily="34" charset="0"/>
+                <a:cs typeface="Times New Roman" panose="02020603050405020304" pitchFamily="18" charset="0"/>
+              </a:endParaRPr>
+            </a:p>
+          </p:txBody>
+        </p:sp>
+        <p:sp>
+          <p:nvSpPr>
+            <p:cNvPr id="3" name="ZoneTexte 2">
+              <a:extLst>
+                <a:ext uri="{FF2B5EF4-FFF2-40B4-BE49-F238E27FC236}">
+                  <a16:creationId xmlns:a16="http://schemas.microsoft.com/office/drawing/2014/main" id="{EB3F5687-2F70-4290-BD07-8720C929D2B5}"/>
+                </a:ext>
+              </a:extLst>
+            </p:cNvPr>
+            <p:cNvSpPr txBox="1"/>
+            <p:nvPr/>
+          </p:nvSpPr>
+          <p:spPr>
+            <a:xfrm>
+              <a:off x="6285335" y="5017227"/>
+              <a:ext cx="1167307" cy="923330"/>
+            </a:xfrm>
+            <a:prstGeom prst="rect">
+              <a:avLst/>
+            </a:prstGeom>
+            <a:noFill/>
+            <a:ln>
+              <a:solidFill>
+                <a:schemeClr val="tx1"/>
+              </a:solidFill>
+            </a:ln>
+          </p:spPr>
+          <p:txBody>
+            <a:bodyPr wrap="none" rtlCol="0">
+              <a:spAutoFit/>
+            </a:bodyPr>
+            <a:lstStyle/>
+            <a:p>
+              <a:pPr algn="ctr"/>
+              <a:r>
+                <a:rPr lang="fr-FR" b="1" dirty="0">
+                  <a:solidFill>
+                    <a:srgbClr val="242852">
+                      <a:lumMod val="60000"/>
+                      <a:lumOff val="40000"/>
+                    </a:srgbClr>
+                  </a:solidFill>
+                  <a:latin typeface="Arial Narrow" panose="020B0606020202030204" pitchFamily="34" charset="0"/>
+                  <a:cs typeface="Times New Roman" panose="02020603050405020304" pitchFamily="18" charset="0"/>
+                </a:rPr>
+                <a:t> accesseur</a:t>
+              </a:r>
+            </a:p>
+            <a:p>
+              <a:pPr algn="ctr"/>
+              <a:r>
+                <a:rPr lang="fr-FR" b="1" dirty="0">
+                  <a:solidFill>
+                    <a:srgbClr val="242852">
+                      <a:lumMod val="60000"/>
+                      <a:lumOff val="40000"/>
+                    </a:srgbClr>
+                  </a:solidFill>
+                  <a:latin typeface="Arial Narrow" panose="020B0606020202030204" pitchFamily="34" charset="0"/>
+                  <a:cs typeface="Times New Roman" panose="02020603050405020304" pitchFamily="18" charset="0"/>
+                </a:rPr>
+                <a:t> ou</a:t>
+              </a:r>
+            </a:p>
+            <a:p>
+              <a:pPr algn="ctr"/>
+              <a:r>
+                <a:rPr lang="fr-FR" b="1" dirty="0">
+                  <a:solidFill>
+                    <a:srgbClr val="242852">
+                      <a:lumMod val="60000"/>
+                      <a:lumOff val="40000"/>
+                    </a:srgbClr>
+                  </a:solidFill>
+                  <a:latin typeface="Arial Narrow" panose="020B0606020202030204" pitchFamily="34" charset="0"/>
+                  <a:cs typeface="Times New Roman" panose="02020603050405020304" pitchFamily="18" charset="0"/>
+                </a:rPr>
+                <a:t> getter</a:t>
+              </a:r>
+              <a:endParaRPr lang="fr-FR" dirty="0"/>
+            </a:p>
+          </p:txBody>
+        </p:sp>
+      </p:grpSp>
       <p:sp>
         <p:nvSpPr>
-          <p:cNvPr id="3" name="ZoneTexte 2">
+          <p:cNvPr id="5" name="ZoneTexte 4">
             <a:extLst>
               <a:ext uri="{FF2B5EF4-FFF2-40B4-BE49-F238E27FC236}">
-                <a16:creationId xmlns:a16="http://schemas.microsoft.com/office/drawing/2014/main" id="{EB3F5687-2F70-4290-BD07-8720C929D2B5}"/>
+                <a16:creationId xmlns:a16="http://schemas.microsoft.com/office/drawing/2014/main" id="{D7D9B4E5-2373-4280-BA7E-BB3270354FBD}"/>
               </a:ext>
             </a:extLst>
           </p:cNvPr>
@@ -12849,81 +13418,998 @@
         </p:nvSpPr>
         <p:spPr>
           <a:xfrm>
-            <a:off x="2072680" y="2505670"/>
-            <a:ext cx="1167307" cy="923330"/>
+            <a:off x="5143427" y="8407076"/>
+            <a:ext cx="870062" cy="2364820"/>
           </a:xfrm>
           <a:prstGeom prst="rect">
             <a:avLst/>
           </a:prstGeom>
           <a:noFill/>
-          <a:ln>
-            <a:solidFill>
-              <a:schemeClr val="tx1"/>
-            </a:solidFill>
-          </a:ln>
         </p:spPr>
         <p:txBody>
-          <a:bodyPr wrap="none" rtlCol="0">
+          <a:bodyPr wrap="square" rtlCol="0">
             <a:spAutoFit/>
           </a:bodyPr>
           <a:lstStyle/>
           <a:p>
-            <a:pPr algn="ctr"/>
-            <a:r>
-              <a:rPr lang="fr-FR" b="1" dirty="0">
-                <a:solidFill>
-                  <a:srgbClr val="242852">
-                    <a:lumMod val="60000"/>
-                    <a:lumOff val="40000"/>
-                  </a:srgbClr>
-                </a:solidFill>
-                <a:latin typeface="Arial Narrow" panose="020B0606020202030204" pitchFamily="34" charset="0"/>
-                <a:cs typeface="Times New Roman" panose="02020603050405020304" pitchFamily="18" charset="0"/>
-              </a:rPr>
-              <a:t> accesseur</a:t>
-            </a:r>
-          </a:p>
-          <a:p>
-            <a:pPr algn="ctr"/>
-            <a:r>
-              <a:rPr lang="fr-FR" b="1" dirty="0">
-                <a:solidFill>
-                  <a:srgbClr val="242852">
-                    <a:lumMod val="60000"/>
-                    <a:lumOff val="40000"/>
-                  </a:srgbClr>
-                </a:solidFill>
-                <a:latin typeface="Arial Narrow" panose="020B0606020202030204" pitchFamily="34" charset="0"/>
-                <a:cs typeface="Times New Roman" panose="02020603050405020304" pitchFamily="18" charset="0"/>
-              </a:rPr>
-              <a:t> ou</a:t>
-            </a:r>
-          </a:p>
-          <a:p>
-            <a:pPr algn="ctr"/>
-            <a:r>
-              <a:rPr lang="fr-FR" b="1" dirty="0">
-                <a:solidFill>
-                  <a:srgbClr val="242852">
-                    <a:lumMod val="60000"/>
-                    <a:lumOff val="40000"/>
-                  </a:srgbClr>
-                </a:solidFill>
-                <a:latin typeface="Arial Narrow" panose="020B0606020202030204" pitchFamily="34" charset="0"/>
-                <a:cs typeface="Times New Roman" panose="02020603050405020304" pitchFamily="18" charset="0"/>
-              </a:rPr>
-              <a:t> getter</a:t>
-            </a:r>
             <a:endParaRPr lang="fr-FR" dirty="0"/>
           </a:p>
         </p:txBody>
       </p:sp>
       <p:sp>
         <p:nvSpPr>
-          <p:cNvPr id="4" name="ZoneTexte 3">
+          <p:cNvPr id="6" name="Rectangle 1">
             <a:extLst>
               <a:ext uri="{FF2B5EF4-FFF2-40B4-BE49-F238E27FC236}">
-                <a16:creationId xmlns:a16="http://schemas.microsoft.com/office/drawing/2014/main" id="{B9866431-AC29-459A-837A-9CE4C2880E38}"/>
+                <a16:creationId xmlns:a16="http://schemas.microsoft.com/office/drawing/2014/main" id="{A68E9517-38DD-4FBA-A043-2AE8F24EB9E6}"/>
+              </a:ext>
+            </a:extLst>
+          </p:cNvPr>
+          <p:cNvSpPr>
+            <a:spLocks noChangeArrowheads="1"/>
+          </p:cNvSpPr>
+          <p:nvPr/>
+        </p:nvSpPr>
+        <p:spPr bwMode="auto">
+          <a:xfrm>
+            <a:off x="900751" y="1440803"/>
+            <a:ext cx="3084395" cy="553998"/>
+          </a:xfrm>
+          <a:prstGeom prst="rect">
+            <a:avLst/>
+          </a:prstGeom>
+          <a:solidFill>
+            <a:srgbClr val="2B2B2B"/>
+          </a:solidFill>
+          <a:ln>
+            <a:noFill/>
+          </a:ln>
+          <a:effectLst/>
+          <a:extLst>
+            <a:ext uri="{91240B29-F687-4F45-9708-019B960494DF}">
+              <a14:hiddenLine xmlns:a14="http://schemas.microsoft.com/office/drawing/2010/main" w="9525">
+                <a:solidFill>
+                  <a:schemeClr val="tx1"/>
+                </a:solidFill>
+                <a:miter lim="800000"/>
+                <a:headEnd/>
+                <a:tailEnd/>
+              </a14:hiddenLine>
+            </a:ext>
+            <a:ext uri="{AF507438-7753-43E0-B8FC-AC1667EBCBE1}">
+              <a14:hiddenEffects xmlns:a14="http://schemas.microsoft.com/office/drawing/2010/main">
+                <a:effectLst>
+                  <a:outerShdw dist="35921" dir="2700000" algn="ctr" rotWithShape="0">
+                    <a:schemeClr val="bg2"/>
+                  </a:outerShdw>
+                </a:effectLst>
+              </a14:hiddenEffects>
+            </a:ext>
+          </a:extLst>
+        </p:spPr>
+        <p:txBody>
+          <a:bodyPr vert="horz" wrap="square" lIns="91440" tIns="45720" rIns="91440" bIns="45720" numCol="1" anchor="ctr" anchorCtr="0" compatLnSpc="1">
+            <a:prstTxWarp prst="textNoShape">
+              <a:avLst/>
+            </a:prstTxWarp>
+            <a:spAutoFit/>
+          </a:bodyPr>
+          <a:lstStyle/>
+          <a:p>
+            <a:pPr marL="0" marR="0" lvl="0" indent="0" algn="l" defTabSz="914400" rtl="0" eaLnBrk="0" fontAlgn="base" latinLnBrk="0" hangingPunct="0">
+              <a:lnSpc>
+                <a:spcPct val="100000"/>
+              </a:lnSpc>
+              <a:spcBef>
+                <a:spcPct val="0"/>
+              </a:spcBef>
+              <a:spcAft>
+                <a:spcPct val="0"/>
+              </a:spcAft>
+              <a:buClrTx/>
+              <a:buSzTx/>
+              <a:buFontTx/>
+              <a:buNone/>
+              <a:tabLst/>
+            </a:pPr>
+            <a:r>
+              <a:rPr kumimoji="0" lang="fr-FR" altLang="fr-FR" sz="1000" b="0" i="0" u="none" strike="noStrike" cap="none" normalizeH="0" baseline="0">
+                <a:ln>
+                  <a:noFill/>
+                </a:ln>
+                <a:solidFill>
+                  <a:srgbClr val="CC7832"/>
+                </a:solidFill>
+                <a:effectLst/>
+                <a:latin typeface="JetBrains Mono"/>
+              </a:rPr>
+              <a:t>public class </a:t>
+            </a:r>
+            <a:r>
+              <a:rPr kumimoji="0" lang="fr-FR" altLang="fr-FR" sz="1000" b="0" i="0" u="none" strike="noStrike" cap="none" normalizeH="0" baseline="0">
+                <a:ln>
+                  <a:noFill/>
+                </a:ln>
+                <a:solidFill>
+                  <a:srgbClr val="A9B7C6"/>
+                </a:solidFill>
+                <a:effectLst/>
+                <a:latin typeface="JetBrains Mono"/>
+              </a:rPr>
+              <a:t>Moteur {</a:t>
+            </a:r>
+            <a:br>
+              <a:rPr kumimoji="0" lang="fr-FR" altLang="fr-FR" sz="1000" b="0" i="0" u="none" strike="noStrike" cap="none" normalizeH="0" baseline="0">
+                <a:ln>
+                  <a:noFill/>
+                </a:ln>
+                <a:solidFill>
+                  <a:srgbClr val="A9B7C6"/>
+                </a:solidFill>
+                <a:effectLst/>
+                <a:latin typeface="JetBrains Mono"/>
+              </a:rPr>
+            </a:br>
+            <a:r>
+              <a:rPr kumimoji="0" lang="fr-FR" altLang="fr-FR" sz="1000" b="0" i="0" u="none" strike="noStrike" cap="none" normalizeH="0" baseline="0">
+                <a:ln>
+                  <a:noFill/>
+                </a:ln>
+                <a:solidFill>
+                  <a:srgbClr val="A9B7C6"/>
+                </a:solidFill>
+                <a:effectLst/>
+                <a:latin typeface="JetBrains Mono"/>
+              </a:rPr>
+              <a:t>    </a:t>
+            </a:r>
+            <a:r>
+              <a:rPr kumimoji="0" lang="fr-FR" altLang="fr-FR" sz="1000" b="0" i="0" u="none" strike="noStrike" cap="none" normalizeH="0" baseline="0">
+                <a:ln>
+                  <a:noFill/>
+                </a:ln>
+                <a:solidFill>
+                  <a:srgbClr val="CC7832"/>
+                </a:solidFill>
+                <a:effectLst/>
+                <a:latin typeface="JetBrains Mono"/>
+              </a:rPr>
+              <a:t>public int </a:t>
+            </a:r>
+            <a:r>
+              <a:rPr kumimoji="0" lang="fr-FR" altLang="fr-FR" sz="1000" b="0" i="0" u="none" strike="noStrike" cap="none" normalizeH="0" baseline="0">
+                <a:ln>
+                  <a:noFill/>
+                </a:ln>
+                <a:solidFill>
+                  <a:srgbClr val="9876AA"/>
+                </a:solidFill>
+                <a:effectLst/>
+                <a:latin typeface="JetBrains Mono"/>
+              </a:rPr>
+              <a:t>nbCylindres</a:t>
+            </a:r>
+            <a:r>
+              <a:rPr kumimoji="0" lang="fr-FR" altLang="fr-FR" sz="1000" b="0" i="0" u="none" strike="noStrike" cap="none" normalizeH="0" baseline="0">
+                <a:ln>
+                  <a:noFill/>
+                </a:ln>
+                <a:solidFill>
+                  <a:srgbClr val="CC7832"/>
+                </a:solidFill>
+                <a:effectLst/>
+                <a:latin typeface="JetBrains Mono"/>
+              </a:rPr>
+              <a:t>;</a:t>
+            </a:r>
+            <a:br>
+              <a:rPr kumimoji="0" lang="fr-FR" altLang="fr-FR" sz="1000" b="0" i="0" u="none" strike="noStrike" cap="none" normalizeH="0" baseline="0">
+                <a:ln>
+                  <a:noFill/>
+                </a:ln>
+                <a:solidFill>
+                  <a:srgbClr val="CC7832"/>
+                </a:solidFill>
+                <a:effectLst/>
+                <a:latin typeface="JetBrains Mono"/>
+              </a:rPr>
+            </a:br>
+            <a:r>
+              <a:rPr kumimoji="0" lang="fr-FR" altLang="fr-FR" sz="1000" b="0" i="0" u="none" strike="noStrike" cap="none" normalizeH="0" baseline="0">
+                <a:ln>
+                  <a:noFill/>
+                </a:ln>
+                <a:solidFill>
+                  <a:srgbClr val="CC7832"/>
+                </a:solidFill>
+                <a:effectLst/>
+                <a:latin typeface="JetBrains Mono"/>
+              </a:rPr>
+              <a:t>    public </a:t>
+            </a:r>
+            <a:r>
+              <a:rPr kumimoji="0" lang="fr-FR" altLang="fr-FR" sz="1000" b="0" i="0" u="none" strike="noStrike" cap="none" normalizeH="0" baseline="0">
+                <a:ln>
+                  <a:noFill/>
+                </a:ln>
+                <a:solidFill>
+                  <a:srgbClr val="A9B7C6"/>
+                </a:solidFill>
+                <a:effectLst/>
+                <a:latin typeface="JetBrains Mono"/>
+              </a:rPr>
+              <a:t>String </a:t>
+            </a:r>
+            <a:r>
+              <a:rPr kumimoji="0" lang="fr-FR" altLang="fr-FR" sz="1000" b="0" i="0" u="none" strike="noStrike" cap="none" normalizeH="0" baseline="0">
+                <a:ln>
+                  <a:noFill/>
+                </a:ln>
+                <a:solidFill>
+                  <a:srgbClr val="9876AA"/>
+                </a:solidFill>
+                <a:effectLst/>
+                <a:latin typeface="JetBrains Mono"/>
+              </a:rPr>
+              <a:t>motorisation</a:t>
+            </a:r>
+            <a:r>
+              <a:rPr kumimoji="0" lang="fr-FR" altLang="fr-FR" sz="1000" b="0" i="0" u="none" strike="noStrike" cap="none" normalizeH="0" baseline="0">
+                <a:ln>
+                  <a:noFill/>
+                </a:ln>
+                <a:solidFill>
+                  <a:srgbClr val="CC7832"/>
+                </a:solidFill>
+                <a:effectLst/>
+                <a:latin typeface="JetBrains Mono"/>
+              </a:rPr>
+              <a:t>;</a:t>
+            </a:r>
+            <a:endParaRPr kumimoji="0" lang="fr-FR" altLang="fr-FR" sz="1800" b="0" i="0" u="none" strike="noStrike" cap="none" normalizeH="0" baseline="0">
+              <a:ln>
+                <a:noFill/>
+              </a:ln>
+              <a:solidFill>
+                <a:schemeClr val="tx1"/>
+              </a:solidFill>
+              <a:effectLst/>
+              <a:latin typeface="Arial" panose="020B0604020202020204" pitchFamily="34" charset="0"/>
+            </a:endParaRPr>
+          </a:p>
+        </p:txBody>
+      </p:sp>
+      <p:grpSp>
+        <p:nvGrpSpPr>
+          <p:cNvPr id="14" name="Groupe 13">
+            <a:extLst>
+              <a:ext uri="{FF2B5EF4-FFF2-40B4-BE49-F238E27FC236}">
+                <a16:creationId xmlns:a16="http://schemas.microsoft.com/office/drawing/2014/main" id="{C892F114-6B09-42CD-A59A-C07105FD7758}"/>
+              </a:ext>
+            </a:extLst>
+          </p:cNvPr>
+          <p:cNvGrpSpPr/>
+          <p:nvPr/>
+        </p:nvGrpSpPr>
+        <p:grpSpPr>
+          <a:xfrm>
+            <a:off x="1776636" y="3110092"/>
+            <a:ext cx="3249086" cy="1200329"/>
+            <a:chOff x="651493" y="2872764"/>
+            <a:chExt cx="3249086" cy="1200329"/>
+          </a:xfrm>
+        </p:grpSpPr>
+        <p:sp>
+          <p:nvSpPr>
+            <p:cNvPr id="7" name="ZoneTexte 6">
+              <a:extLst>
+                <a:ext uri="{FF2B5EF4-FFF2-40B4-BE49-F238E27FC236}">
+                  <a16:creationId xmlns:a16="http://schemas.microsoft.com/office/drawing/2014/main" id="{8A624D89-B5D3-46CC-B274-48C3512509A3}"/>
+                </a:ext>
+              </a:extLst>
+            </p:cNvPr>
+            <p:cNvSpPr txBox="1"/>
+            <p:nvPr/>
+          </p:nvSpPr>
+          <p:spPr>
+            <a:xfrm>
+              <a:off x="651493" y="2872764"/>
+              <a:ext cx="3249086" cy="1200329"/>
+            </a:xfrm>
+            <a:prstGeom prst="rect">
+              <a:avLst/>
+            </a:prstGeom>
+            <a:noFill/>
+          </p:spPr>
+          <p:txBody>
+            <a:bodyPr wrap="square" rtlCol="0">
+              <a:spAutoFit/>
+            </a:bodyPr>
+            <a:lstStyle/>
+            <a:p>
+              <a:pPr algn="ctr"/>
+              <a:r>
+                <a:rPr lang="fr-FR" dirty="0"/>
+                <a:t>Ecriture</a:t>
+              </a:r>
+            </a:p>
+            <a:p>
+              <a:pPr algn="ctr"/>
+              <a:endParaRPr lang="fr-FR" dirty="0"/>
+            </a:p>
+            <a:p>
+              <a:pPr algn="ctr"/>
+              <a:endParaRPr lang="fr-FR" dirty="0"/>
+            </a:p>
+            <a:p>
+              <a:pPr algn="ctr"/>
+              <a:endParaRPr lang="fr-FR" dirty="0"/>
+            </a:p>
+          </p:txBody>
+        </p:sp>
+        <p:sp>
+          <p:nvSpPr>
+            <p:cNvPr id="8" name="Rectangle 2">
+              <a:extLst>
+                <a:ext uri="{FF2B5EF4-FFF2-40B4-BE49-F238E27FC236}">
+                  <a16:creationId xmlns:a16="http://schemas.microsoft.com/office/drawing/2014/main" id="{75D5D1FE-68DA-4489-958C-35322B648F64}"/>
+                </a:ext>
+              </a:extLst>
+            </p:cNvPr>
+            <p:cNvSpPr>
+              <a:spLocks noChangeArrowheads="1"/>
+            </p:cNvSpPr>
+            <p:nvPr/>
+          </p:nvSpPr>
+          <p:spPr bwMode="auto">
+            <a:xfrm>
+              <a:off x="1150555" y="3403010"/>
+              <a:ext cx="2250962" cy="246221"/>
+            </a:xfrm>
+            <a:prstGeom prst="rect">
+              <a:avLst/>
+            </a:prstGeom>
+            <a:solidFill>
+              <a:srgbClr val="2B2B2B"/>
+            </a:solidFill>
+            <a:ln>
+              <a:noFill/>
+            </a:ln>
+            <a:effectLst/>
+            <a:extLst>
+              <a:ext uri="{91240B29-F687-4F45-9708-019B960494DF}">
+                <a14:hiddenLine xmlns:a14="http://schemas.microsoft.com/office/drawing/2010/main" w="9525">
+                  <a:solidFill>
+                    <a:schemeClr val="tx1"/>
+                  </a:solidFill>
+                  <a:miter lim="800000"/>
+                  <a:headEnd/>
+                  <a:tailEnd/>
+                </a14:hiddenLine>
+              </a:ext>
+              <a:ext uri="{AF507438-7753-43E0-B8FC-AC1667EBCBE1}">
+                <a14:hiddenEffects xmlns:a14="http://schemas.microsoft.com/office/drawing/2010/main">
+                  <a:effectLst>
+                    <a:outerShdw dist="35921" dir="2700000" algn="ctr" rotWithShape="0">
+                      <a:schemeClr val="bg2"/>
+                    </a:outerShdw>
+                  </a:effectLst>
+                </a14:hiddenEffects>
+              </a:ext>
+            </a:extLst>
+          </p:spPr>
+          <p:txBody>
+            <a:bodyPr vert="horz" wrap="square" lIns="91440" tIns="45720" rIns="91440" bIns="45720" numCol="1" anchor="ctr" anchorCtr="0" compatLnSpc="1">
+              <a:prstTxWarp prst="textNoShape">
+                <a:avLst/>
+              </a:prstTxWarp>
+              <a:spAutoFit/>
+            </a:bodyPr>
+            <a:lstStyle/>
+            <a:p>
+              <a:pPr marL="0" marR="0" lvl="0" indent="0" algn="l" defTabSz="914400" rtl="0" eaLnBrk="0" fontAlgn="base" latinLnBrk="0" hangingPunct="0">
+                <a:lnSpc>
+                  <a:spcPct val="100000"/>
+                </a:lnSpc>
+                <a:spcBef>
+                  <a:spcPct val="0"/>
+                </a:spcBef>
+                <a:spcAft>
+                  <a:spcPct val="0"/>
+                </a:spcAft>
+                <a:buClrTx/>
+                <a:buSzTx/>
+                <a:buFontTx/>
+                <a:buNone/>
+                <a:tabLst/>
+              </a:pPr>
+              <a:r>
+                <a:rPr kumimoji="0" lang="fr-FR" altLang="fr-FR" sz="1000" b="0" i="0" u="none" strike="noStrike" cap="none" normalizeH="0" baseline="0" dirty="0" err="1">
+                  <a:ln>
+                    <a:noFill/>
+                  </a:ln>
+                  <a:solidFill>
+                    <a:srgbClr val="A9B7C6"/>
+                  </a:solidFill>
+                  <a:effectLst/>
+                  <a:latin typeface="JetBrains Mono"/>
+                </a:rPr>
+                <a:t>moteurDemo.</a:t>
+              </a:r>
+              <a:r>
+                <a:rPr kumimoji="0" lang="fr-FR" altLang="fr-FR" sz="1000" b="0" i="0" u="none" strike="noStrike" cap="none" normalizeH="0" baseline="0" dirty="0" err="1">
+                  <a:ln>
+                    <a:noFill/>
+                  </a:ln>
+                  <a:solidFill>
+                    <a:srgbClr val="9876AA"/>
+                  </a:solidFill>
+                  <a:effectLst/>
+                  <a:latin typeface="JetBrains Mono"/>
+                </a:rPr>
+                <a:t>motorisation</a:t>
+              </a:r>
+              <a:r>
+                <a:rPr kumimoji="0" lang="fr-FR" altLang="fr-FR" sz="1000" b="0" i="0" u="none" strike="noStrike" cap="none" normalizeH="0" baseline="0" dirty="0">
+                  <a:ln>
+                    <a:noFill/>
+                  </a:ln>
+                  <a:solidFill>
+                    <a:srgbClr val="9876AA"/>
+                  </a:solidFill>
+                  <a:effectLst/>
+                  <a:latin typeface="JetBrains Mono"/>
+                </a:rPr>
+                <a:t> </a:t>
+              </a:r>
+              <a:r>
+                <a:rPr kumimoji="0" lang="fr-FR" altLang="fr-FR" sz="1000" b="0" i="0" u="none" strike="noStrike" cap="none" normalizeH="0" baseline="0" dirty="0">
+                  <a:ln>
+                    <a:noFill/>
+                  </a:ln>
+                  <a:solidFill>
+                    <a:srgbClr val="A9B7C6"/>
+                  </a:solidFill>
+                  <a:effectLst/>
+                  <a:latin typeface="JetBrains Mono"/>
+                </a:rPr>
+                <a:t>= </a:t>
+              </a:r>
+              <a:r>
+                <a:rPr kumimoji="0" lang="fr-FR" altLang="fr-FR" sz="1000" b="0" i="0" u="none" strike="noStrike" cap="none" normalizeH="0" baseline="0" dirty="0">
+                  <a:ln>
+                    <a:noFill/>
+                  </a:ln>
+                  <a:solidFill>
+                    <a:srgbClr val="6A8759"/>
+                  </a:solidFill>
+                  <a:effectLst/>
+                  <a:latin typeface="JetBrains Mono"/>
+                </a:rPr>
+                <a:t>"Diesel"</a:t>
+              </a:r>
+              <a:r>
+                <a:rPr kumimoji="0" lang="fr-FR" altLang="fr-FR" sz="1000" b="0" i="0" u="none" strike="noStrike" cap="none" normalizeH="0" baseline="0" dirty="0">
+                  <a:ln>
+                    <a:noFill/>
+                  </a:ln>
+                  <a:solidFill>
+                    <a:srgbClr val="CC7832"/>
+                  </a:solidFill>
+                  <a:effectLst/>
+                  <a:latin typeface="JetBrains Mono"/>
+                </a:rPr>
+                <a:t>;</a:t>
+              </a:r>
+              <a:endParaRPr kumimoji="0" lang="fr-FR" altLang="fr-FR" sz="1800" b="0" i="0" u="none" strike="noStrike" cap="none" normalizeH="0" baseline="0" dirty="0">
+                <a:ln>
+                  <a:noFill/>
+                </a:ln>
+                <a:solidFill>
+                  <a:schemeClr val="tx1"/>
+                </a:solidFill>
+                <a:effectLst/>
+                <a:latin typeface="Arial" panose="020B0604020202020204" pitchFamily="34" charset="0"/>
+              </a:endParaRPr>
+            </a:p>
+          </p:txBody>
+        </p:sp>
+      </p:grpSp>
+      <p:grpSp>
+        <p:nvGrpSpPr>
+          <p:cNvPr id="17" name="Groupe 16">
+            <a:extLst>
+              <a:ext uri="{FF2B5EF4-FFF2-40B4-BE49-F238E27FC236}">
+                <a16:creationId xmlns:a16="http://schemas.microsoft.com/office/drawing/2014/main" id="{4B4EC704-BD31-4A55-B682-1FC6131EE886}"/>
+              </a:ext>
+            </a:extLst>
+          </p:cNvPr>
+          <p:cNvGrpSpPr/>
+          <p:nvPr/>
+        </p:nvGrpSpPr>
+        <p:grpSpPr>
+          <a:xfrm>
+            <a:off x="4217158" y="1656269"/>
+            <a:ext cx="3171529" cy="246221"/>
+            <a:chOff x="4217158" y="1834866"/>
+            <a:chExt cx="3171529" cy="246221"/>
+          </a:xfrm>
+        </p:grpSpPr>
+        <p:sp>
+          <p:nvSpPr>
+            <p:cNvPr id="9" name="Rectangle 3">
+              <a:extLst>
+                <a:ext uri="{FF2B5EF4-FFF2-40B4-BE49-F238E27FC236}">
+                  <a16:creationId xmlns:a16="http://schemas.microsoft.com/office/drawing/2014/main" id="{076C1AA3-AC4F-4909-8154-D099725C60D2}"/>
+                </a:ext>
+              </a:extLst>
+            </p:cNvPr>
+            <p:cNvSpPr>
+              <a:spLocks noChangeArrowheads="1"/>
+            </p:cNvSpPr>
+            <p:nvPr/>
+          </p:nvSpPr>
+          <p:spPr bwMode="auto">
+            <a:xfrm>
+              <a:off x="4945738" y="1834866"/>
+              <a:ext cx="2442949" cy="246221"/>
+            </a:xfrm>
+            <a:prstGeom prst="rect">
+              <a:avLst/>
+            </a:prstGeom>
+            <a:solidFill>
+              <a:srgbClr val="2B2B2B"/>
+            </a:solidFill>
+            <a:ln>
+              <a:noFill/>
+            </a:ln>
+            <a:effectLst/>
+            <a:extLst>
+              <a:ext uri="{91240B29-F687-4F45-9708-019B960494DF}">
+                <a14:hiddenLine xmlns:a14="http://schemas.microsoft.com/office/drawing/2010/main" w="9525">
+                  <a:solidFill>
+                    <a:schemeClr val="tx1"/>
+                  </a:solidFill>
+                  <a:miter lim="800000"/>
+                  <a:headEnd/>
+                  <a:tailEnd/>
+                </a14:hiddenLine>
+              </a:ext>
+              <a:ext uri="{AF507438-7753-43E0-B8FC-AC1667EBCBE1}">
+                <a14:hiddenEffects xmlns:a14="http://schemas.microsoft.com/office/drawing/2010/main">
+                  <a:effectLst>
+                    <a:outerShdw dist="35921" dir="2700000" algn="ctr" rotWithShape="0">
+                      <a:schemeClr val="bg2"/>
+                    </a:outerShdw>
+                  </a:effectLst>
+                </a14:hiddenEffects>
+              </a:ext>
+            </a:extLst>
+          </p:spPr>
+          <p:txBody>
+            <a:bodyPr vert="horz" wrap="square" lIns="91440" tIns="45720" rIns="91440" bIns="45720" numCol="1" anchor="ctr" anchorCtr="0" compatLnSpc="1">
+              <a:prstTxWarp prst="textNoShape">
+                <a:avLst/>
+              </a:prstTxWarp>
+              <a:spAutoFit/>
+            </a:bodyPr>
+            <a:lstStyle/>
+            <a:p>
+              <a:pPr marL="0" marR="0" lvl="0" indent="0" algn="l" defTabSz="914400" rtl="0" eaLnBrk="0" fontAlgn="base" latinLnBrk="0" hangingPunct="0">
+                <a:lnSpc>
+                  <a:spcPct val="100000"/>
+                </a:lnSpc>
+                <a:spcBef>
+                  <a:spcPct val="0"/>
+                </a:spcBef>
+                <a:spcAft>
+                  <a:spcPct val="0"/>
+                </a:spcAft>
+                <a:buClrTx/>
+                <a:buSzTx/>
+                <a:buFontTx/>
+                <a:buNone/>
+                <a:tabLst/>
+              </a:pPr>
+              <a:r>
+                <a:rPr kumimoji="0" lang="fr-FR" altLang="fr-FR" sz="1000" b="0" i="0" u="none" strike="noStrike" cap="none" normalizeH="0" baseline="0" dirty="0">
+                  <a:ln>
+                    <a:noFill/>
+                  </a:ln>
+                  <a:solidFill>
+                    <a:srgbClr val="A9B7C6"/>
+                  </a:solidFill>
+                  <a:effectLst/>
+                  <a:latin typeface="JetBrains Mono"/>
+                </a:rPr>
+                <a:t>Moteur </a:t>
+              </a:r>
+              <a:r>
+                <a:rPr kumimoji="0" lang="fr-FR" altLang="fr-FR" sz="1000" b="0" i="0" u="none" strike="noStrike" cap="none" normalizeH="0" baseline="0" dirty="0" err="1">
+                  <a:ln>
+                    <a:noFill/>
+                  </a:ln>
+                  <a:solidFill>
+                    <a:srgbClr val="A9B7C6"/>
+                  </a:solidFill>
+                  <a:effectLst/>
+                  <a:latin typeface="JetBrains Mono"/>
+                </a:rPr>
+                <a:t>moteurDemo</a:t>
+              </a:r>
+              <a:r>
+                <a:rPr kumimoji="0" lang="fr-FR" altLang="fr-FR" sz="1000" b="0" i="0" u="none" strike="noStrike" cap="none" normalizeH="0" baseline="0" dirty="0">
+                  <a:ln>
+                    <a:noFill/>
+                  </a:ln>
+                  <a:solidFill>
+                    <a:srgbClr val="A9B7C6"/>
+                  </a:solidFill>
+                  <a:effectLst/>
+                  <a:latin typeface="JetBrains Mono"/>
+                </a:rPr>
+                <a:t> = </a:t>
+              </a:r>
+              <a:r>
+                <a:rPr kumimoji="0" lang="fr-FR" altLang="fr-FR" sz="1000" b="0" i="0" u="none" strike="noStrike" cap="none" normalizeH="0" baseline="0" dirty="0">
+                  <a:ln>
+                    <a:noFill/>
+                  </a:ln>
+                  <a:solidFill>
+                    <a:srgbClr val="CC7832"/>
+                  </a:solidFill>
+                  <a:effectLst/>
+                  <a:latin typeface="JetBrains Mono"/>
+                </a:rPr>
+                <a:t>new </a:t>
+              </a:r>
+              <a:r>
+                <a:rPr kumimoji="0" lang="fr-FR" altLang="fr-FR" sz="1000" b="0" i="0" u="none" strike="noStrike" cap="none" normalizeH="0" baseline="0" dirty="0">
+                  <a:ln>
+                    <a:noFill/>
+                  </a:ln>
+                  <a:solidFill>
+                    <a:srgbClr val="A9B7C6"/>
+                  </a:solidFill>
+                  <a:effectLst/>
+                  <a:latin typeface="JetBrains Mono"/>
+                </a:rPr>
+                <a:t>Moteur()</a:t>
+              </a:r>
+              <a:r>
+                <a:rPr kumimoji="0" lang="fr-FR" altLang="fr-FR" sz="1000" b="0" i="0" u="none" strike="noStrike" cap="none" normalizeH="0" baseline="0" dirty="0">
+                  <a:ln>
+                    <a:noFill/>
+                  </a:ln>
+                  <a:solidFill>
+                    <a:srgbClr val="CC7832"/>
+                  </a:solidFill>
+                  <a:effectLst/>
+                  <a:latin typeface="JetBrains Mono"/>
+                </a:rPr>
+                <a:t>;</a:t>
+              </a:r>
+              <a:endParaRPr kumimoji="0" lang="fr-FR" altLang="fr-FR" sz="1800" b="0" i="0" u="none" strike="noStrike" cap="none" normalizeH="0" baseline="0" dirty="0">
+                <a:ln>
+                  <a:noFill/>
+                </a:ln>
+                <a:solidFill>
+                  <a:schemeClr val="tx1"/>
+                </a:solidFill>
+                <a:effectLst/>
+                <a:latin typeface="Arial" panose="020B0604020202020204" pitchFamily="34" charset="0"/>
+              </a:endParaRPr>
+            </a:p>
+          </p:txBody>
+        </p:sp>
+        <p:cxnSp>
+          <p:nvCxnSpPr>
+            <p:cNvPr id="11" name="Connecteur droit avec flèche 10">
+              <a:extLst>
+                <a:ext uri="{FF2B5EF4-FFF2-40B4-BE49-F238E27FC236}">
+                  <a16:creationId xmlns:a16="http://schemas.microsoft.com/office/drawing/2014/main" id="{7FC68342-6076-44AC-BA39-4278E09EE9A7}"/>
+                </a:ext>
+              </a:extLst>
+            </p:cNvPr>
+            <p:cNvCxnSpPr/>
+            <p:nvPr/>
+          </p:nvCxnSpPr>
+          <p:spPr>
+            <a:xfrm>
+              <a:off x="4217158" y="1932404"/>
+              <a:ext cx="477672" cy="0"/>
+            </a:xfrm>
+            <a:prstGeom prst="straightConnector1">
+              <a:avLst/>
+            </a:prstGeom>
+            <a:ln>
+              <a:tailEnd type="triangle"/>
+            </a:ln>
+          </p:spPr>
+          <p:style>
+            <a:lnRef idx="1">
+              <a:schemeClr val="accent1"/>
+            </a:lnRef>
+            <a:fillRef idx="0">
+              <a:schemeClr val="accent1"/>
+            </a:fillRef>
+            <a:effectRef idx="0">
+              <a:schemeClr val="accent1"/>
+            </a:effectRef>
+            <a:fontRef idx="minor">
+              <a:schemeClr val="tx1"/>
+            </a:fontRef>
+          </p:style>
+        </p:cxnSp>
+      </p:grpSp>
+      <p:grpSp>
+        <p:nvGrpSpPr>
+          <p:cNvPr id="15" name="Groupe 14">
+            <a:extLst>
+              <a:ext uri="{FF2B5EF4-FFF2-40B4-BE49-F238E27FC236}">
+                <a16:creationId xmlns:a16="http://schemas.microsoft.com/office/drawing/2014/main" id="{028690D5-160B-4B9E-9D81-C5D750B495FA}"/>
+              </a:ext>
+            </a:extLst>
+          </p:cNvPr>
+          <p:cNvGrpSpPr/>
+          <p:nvPr/>
+        </p:nvGrpSpPr>
+        <p:grpSpPr>
+          <a:xfrm>
+            <a:off x="6781724" y="3188666"/>
+            <a:ext cx="3504261" cy="1200329"/>
+            <a:chOff x="4193076" y="2925956"/>
+            <a:chExt cx="3504261" cy="1200329"/>
+          </a:xfrm>
+        </p:grpSpPr>
+        <p:sp>
+          <p:nvSpPr>
+            <p:cNvPr id="12" name="ZoneTexte 11">
+              <a:extLst>
+                <a:ext uri="{FF2B5EF4-FFF2-40B4-BE49-F238E27FC236}">
+                  <a16:creationId xmlns:a16="http://schemas.microsoft.com/office/drawing/2014/main" id="{F17E5EA0-572D-4CA7-A82A-3CA504C47DBB}"/>
+                </a:ext>
+              </a:extLst>
+            </p:cNvPr>
+            <p:cNvSpPr txBox="1"/>
+            <p:nvPr/>
+          </p:nvSpPr>
+          <p:spPr>
+            <a:xfrm>
+              <a:off x="4193076" y="2925956"/>
+              <a:ext cx="3504261" cy="1200329"/>
+            </a:xfrm>
+            <a:prstGeom prst="rect">
+              <a:avLst/>
+            </a:prstGeom>
+            <a:noFill/>
+          </p:spPr>
+          <p:txBody>
+            <a:bodyPr wrap="square" rtlCol="0">
+              <a:spAutoFit/>
+            </a:bodyPr>
+            <a:lstStyle/>
+            <a:p>
+              <a:pPr algn="ctr"/>
+              <a:r>
+                <a:rPr lang="fr-FR" dirty="0"/>
+                <a:t>Lecture</a:t>
+              </a:r>
+            </a:p>
+            <a:p>
+              <a:pPr algn="ctr"/>
+              <a:endParaRPr lang="fr-FR" dirty="0"/>
+            </a:p>
+            <a:p>
+              <a:pPr algn="ctr"/>
+              <a:endParaRPr lang="fr-FR" dirty="0"/>
+            </a:p>
+            <a:p>
+              <a:pPr algn="ctr"/>
+              <a:endParaRPr lang="fr-FR" dirty="0"/>
+            </a:p>
+          </p:txBody>
+        </p:sp>
+        <p:sp>
+          <p:nvSpPr>
+            <p:cNvPr id="13" name="Rectangle 4">
+              <a:extLst>
+                <a:ext uri="{FF2B5EF4-FFF2-40B4-BE49-F238E27FC236}">
+                  <a16:creationId xmlns:a16="http://schemas.microsoft.com/office/drawing/2014/main" id="{C156D372-B597-40AE-94EA-EC31BED034BD}"/>
+                </a:ext>
+              </a:extLst>
+            </p:cNvPr>
+            <p:cNvSpPr>
+              <a:spLocks noChangeArrowheads="1"/>
+            </p:cNvSpPr>
+            <p:nvPr/>
+          </p:nvSpPr>
+          <p:spPr bwMode="auto">
+            <a:xfrm>
+              <a:off x="4455994" y="3403010"/>
+              <a:ext cx="2852382" cy="255456"/>
+            </a:xfrm>
+            <a:prstGeom prst="rect">
+              <a:avLst/>
+            </a:prstGeom>
+            <a:solidFill>
+              <a:srgbClr val="2B2B2B"/>
+            </a:solidFill>
+            <a:ln>
+              <a:noFill/>
+            </a:ln>
+            <a:effectLst/>
+            <a:extLst>
+              <a:ext uri="{91240B29-F687-4F45-9708-019B960494DF}">
+                <a14:hiddenLine xmlns:a14="http://schemas.microsoft.com/office/drawing/2010/main" w="9525">
+                  <a:solidFill>
+                    <a:schemeClr val="tx1"/>
+                  </a:solidFill>
+                  <a:miter lim="800000"/>
+                  <a:headEnd/>
+                  <a:tailEnd/>
+                </a14:hiddenLine>
+              </a:ext>
+              <a:ext uri="{AF507438-7753-43E0-B8FC-AC1667EBCBE1}">
+                <a14:hiddenEffects xmlns:a14="http://schemas.microsoft.com/office/drawing/2010/main">
+                  <a:effectLst>
+                    <a:outerShdw dist="35921" dir="2700000" algn="ctr" rotWithShape="0">
+                      <a:schemeClr val="bg2"/>
+                    </a:outerShdw>
+                  </a:effectLst>
+                </a14:hiddenEffects>
+              </a:ext>
+            </a:extLst>
+          </p:spPr>
+          <p:txBody>
+            <a:bodyPr vert="horz" wrap="square" lIns="91440" tIns="45720" rIns="91440" bIns="45720" numCol="1" anchor="ctr" anchorCtr="0" compatLnSpc="1">
+              <a:prstTxWarp prst="textNoShape">
+                <a:avLst/>
+              </a:prstTxWarp>
+              <a:spAutoFit/>
+            </a:bodyPr>
+            <a:lstStyle/>
+            <a:p>
+              <a:pPr marL="0" marR="0" lvl="0" indent="0" algn="l" defTabSz="914400" rtl="0" eaLnBrk="0" fontAlgn="base" latinLnBrk="0" hangingPunct="0">
+                <a:lnSpc>
+                  <a:spcPct val="100000"/>
+                </a:lnSpc>
+                <a:spcBef>
+                  <a:spcPct val="0"/>
+                </a:spcBef>
+                <a:spcAft>
+                  <a:spcPct val="0"/>
+                </a:spcAft>
+                <a:buClrTx/>
+                <a:buSzTx/>
+                <a:buFontTx/>
+                <a:buNone/>
+                <a:tabLst/>
+              </a:pPr>
+              <a:r>
+                <a:rPr kumimoji="0" lang="fr-FR" altLang="fr-FR" sz="1000" b="0" i="0" u="none" strike="noStrike" cap="none" normalizeH="0" baseline="0" dirty="0" err="1">
+                  <a:ln>
+                    <a:noFill/>
+                  </a:ln>
+                  <a:solidFill>
+                    <a:srgbClr val="A9B7C6"/>
+                  </a:solidFill>
+                  <a:effectLst/>
+                  <a:latin typeface="JetBrains Mono"/>
+                </a:rPr>
+                <a:t>System.</a:t>
+              </a:r>
+              <a:r>
+                <a:rPr kumimoji="0" lang="fr-FR" altLang="fr-FR" sz="1000" b="0" i="1" u="none" strike="noStrike" cap="none" normalizeH="0" baseline="0" dirty="0" err="1">
+                  <a:ln>
+                    <a:noFill/>
+                  </a:ln>
+                  <a:solidFill>
+                    <a:srgbClr val="9876AA"/>
+                  </a:solidFill>
+                  <a:effectLst/>
+                  <a:latin typeface="JetBrains Mono"/>
+                </a:rPr>
+                <a:t>out</a:t>
+              </a:r>
+              <a:r>
+                <a:rPr kumimoji="0" lang="fr-FR" altLang="fr-FR" sz="1000" b="0" i="0" u="none" strike="noStrike" cap="none" normalizeH="0" baseline="0" dirty="0" err="1">
+                  <a:ln>
+                    <a:noFill/>
+                  </a:ln>
+                  <a:solidFill>
+                    <a:srgbClr val="A9B7C6"/>
+                  </a:solidFill>
+                  <a:effectLst/>
+                  <a:latin typeface="JetBrains Mono"/>
+                </a:rPr>
+                <a:t>.println</a:t>
+              </a:r>
+              <a:r>
+                <a:rPr kumimoji="0" lang="fr-FR" altLang="fr-FR" sz="1000" b="0" i="0" u="none" strike="noStrike" cap="none" normalizeH="0" baseline="0" dirty="0">
+                  <a:ln>
+                    <a:noFill/>
+                  </a:ln>
+                  <a:solidFill>
+                    <a:srgbClr val="A9B7C6"/>
+                  </a:solidFill>
+                  <a:effectLst/>
+                  <a:latin typeface="JetBrains Mono"/>
+                </a:rPr>
+                <a:t>(</a:t>
+              </a:r>
+              <a:r>
+                <a:rPr kumimoji="0" lang="fr-FR" altLang="fr-FR" sz="1000" b="0" i="0" u="none" strike="noStrike" cap="none" normalizeH="0" baseline="0" dirty="0" err="1">
+                  <a:ln>
+                    <a:noFill/>
+                  </a:ln>
+                  <a:solidFill>
+                    <a:srgbClr val="A9B7C6"/>
+                  </a:solidFill>
+                  <a:effectLst/>
+                  <a:latin typeface="JetBrains Mono"/>
+                </a:rPr>
+                <a:t>moteurDemo.</a:t>
+              </a:r>
+              <a:r>
+                <a:rPr kumimoji="0" lang="fr-FR" altLang="fr-FR" sz="1000" b="0" i="0" u="none" strike="noStrike" cap="none" normalizeH="0" baseline="0" dirty="0" err="1">
+                  <a:ln>
+                    <a:noFill/>
+                  </a:ln>
+                  <a:solidFill>
+                    <a:srgbClr val="9876AA"/>
+                  </a:solidFill>
+                  <a:effectLst/>
+                  <a:latin typeface="JetBrains Mono"/>
+                </a:rPr>
+                <a:t>motorisation</a:t>
+              </a:r>
+              <a:r>
+                <a:rPr kumimoji="0" lang="fr-FR" altLang="fr-FR" sz="1000" b="0" i="0" u="none" strike="noStrike" cap="none" normalizeH="0" baseline="0" dirty="0">
+                  <a:ln>
+                    <a:noFill/>
+                  </a:ln>
+                  <a:solidFill>
+                    <a:srgbClr val="A9B7C6"/>
+                  </a:solidFill>
+                  <a:effectLst/>
+                  <a:latin typeface="JetBrains Mono"/>
+                </a:rPr>
+                <a:t>)</a:t>
+              </a:r>
+              <a:r>
+                <a:rPr kumimoji="0" lang="fr-FR" altLang="fr-FR" sz="1000" b="0" i="0" u="none" strike="noStrike" cap="none" normalizeH="0" baseline="0" dirty="0">
+                  <a:ln>
+                    <a:noFill/>
+                  </a:ln>
+                  <a:solidFill>
+                    <a:srgbClr val="CC7832"/>
+                  </a:solidFill>
+                  <a:effectLst/>
+                  <a:latin typeface="JetBrains Mono"/>
+                </a:rPr>
+                <a:t>;</a:t>
+              </a:r>
+              <a:endParaRPr kumimoji="0" lang="fr-FR" altLang="fr-FR" sz="1800" b="0" i="0" u="none" strike="noStrike" cap="none" normalizeH="0" baseline="0" dirty="0">
+                <a:ln>
+                  <a:noFill/>
+                </a:ln>
+                <a:solidFill>
+                  <a:schemeClr val="tx1"/>
+                </a:solidFill>
+                <a:effectLst/>
+                <a:latin typeface="Arial" panose="020B0604020202020204" pitchFamily="34" charset="0"/>
+              </a:endParaRPr>
+            </a:p>
+          </p:txBody>
+        </p:sp>
+      </p:grpSp>
+      <p:sp>
+        <p:nvSpPr>
+          <p:cNvPr id="16" name="ZoneTexte 15">
+            <a:extLst>
+              <a:ext uri="{FF2B5EF4-FFF2-40B4-BE49-F238E27FC236}">
+                <a16:creationId xmlns:a16="http://schemas.microsoft.com/office/drawing/2014/main" id="{D9975759-B6AB-4556-AF28-29F2ADD739BA}"/>
               </a:ext>
             </a:extLst>
           </p:cNvPr>
@@ -12931,76 +14417,1078 @@
           <p:nvPr/>
         </p:nvSpPr>
         <p:spPr>
-          <a:xfrm>
-            <a:off x="4414243" y="2566032"/>
-            <a:ext cx="1047083" cy="923330"/>
+          <a:xfrm flipH="1">
+            <a:off x="1235122" y="1391241"/>
+            <a:ext cx="341194" cy="707886"/>
           </a:xfrm>
           <a:prstGeom prst="rect">
             <a:avLst/>
           </a:prstGeom>
           <a:noFill/>
-          <a:ln>
-            <a:solidFill>
-              <a:schemeClr val="tx1"/>
-            </a:solidFill>
-          </a:ln>
         </p:spPr>
         <p:txBody>
-          <a:bodyPr wrap="none" rtlCol="0">
+          <a:bodyPr wrap="square" rtlCol="0">
             <a:spAutoFit/>
           </a:bodyPr>
           <a:lstStyle/>
           <a:p>
             <a:pPr algn="ctr"/>
             <a:r>
-              <a:rPr lang="fr-FR" b="1" dirty="0">
-                <a:solidFill>
-                  <a:srgbClr val="242852">
-                    <a:lumMod val="60000"/>
-                    <a:lumOff val="40000"/>
-                  </a:srgbClr>
-                </a:solidFill>
-                <a:latin typeface="Arial Narrow" panose="020B0606020202030204" pitchFamily="34" charset="0"/>
-                <a:cs typeface="Times New Roman" panose="02020603050405020304" pitchFamily="18" charset="0"/>
+              <a:rPr lang="fr-FR" sz="4000" dirty="0">
+                <a:solidFill>
+                  <a:srgbClr val="FF0000"/>
+                </a:solidFill>
               </a:rPr>
-              <a:t> mutateur</a:t>
-            </a:r>
-          </a:p>
-          <a:p>
-            <a:pPr algn="ctr"/>
-            <a:r>
-              <a:rPr lang="fr-FR" b="1" dirty="0">
-                <a:solidFill>
-                  <a:srgbClr val="242852">
-                    <a:lumMod val="60000"/>
-                    <a:lumOff val="40000"/>
-                  </a:srgbClr>
-                </a:solidFill>
-                <a:latin typeface="Arial Narrow" panose="020B0606020202030204" pitchFamily="34" charset="0"/>
-                <a:cs typeface="Times New Roman" panose="02020603050405020304" pitchFamily="18" charset="0"/>
-              </a:rPr>
-              <a:t> ou</a:t>
-            </a:r>
-          </a:p>
-          <a:p>
-            <a:pPr algn="ctr"/>
-            <a:r>
-              <a:rPr lang="fr-FR" b="1" dirty="0">
-                <a:solidFill>
-                  <a:srgbClr val="242852">
-                    <a:lumMod val="60000"/>
-                    <a:lumOff val="40000"/>
-                  </a:srgbClr>
-                </a:solidFill>
-                <a:latin typeface="Arial Narrow" panose="020B0606020202030204" pitchFamily="34" charset="0"/>
-                <a:cs typeface="Times New Roman" panose="02020603050405020304" pitchFamily="18" charset="0"/>
-              </a:rPr>
-              <a:t> setter</a:t>
-            </a:r>
-            <a:endParaRPr lang="fr-FR" dirty="0"/>
+              <a:t>X</a:t>
+            </a:r>
           </a:p>
         </p:txBody>
       </p:sp>
+      <p:sp>
+        <p:nvSpPr>
+          <p:cNvPr id="18" name="Rectangle 5">
+            <a:extLst>
+              <a:ext uri="{FF2B5EF4-FFF2-40B4-BE49-F238E27FC236}">
+                <a16:creationId xmlns:a16="http://schemas.microsoft.com/office/drawing/2014/main" id="{77CC99E8-A541-413C-B7A5-399DD21BF77B}"/>
+              </a:ext>
+            </a:extLst>
+          </p:cNvPr>
+          <p:cNvSpPr>
+            <a:spLocks noChangeArrowheads="1"/>
+          </p:cNvSpPr>
+          <p:nvPr/>
+        </p:nvSpPr>
+        <p:spPr bwMode="auto">
+          <a:xfrm>
+            <a:off x="900751" y="2378223"/>
+            <a:ext cx="2019869" cy="553998"/>
+          </a:xfrm>
+          <a:prstGeom prst="rect">
+            <a:avLst/>
+          </a:prstGeom>
+          <a:solidFill>
+            <a:srgbClr val="2B2B2B"/>
+          </a:solidFill>
+          <a:ln>
+            <a:noFill/>
+          </a:ln>
+          <a:effectLst/>
+          <a:extLst>
+            <a:ext uri="{91240B29-F687-4F45-9708-019B960494DF}">
+              <a14:hiddenLine xmlns:a14="http://schemas.microsoft.com/office/drawing/2010/main" w="9525">
+                <a:solidFill>
+                  <a:schemeClr val="tx1"/>
+                </a:solidFill>
+                <a:miter lim="800000"/>
+                <a:headEnd/>
+                <a:tailEnd/>
+              </a14:hiddenLine>
+            </a:ext>
+            <a:ext uri="{AF507438-7753-43E0-B8FC-AC1667EBCBE1}">
+              <a14:hiddenEffects xmlns:a14="http://schemas.microsoft.com/office/drawing/2010/main">
+                <a:effectLst>
+                  <a:outerShdw dist="35921" dir="2700000" algn="ctr" rotWithShape="0">
+                    <a:schemeClr val="bg2"/>
+                  </a:outerShdw>
+                </a:effectLst>
+              </a14:hiddenEffects>
+            </a:ext>
+          </a:extLst>
+        </p:spPr>
+        <p:txBody>
+          <a:bodyPr vert="horz" wrap="square" lIns="91440" tIns="45720" rIns="91440" bIns="45720" numCol="1" anchor="ctr" anchorCtr="0" compatLnSpc="1">
+            <a:prstTxWarp prst="textNoShape">
+              <a:avLst/>
+            </a:prstTxWarp>
+            <a:spAutoFit/>
+          </a:bodyPr>
+          <a:lstStyle/>
+          <a:p>
+            <a:pPr marL="0" marR="0" lvl="0" indent="0" algn="l" defTabSz="914400" rtl="0" eaLnBrk="0" fontAlgn="base" latinLnBrk="0" hangingPunct="0">
+              <a:lnSpc>
+                <a:spcPct val="100000"/>
+              </a:lnSpc>
+              <a:spcBef>
+                <a:spcPct val="0"/>
+              </a:spcBef>
+              <a:spcAft>
+                <a:spcPct val="0"/>
+              </a:spcAft>
+              <a:buClrTx/>
+              <a:buSzTx/>
+              <a:buFontTx/>
+              <a:buNone/>
+              <a:tabLst/>
+            </a:pPr>
+            <a:r>
+              <a:rPr kumimoji="0" lang="fr-FR" altLang="fr-FR" sz="1000" b="0" i="0" u="none" strike="noStrike" cap="none" normalizeH="0" baseline="0" dirty="0">
+                <a:ln>
+                  <a:noFill/>
+                </a:ln>
+                <a:solidFill>
+                  <a:srgbClr val="CC7832"/>
+                </a:solidFill>
+                <a:effectLst/>
+                <a:latin typeface="JetBrains Mono"/>
+              </a:rPr>
+              <a:t>public class </a:t>
+            </a:r>
+            <a:r>
+              <a:rPr kumimoji="0" lang="fr-FR" altLang="fr-FR" sz="1000" b="0" i="0" u="none" strike="noStrike" cap="none" normalizeH="0" baseline="0" dirty="0">
+                <a:ln>
+                  <a:noFill/>
+                </a:ln>
+                <a:solidFill>
+                  <a:srgbClr val="A9B7C6"/>
+                </a:solidFill>
+                <a:effectLst/>
+                <a:latin typeface="JetBrains Mono"/>
+              </a:rPr>
+              <a:t>Moteur {</a:t>
+            </a:r>
+            <a:br>
+              <a:rPr kumimoji="0" lang="fr-FR" altLang="fr-FR" sz="1000" b="0" i="0" u="none" strike="noStrike" cap="none" normalizeH="0" baseline="0" dirty="0">
+                <a:ln>
+                  <a:noFill/>
+                </a:ln>
+                <a:solidFill>
+                  <a:srgbClr val="A9B7C6"/>
+                </a:solidFill>
+                <a:effectLst/>
+                <a:latin typeface="JetBrains Mono"/>
+              </a:rPr>
+            </a:br>
+            <a:r>
+              <a:rPr kumimoji="0" lang="fr-FR" altLang="fr-FR" sz="1000" b="0" i="0" u="none" strike="noStrike" cap="none" normalizeH="0" baseline="0" dirty="0">
+                <a:ln>
+                  <a:noFill/>
+                </a:ln>
+                <a:solidFill>
+                  <a:srgbClr val="A9B7C6"/>
+                </a:solidFill>
+                <a:effectLst/>
+                <a:latin typeface="JetBrains Mono"/>
+              </a:rPr>
+              <a:t>    </a:t>
+            </a:r>
+            <a:r>
+              <a:rPr kumimoji="0" lang="fr-FR" altLang="fr-FR" sz="1000" b="0" i="0" u="none" strike="noStrike" cap="none" normalizeH="0" baseline="0" dirty="0" err="1">
+                <a:ln>
+                  <a:noFill/>
+                </a:ln>
+                <a:solidFill>
+                  <a:srgbClr val="CC7832"/>
+                </a:solidFill>
+                <a:effectLst/>
+                <a:latin typeface="JetBrains Mono"/>
+              </a:rPr>
+              <a:t>private</a:t>
+            </a:r>
+            <a:r>
+              <a:rPr kumimoji="0" lang="fr-FR" altLang="fr-FR" sz="1000" b="0" i="0" u="none" strike="noStrike" cap="none" normalizeH="0" baseline="0" dirty="0">
+                <a:ln>
+                  <a:noFill/>
+                </a:ln>
+                <a:solidFill>
+                  <a:srgbClr val="CC7832"/>
+                </a:solidFill>
+                <a:effectLst/>
+                <a:latin typeface="JetBrains Mono"/>
+              </a:rPr>
+              <a:t> </a:t>
+            </a:r>
+            <a:r>
+              <a:rPr kumimoji="0" lang="fr-FR" altLang="fr-FR" sz="1000" b="0" i="0" u="none" strike="noStrike" cap="none" normalizeH="0" baseline="0" dirty="0" err="1">
+                <a:ln>
+                  <a:noFill/>
+                </a:ln>
+                <a:solidFill>
+                  <a:srgbClr val="CC7832"/>
+                </a:solidFill>
+                <a:effectLst/>
+                <a:latin typeface="JetBrains Mono"/>
+              </a:rPr>
+              <a:t>int</a:t>
+            </a:r>
+            <a:r>
+              <a:rPr kumimoji="0" lang="fr-FR" altLang="fr-FR" sz="1000" b="0" i="0" u="none" strike="noStrike" cap="none" normalizeH="0" baseline="0" dirty="0">
+                <a:ln>
+                  <a:noFill/>
+                </a:ln>
+                <a:solidFill>
+                  <a:srgbClr val="CC7832"/>
+                </a:solidFill>
+                <a:effectLst/>
+                <a:latin typeface="JetBrains Mono"/>
+              </a:rPr>
+              <a:t> </a:t>
+            </a:r>
+            <a:r>
+              <a:rPr kumimoji="0" lang="fr-FR" altLang="fr-FR" sz="1000" b="0" i="0" u="none" strike="noStrike" cap="none" normalizeH="0" baseline="0" dirty="0" err="1">
+                <a:ln>
+                  <a:noFill/>
+                </a:ln>
+                <a:solidFill>
+                  <a:srgbClr val="9876AA"/>
+                </a:solidFill>
+                <a:effectLst/>
+                <a:latin typeface="JetBrains Mono"/>
+              </a:rPr>
+              <a:t>nbCylindres</a:t>
+            </a:r>
+            <a:r>
+              <a:rPr kumimoji="0" lang="fr-FR" altLang="fr-FR" sz="1000" b="0" i="0" u="none" strike="noStrike" cap="none" normalizeH="0" baseline="0" dirty="0">
+                <a:ln>
+                  <a:noFill/>
+                </a:ln>
+                <a:solidFill>
+                  <a:srgbClr val="CC7832"/>
+                </a:solidFill>
+                <a:effectLst/>
+                <a:latin typeface="JetBrains Mono"/>
+              </a:rPr>
+              <a:t>;</a:t>
+            </a:r>
+            <a:br>
+              <a:rPr kumimoji="0" lang="fr-FR" altLang="fr-FR" sz="1000" b="0" i="0" u="none" strike="noStrike" cap="none" normalizeH="0" baseline="0" dirty="0">
+                <a:ln>
+                  <a:noFill/>
+                </a:ln>
+                <a:solidFill>
+                  <a:srgbClr val="CC7832"/>
+                </a:solidFill>
+                <a:effectLst/>
+                <a:latin typeface="JetBrains Mono"/>
+              </a:rPr>
+            </a:br>
+            <a:r>
+              <a:rPr kumimoji="0" lang="fr-FR" altLang="fr-FR" sz="1000" b="0" i="0" u="none" strike="noStrike" cap="none" normalizeH="0" baseline="0" dirty="0">
+                <a:ln>
+                  <a:noFill/>
+                </a:ln>
+                <a:solidFill>
+                  <a:srgbClr val="CC7832"/>
+                </a:solidFill>
+                <a:effectLst/>
+                <a:latin typeface="JetBrains Mono"/>
+              </a:rPr>
+              <a:t>    </a:t>
+            </a:r>
+            <a:r>
+              <a:rPr kumimoji="0" lang="fr-FR" altLang="fr-FR" sz="1000" b="0" i="0" u="none" strike="noStrike" cap="none" normalizeH="0" baseline="0" dirty="0" err="1">
+                <a:ln>
+                  <a:noFill/>
+                </a:ln>
+                <a:solidFill>
+                  <a:srgbClr val="CC7832"/>
+                </a:solidFill>
+                <a:effectLst/>
+                <a:latin typeface="JetBrains Mono"/>
+              </a:rPr>
+              <a:t>private</a:t>
+            </a:r>
+            <a:r>
+              <a:rPr kumimoji="0" lang="fr-FR" altLang="fr-FR" sz="1000" b="0" i="0" u="none" strike="noStrike" cap="none" normalizeH="0" baseline="0" dirty="0">
+                <a:ln>
+                  <a:noFill/>
+                </a:ln>
+                <a:solidFill>
+                  <a:srgbClr val="CC7832"/>
+                </a:solidFill>
+                <a:effectLst/>
+                <a:latin typeface="JetBrains Mono"/>
+              </a:rPr>
+              <a:t> </a:t>
+            </a:r>
+            <a:r>
+              <a:rPr kumimoji="0" lang="fr-FR" altLang="fr-FR" sz="1000" b="0" i="0" u="none" strike="noStrike" cap="none" normalizeH="0" baseline="0" dirty="0">
+                <a:ln>
+                  <a:noFill/>
+                </a:ln>
+                <a:solidFill>
+                  <a:srgbClr val="A9B7C6"/>
+                </a:solidFill>
+                <a:effectLst/>
+                <a:latin typeface="JetBrains Mono"/>
+              </a:rPr>
+              <a:t>String </a:t>
+            </a:r>
+            <a:r>
+              <a:rPr kumimoji="0" lang="fr-FR" altLang="fr-FR" sz="1000" b="0" i="0" u="none" strike="noStrike" cap="none" normalizeH="0" baseline="0" dirty="0">
+                <a:ln>
+                  <a:noFill/>
+                </a:ln>
+                <a:solidFill>
+                  <a:srgbClr val="9876AA"/>
+                </a:solidFill>
+                <a:effectLst/>
+                <a:latin typeface="JetBrains Mono"/>
+              </a:rPr>
+              <a:t>motorisation</a:t>
+            </a:r>
+            <a:r>
+              <a:rPr kumimoji="0" lang="fr-FR" altLang="fr-FR" sz="1000" b="0" i="0" u="none" strike="noStrike" cap="none" normalizeH="0" baseline="0" dirty="0">
+                <a:ln>
+                  <a:noFill/>
+                </a:ln>
+                <a:solidFill>
+                  <a:srgbClr val="CC7832"/>
+                </a:solidFill>
+                <a:effectLst/>
+                <a:latin typeface="JetBrains Mono"/>
+              </a:rPr>
+              <a:t>;</a:t>
+            </a:r>
+            <a:endParaRPr kumimoji="0" lang="fr-FR" altLang="fr-FR" sz="1800" b="0" i="0" u="none" strike="noStrike" cap="none" normalizeH="0" baseline="0" dirty="0">
+              <a:ln>
+                <a:noFill/>
+              </a:ln>
+              <a:solidFill>
+                <a:schemeClr val="tx1"/>
+              </a:solidFill>
+              <a:effectLst/>
+              <a:latin typeface="Arial" panose="020B0604020202020204" pitchFamily="34" charset="0"/>
+            </a:endParaRPr>
+          </a:p>
+        </p:txBody>
+      </p:sp>
+      <p:grpSp>
+        <p:nvGrpSpPr>
+          <p:cNvPr id="21" name="Groupe 20">
+            <a:extLst>
+              <a:ext uri="{FF2B5EF4-FFF2-40B4-BE49-F238E27FC236}">
+                <a16:creationId xmlns:a16="http://schemas.microsoft.com/office/drawing/2014/main" id="{98E8BB48-EC6C-4D0B-8CD2-B8E31BF0D9B5}"/>
+              </a:ext>
+            </a:extLst>
+          </p:cNvPr>
+          <p:cNvGrpSpPr/>
+          <p:nvPr/>
+        </p:nvGrpSpPr>
+        <p:grpSpPr>
+          <a:xfrm>
+            <a:off x="3433535" y="3425384"/>
+            <a:ext cx="5922100" cy="726892"/>
+            <a:chOff x="1744320" y="4057295"/>
+            <a:chExt cx="4868368" cy="726892"/>
+          </a:xfrm>
+        </p:grpSpPr>
+        <p:sp>
+          <p:nvSpPr>
+            <p:cNvPr id="19" name="ZoneTexte 18">
+              <a:extLst>
+                <a:ext uri="{FF2B5EF4-FFF2-40B4-BE49-F238E27FC236}">
+                  <a16:creationId xmlns:a16="http://schemas.microsoft.com/office/drawing/2014/main" id="{09C5F908-002D-4D8A-874B-E81A67209FF5}"/>
+                </a:ext>
+              </a:extLst>
+            </p:cNvPr>
+            <p:cNvSpPr txBox="1"/>
+            <p:nvPr/>
+          </p:nvSpPr>
+          <p:spPr>
+            <a:xfrm flipH="1">
+              <a:off x="1744320" y="4057295"/>
+              <a:ext cx="341194" cy="707886"/>
+            </a:xfrm>
+            <a:prstGeom prst="rect">
+              <a:avLst/>
+            </a:prstGeom>
+            <a:noFill/>
+          </p:spPr>
+          <p:txBody>
+            <a:bodyPr wrap="square" rtlCol="0">
+              <a:spAutoFit/>
+            </a:bodyPr>
+            <a:lstStyle/>
+            <a:p>
+              <a:pPr algn="ctr"/>
+              <a:r>
+                <a:rPr lang="fr-FR" sz="4000" dirty="0">
+                  <a:solidFill>
+                    <a:srgbClr val="FF0000"/>
+                  </a:solidFill>
+                </a:rPr>
+                <a:t>X</a:t>
+              </a:r>
+            </a:p>
+          </p:txBody>
+        </p:sp>
+        <p:sp>
+          <p:nvSpPr>
+            <p:cNvPr id="20" name="ZoneTexte 19">
+              <a:extLst>
+                <a:ext uri="{FF2B5EF4-FFF2-40B4-BE49-F238E27FC236}">
+                  <a16:creationId xmlns:a16="http://schemas.microsoft.com/office/drawing/2014/main" id="{06B43A08-6CAD-440B-98E0-39BDFFF1970C}"/>
+                </a:ext>
+              </a:extLst>
+            </p:cNvPr>
+            <p:cNvSpPr txBox="1"/>
+            <p:nvPr/>
+          </p:nvSpPr>
+          <p:spPr>
+            <a:xfrm flipH="1">
+              <a:off x="6271494" y="4076301"/>
+              <a:ext cx="341194" cy="707886"/>
+            </a:xfrm>
+            <a:prstGeom prst="rect">
+              <a:avLst/>
+            </a:prstGeom>
+            <a:noFill/>
+          </p:spPr>
+          <p:txBody>
+            <a:bodyPr wrap="square" rtlCol="0">
+              <a:spAutoFit/>
+            </a:bodyPr>
+            <a:lstStyle/>
+            <a:p>
+              <a:pPr algn="ctr"/>
+              <a:r>
+                <a:rPr lang="fr-FR" sz="4000" dirty="0">
+                  <a:solidFill>
+                    <a:srgbClr val="FF0000"/>
+                  </a:solidFill>
+                </a:rPr>
+                <a:t>X</a:t>
+              </a:r>
+            </a:p>
+          </p:txBody>
+        </p:sp>
+      </p:grpSp>
+      <p:grpSp>
+        <p:nvGrpSpPr>
+          <p:cNvPr id="31" name="Groupe 30">
+            <a:extLst>
+              <a:ext uri="{FF2B5EF4-FFF2-40B4-BE49-F238E27FC236}">
+                <a16:creationId xmlns:a16="http://schemas.microsoft.com/office/drawing/2014/main" id="{A87AA847-74F8-4FFD-BE36-B82191117C8A}"/>
+              </a:ext>
+            </a:extLst>
+          </p:cNvPr>
+          <p:cNvGrpSpPr/>
+          <p:nvPr/>
+        </p:nvGrpSpPr>
+        <p:grpSpPr>
+          <a:xfrm>
+            <a:off x="7678017" y="5228531"/>
+            <a:ext cx="2434209" cy="553998"/>
+            <a:chOff x="7678017" y="5228531"/>
+            <a:chExt cx="2434209" cy="553998"/>
+          </a:xfrm>
+        </p:grpSpPr>
+        <p:sp>
+          <p:nvSpPr>
+            <p:cNvPr id="23" name="Rectangle 6">
+              <a:extLst>
+                <a:ext uri="{FF2B5EF4-FFF2-40B4-BE49-F238E27FC236}">
+                  <a16:creationId xmlns:a16="http://schemas.microsoft.com/office/drawing/2014/main" id="{2DFD298F-A1F9-411E-92F9-FEF88380AC53}"/>
+                </a:ext>
+              </a:extLst>
+            </p:cNvPr>
+            <p:cNvSpPr>
+              <a:spLocks noChangeArrowheads="1"/>
+            </p:cNvSpPr>
+            <p:nvPr/>
+          </p:nvSpPr>
+          <p:spPr bwMode="auto">
+            <a:xfrm>
+              <a:off x="8239835" y="5228531"/>
+              <a:ext cx="1872391" cy="553998"/>
+            </a:xfrm>
+            <a:prstGeom prst="rect">
+              <a:avLst/>
+            </a:prstGeom>
+            <a:solidFill>
+              <a:srgbClr val="2B2B2B"/>
+            </a:solidFill>
+            <a:ln>
+              <a:noFill/>
+            </a:ln>
+            <a:effectLst/>
+            <a:extLst>
+              <a:ext uri="{91240B29-F687-4F45-9708-019B960494DF}">
+                <a14:hiddenLine xmlns:a14="http://schemas.microsoft.com/office/drawing/2010/main" w="9525">
+                  <a:solidFill>
+                    <a:schemeClr val="tx1"/>
+                  </a:solidFill>
+                  <a:miter lim="800000"/>
+                  <a:headEnd/>
+                  <a:tailEnd/>
+                </a14:hiddenLine>
+              </a:ext>
+              <a:ext uri="{AF507438-7753-43E0-B8FC-AC1667EBCBE1}">
+                <a14:hiddenEffects xmlns:a14="http://schemas.microsoft.com/office/drawing/2010/main">
+                  <a:effectLst>
+                    <a:outerShdw dist="35921" dir="2700000" algn="ctr" rotWithShape="0">
+                      <a:schemeClr val="bg2"/>
+                    </a:outerShdw>
+                  </a:effectLst>
+                </a14:hiddenEffects>
+              </a:ext>
+            </a:extLst>
+          </p:spPr>
+          <p:txBody>
+            <a:bodyPr vert="horz" wrap="square" lIns="91440" tIns="45720" rIns="91440" bIns="45720" numCol="1" anchor="ctr" anchorCtr="0" compatLnSpc="1">
+              <a:prstTxWarp prst="textNoShape">
+                <a:avLst/>
+              </a:prstTxWarp>
+              <a:spAutoFit/>
+            </a:bodyPr>
+            <a:lstStyle/>
+            <a:p>
+              <a:pPr marL="0" marR="0" lvl="0" indent="0" algn="l" defTabSz="914400" rtl="0" eaLnBrk="0" fontAlgn="base" latinLnBrk="0" hangingPunct="0">
+                <a:lnSpc>
+                  <a:spcPct val="100000"/>
+                </a:lnSpc>
+                <a:spcBef>
+                  <a:spcPct val="0"/>
+                </a:spcBef>
+                <a:spcAft>
+                  <a:spcPct val="0"/>
+                </a:spcAft>
+                <a:buClrTx/>
+                <a:buSzTx/>
+                <a:buFontTx/>
+                <a:buNone/>
+                <a:tabLst/>
+              </a:pPr>
+              <a:r>
+                <a:rPr kumimoji="0" lang="fr-FR" altLang="fr-FR" sz="1000" b="0" i="0" u="none" strike="noStrike" cap="none" normalizeH="0" baseline="0" dirty="0">
+                  <a:ln>
+                    <a:noFill/>
+                  </a:ln>
+                  <a:solidFill>
+                    <a:srgbClr val="CC7832"/>
+                  </a:solidFill>
+                  <a:effectLst/>
+                  <a:latin typeface="JetBrains Mono"/>
+                </a:rPr>
+                <a:t>public </a:t>
+              </a:r>
+              <a:r>
+                <a:rPr kumimoji="0" lang="fr-FR" altLang="fr-FR" sz="1000" b="0" i="0" u="none" strike="noStrike" cap="none" normalizeH="0" baseline="0" dirty="0">
+                  <a:ln>
+                    <a:noFill/>
+                  </a:ln>
+                  <a:solidFill>
+                    <a:srgbClr val="A9B7C6"/>
+                  </a:solidFill>
+                  <a:effectLst/>
+                  <a:latin typeface="JetBrains Mono"/>
+                </a:rPr>
+                <a:t>String </a:t>
+              </a:r>
+              <a:r>
+                <a:rPr kumimoji="0" lang="fr-FR" altLang="fr-FR" sz="1000" b="0" i="0" u="none" strike="noStrike" cap="none" normalizeH="0" baseline="0" dirty="0" err="1">
+                  <a:ln>
+                    <a:noFill/>
+                  </a:ln>
+                  <a:solidFill>
+                    <a:srgbClr val="FFC66D"/>
+                  </a:solidFill>
+                  <a:effectLst/>
+                  <a:latin typeface="JetBrains Mono"/>
+                </a:rPr>
+                <a:t>getMotorisation</a:t>
+              </a:r>
+              <a:r>
+                <a:rPr kumimoji="0" lang="fr-FR" altLang="fr-FR" sz="1000" b="0" i="0" u="none" strike="noStrike" cap="none" normalizeH="0" baseline="0" dirty="0">
+                  <a:ln>
+                    <a:noFill/>
+                  </a:ln>
+                  <a:solidFill>
+                    <a:srgbClr val="A9B7C6"/>
+                  </a:solidFill>
+                  <a:effectLst/>
+                  <a:latin typeface="JetBrains Mono"/>
+                </a:rPr>
+                <a:t>() {</a:t>
+              </a:r>
+              <a:br>
+                <a:rPr kumimoji="0" lang="fr-FR" altLang="fr-FR" sz="1000" b="0" i="0" u="none" strike="noStrike" cap="none" normalizeH="0" baseline="0" dirty="0">
+                  <a:ln>
+                    <a:noFill/>
+                  </a:ln>
+                  <a:solidFill>
+                    <a:srgbClr val="A9B7C6"/>
+                  </a:solidFill>
+                  <a:effectLst/>
+                  <a:latin typeface="JetBrains Mono"/>
+                </a:rPr>
+              </a:br>
+              <a:r>
+                <a:rPr kumimoji="0" lang="fr-FR" altLang="fr-FR" sz="1000" b="0" i="0" u="none" strike="noStrike" cap="none" normalizeH="0" baseline="0" dirty="0">
+                  <a:ln>
+                    <a:noFill/>
+                  </a:ln>
+                  <a:solidFill>
+                    <a:srgbClr val="A9B7C6"/>
+                  </a:solidFill>
+                  <a:effectLst/>
+                  <a:latin typeface="JetBrains Mono"/>
+                </a:rPr>
+                <a:t>    </a:t>
+              </a:r>
+              <a:r>
+                <a:rPr kumimoji="0" lang="fr-FR" altLang="fr-FR" sz="1000" b="0" i="0" u="none" strike="noStrike" cap="none" normalizeH="0" baseline="0" dirty="0">
+                  <a:ln>
+                    <a:noFill/>
+                  </a:ln>
+                  <a:solidFill>
+                    <a:srgbClr val="CC7832"/>
+                  </a:solidFill>
+                  <a:effectLst/>
+                  <a:latin typeface="JetBrains Mono"/>
+                </a:rPr>
+                <a:t>return </a:t>
+              </a:r>
+              <a:r>
+                <a:rPr kumimoji="0" lang="fr-FR" altLang="fr-FR" sz="1000" b="0" i="0" u="none" strike="noStrike" cap="none" normalizeH="0" baseline="0" dirty="0">
+                  <a:ln>
+                    <a:noFill/>
+                  </a:ln>
+                  <a:solidFill>
+                    <a:srgbClr val="9876AA"/>
+                  </a:solidFill>
+                  <a:effectLst/>
+                  <a:latin typeface="JetBrains Mono"/>
+                </a:rPr>
+                <a:t>motorisation</a:t>
+              </a:r>
+              <a:r>
+                <a:rPr kumimoji="0" lang="fr-FR" altLang="fr-FR" sz="1000" b="0" i="0" u="none" strike="noStrike" cap="none" normalizeH="0" baseline="0" dirty="0">
+                  <a:ln>
+                    <a:noFill/>
+                  </a:ln>
+                  <a:solidFill>
+                    <a:srgbClr val="CC7832"/>
+                  </a:solidFill>
+                  <a:effectLst/>
+                  <a:latin typeface="JetBrains Mono"/>
+                </a:rPr>
+                <a:t>;</a:t>
+              </a:r>
+              <a:br>
+                <a:rPr kumimoji="0" lang="fr-FR" altLang="fr-FR" sz="1000" b="0" i="0" u="none" strike="noStrike" cap="none" normalizeH="0" baseline="0" dirty="0">
+                  <a:ln>
+                    <a:noFill/>
+                  </a:ln>
+                  <a:solidFill>
+                    <a:srgbClr val="CC7832"/>
+                  </a:solidFill>
+                  <a:effectLst/>
+                  <a:latin typeface="JetBrains Mono"/>
+                </a:rPr>
+              </a:br>
+              <a:r>
+                <a:rPr kumimoji="0" lang="fr-FR" altLang="fr-FR" sz="1000" b="0" i="0" u="none" strike="noStrike" cap="none" normalizeH="0" baseline="0" dirty="0">
+                  <a:ln>
+                    <a:noFill/>
+                  </a:ln>
+                  <a:solidFill>
+                    <a:srgbClr val="A9B7C6"/>
+                  </a:solidFill>
+                  <a:effectLst/>
+                  <a:latin typeface="JetBrains Mono"/>
+                </a:rPr>
+                <a:t>}</a:t>
+              </a:r>
+              <a:endParaRPr kumimoji="0" lang="fr-FR" altLang="fr-FR" sz="1800" b="0" i="0" u="none" strike="noStrike" cap="none" normalizeH="0" baseline="0" dirty="0">
+                <a:ln>
+                  <a:noFill/>
+                </a:ln>
+                <a:solidFill>
+                  <a:schemeClr val="tx1"/>
+                </a:solidFill>
+                <a:effectLst/>
+                <a:latin typeface="Arial" panose="020B0604020202020204" pitchFamily="34" charset="0"/>
+              </a:endParaRPr>
+            </a:p>
+          </p:txBody>
+        </p:sp>
+        <p:cxnSp>
+          <p:nvCxnSpPr>
+            <p:cNvPr id="25" name="Connecteur droit avec flèche 24">
+              <a:extLst>
+                <a:ext uri="{FF2B5EF4-FFF2-40B4-BE49-F238E27FC236}">
+                  <a16:creationId xmlns:a16="http://schemas.microsoft.com/office/drawing/2014/main" id="{E84E4C67-8040-414F-A039-9C777AB0CBCF}"/>
+                </a:ext>
+              </a:extLst>
+            </p:cNvPr>
+            <p:cNvCxnSpPr>
+              <a:cxnSpLocks/>
+            </p:cNvCxnSpPr>
+            <p:nvPr/>
+          </p:nvCxnSpPr>
+          <p:spPr>
+            <a:xfrm>
+              <a:off x="7678017" y="5470204"/>
+              <a:ext cx="409433" cy="0"/>
+            </a:xfrm>
+            <a:prstGeom prst="straightConnector1">
+              <a:avLst/>
+            </a:prstGeom>
+            <a:ln>
+              <a:tailEnd type="triangle"/>
+            </a:ln>
+          </p:spPr>
+          <p:style>
+            <a:lnRef idx="1">
+              <a:schemeClr val="accent1"/>
+            </a:lnRef>
+            <a:fillRef idx="0">
+              <a:schemeClr val="accent1"/>
+            </a:fillRef>
+            <a:effectRef idx="0">
+              <a:schemeClr val="accent1"/>
+            </a:effectRef>
+            <a:fontRef idx="minor">
+              <a:schemeClr val="tx1"/>
+            </a:fontRef>
+          </p:style>
+        </p:cxnSp>
+      </p:grpSp>
+      <p:grpSp>
+        <p:nvGrpSpPr>
+          <p:cNvPr id="50" name="Groupe 49">
+            <a:extLst>
+              <a:ext uri="{FF2B5EF4-FFF2-40B4-BE49-F238E27FC236}">
+                <a16:creationId xmlns:a16="http://schemas.microsoft.com/office/drawing/2014/main" id="{33F4017D-8629-484C-8E8C-54EBB0B82D34}"/>
+              </a:ext>
+            </a:extLst>
+          </p:cNvPr>
+          <p:cNvGrpSpPr/>
+          <p:nvPr/>
+        </p:nvGrpSpPr>
+        <p:grpSpPr>
+          <a:xfrm>
+            <a:off x="2331717" y="5148713"/>
+            <a:ext cx="3188238" cy="553998"/>
+            <a:chOff x="2331717" y="5148713"/>
+            <a:chExt cx="3188238" cy="553998"/>
+          </a:xfrm>
+        </p:grpSpPr>
+        <p:sp>
+          <p:nvSpPr>
+            <p:cNvPr id="46" name="Rectangle 8">
+              <a:extLst>
+                <a:ext uri="{FF2B5EF4-FFF2-40B4-BE49-F238E27FC236}">
+                  <a16:creationId xmlns:a16="http://schemas.microsoft.com/office/drawing/2014/main" id="{0488D2B8-E1D5-4EB3-93E0-EE44B50854E2}"/>
+                </a:ext>
+              </a:extLst>
+            </p:cNvPr>
+            <p:cNvSpPr>
+              <a:spLocks noChangeArrowheads="1"/>
+            </p:cNvSpPr>
+            <p:nvPr/>
+          </p:nvSpPr>
+          <p:spPr bwMode="auto">
+            <a:xfrm>
+              <a:off x="2735658" y="5148713"/>
+              <a:ext cx="2784297" cy="553998"/>
+            </a:xfrm>
+            <a:prstGeom prst="rect">
+              <a:avLst/>
+            </a:prstGeom>
+            <a:solidFill>
+              <a:srgbClr val="2B2B2B"/>
+            </a:solidFill>
+            <a:ln>
+              <a:noFill/>
+            </a:ln>
+            <a:effectLst/>
+            <a:extLst>
+              <a:ext uri="{91240B29-F687-4F45-9708-019B960494DF}">
+                <a14:hiddenLine xmlns:a14="http://schemas.microsoft.com/office/drawing/2010/main" w="9525">
+                  <a:solidFill>
+                    <a:schemeClr val="tx1"/>
+                  </a:solidFill>
+                  <a:miter lim="800000"/>
+                  <a:headEnd/>
+                  <a:tailEnd/>
+                </a14:hiddenLine>
+              </a:ext>
+              <a:ext uri="{AF507438-7753-43E0-B8FC-AC1667EBCBE1}">
+                <a14:hiddenEffects xmlns:a14="http://schemas.microsoft.com/office/drawing/2010/main">
+                  <a:effectLst>
+                    <a:outerShdw dist="35921" dir="2700000" algn="ctr" rotWithShape="0">
+                      <a:schemeClr val="bg2"/>
+                    </a:outerShdw>
+                  </a:effectLst>
+                </a14:hiddenEffects>
+              </a:ext>
+            </a:extLst>
+          </p:spPr>
+          <p:txBody>
+            <a:bodyPr vert="horz" wrap="square" lIns="91440" tIns="45720" rIns="91440" bIns="45720" numCol="1" anchor="ctr" anchorCtr="0" compatLnSpc="1">
+              <a:prstTxWarp prst="textNoShape">
+                <a:avLst/>
+              </a:prstTxWarp>
+              <a:spAutoFit/>
+            </a:bodyPr>
+            <a:lstStyle/>
+            <a:p>
+              <a:pPr marL="0" marR="0" lvl="0" indent="0" algn="l" defTabSz="914400" rtl="0" eaLnBrk="0" fontAlgn="base" latinLnBrk="0" hangingPunct="0">
+                <a:lnSpc>
+                  <a:spcPct val="100000"/>
+                </a:lnSpc>
+                <a:spcBef>
+                  <a:spcPct val="0"/>
+                </a:spcBef>
+                <a:spcAft>
+                  <a:spcPct val="0"/>
+                </a:spcAft>
+                <a:buClrTx/>
+                <a:buSzTx/>
+                <a:buFontTx/>
+                <a:buNone/>
+                <a:tabLst/>
+              </a:pPr>
+              <a:r>
+                <a:rPr kumimoji="0" lang="fr-FR" altLang="fr-FR" sz="1000" b="0" i="0" u="none" strike="noStrike" cap="none" normalizeH="0" baseline="0" dirty="0">
+                  <a:ln>
+                    <a:noFill/>
+                  </a:ln>
+                  <a:solidFill>
+                    <a:srgbClr val="CC7832"/>
+                  </a:solidFill>
+                  <a:effectLst/>
+                  <a:latin typeface="JetBrains Mono"/>
+                </a:rPr>
+                <a:t>public </a:t>
+              </a:r>
+              <a:r>
+                <a:rPr kumimoji="0" lang="fr-FR" altLang="fr-FR" sz="1000" b="0" i="0" u="none" strike="noStrike" cap="none" normalizeH="0" baseline="0" dirty="0" err="1">
+                  <a:ln>
+                    <a:noFill/>
+                  </a:ln>
+                  <a:solidFill>
+                    <a:srgbClr val="CC7832"/>
+                  </a:solidFill>
+                  <a:effectLst/>
+                  <a:latin typeface="JetBrains Mono"/>
+                </a:rPr>
+                <a:t>void</a:t>
+              </a:r>
+              <a:r>
+                <a:rPr kumimoji="0" lang="fr-FR" altLang="fr-FR" sz="1000" b="0" i="0" u="none" strike="noStrike" cap="none" normalizeH="0" baseline="0" dirty="0">
+                  <a:ln>
+                    <a:noFill/>
+                  </a:ln>
+                  <a:solidFill>
+                    <a:srgbClr val="CC7832"/>
+                  </a:solidFill>
+                  <a:effectLst/>
+                  <a:latin typeface="JetBrains Mono"/>
+                </a:rPr>
+                <a:t> </a:t>
+              </a:r>
+              <a:r>
+                <a:rPr kumimoji="0" lang="fr-FR" altLang="fr-FR" sz="1000" b="0" i="0" u="none" strike="noStrike" cap="none" normalizeH="0" baseline="0" dirty="0" err="1">
+                  <a:ln>
+                    <a:noFill/>
+                  </a:ln>
+                  <a:solidFill>
+                    <a:srgbClr val="FFC66D"/>
+                  </a:solidFill>
+                  <a:effectLst/>
+                  <a:latin typeface="JetBrains Mono"/>
+                </a:rPr>
+                <a:t>setMotorisation</a:t>
+              </a:r>
+              <a:r>
+                <a:rPr kumimoji="0" lang="fr-FR" altLang="fr-FR" sz="1000" b="0" i="0" u="none" strike="noStrike" cap="none" normalizeH="0" baseline="0" dirty="0">
+                  <a:ln>
+                    <a:noFill/>
+                  </a:ln>
+                  <a:solidFill>
+                    <a:srgbClr val="A9B7C6"/>
+                  </a:solidFill>
+                  <a:effectLst/>
+                  <a:latin typeface="JetBrains Mono"/>
+                </a:rPr>
+                <a:t>(String motorisation) {</a:t>
+              </a:r>
+              <a:br>
+                <a:rPr kumimoji="0" lang="fr-FR" altLang="fr-FR" sz="1000" b="0" i="0" u="none" strike="noStrike" cap="none" normalizeH="0" baseline="0" dirty="0">
+                  <a:ln>
+                    <a:noFill/>
+                  </a:ln>
+                  <a:solidFill>
+                    <a:srgbClr val="A9B7C6"/>
+                  </a:solidFill>
+                  <a:effectLst/>
+                  <a:latin typeface="JetBrains Mono"/>
+                </a:rPr>
+              </a:br>
+              <a:r>
+                <a:rPr kumimoji="0" lang="fr-FR" altLang="fr-FR" sz="1000" b="0" i="0" u="none" strike="noStrike" cap="none" normalizeH="0" baseline="0" dirty="0">
+                  <a:ln>
+                    <a:noFill/>
+                  </a:ln>
+                  <a:solidFill>
+                    <a:srgbClr val="A9B7C6"/>
+                  </a:solidFill>
+                  <a:effectLst/>
+                  <a:latin typeface="JetBrains Mono"/>
+                </a:rPr>
+                <a:t>    </a:t>
+              </a:r>
+              <a:r>
+                <a:rPr kumimoji="0" lang="fr-FR" altLang="fr-FR" sz="1000" b="0" i="0" u="none" strike="noStrike" cap="none" normalizeH="0" baseline="0" dirty="0" err="1">
+                  <a:ln>
+                    <a:noFill/>
+                  </a:ln>
+                  <a:solidFill>
+                    <a:srgbClr val="CC7832"/>
+                  </a:solidFill>
+                  <a:effectLst/>
+                  <a:latin typeface="JetBrains Mono"/>
+                </a:rPr>
+                <a:t>this</a:t>
+              </a:r>
+              <a:r>
+                <a:rPr kumimoji="0" lang="fr-FR" altLang="fr-FR" sz="1000" b="0" i="0" u="none" strike="noStrike" cap="none" normalizeH="0" baseline="0" dirty="0" err="1">
+                  <a:ln>
+                    <a:noFill/>
+                  </a:ln>
+                  <a:solidFill>
+                    <a:srgbClr val="A9B7C6"/>
+                  </a:solidFill>
+                  <a:effectLst/>
+                  <a:latin typeface="JetBrains Mono"/>
+                </a:rPr>
+                <a:t>.</a:t>
+              </a:r>
+              <a:r>
+                <a:rPr kumimoji="0" lang="fr-FR" altLang="fr-FR" sz="1000" b="0" i="0" u="none" strike="noStrike" cap="none" normalizeH="0" baseline="0" dirty="0" err="1">
+                  <a:ln>
+                    <a:noFill/>
+                  </a:ln>
+                  <a:solidFill>
+                    <a:srgbClr val="9876AA"/>
+                  </a:solidFill>
+                  <a:effectLst/>
+                  <a:latin typeface="JetBrains Mono"/>
+                </a:rPr>
+                <a:t>motorisation</a:t>
+              </a:r>
+              <a:r>
+                <a:rPr kumimoji="0" lang="fr-FR" altLang="fr-FR" sz="1000" b="0" i="0" u="none" strike="noStrike" cap="none" normalizeH="0" baseline="0" dirty="0">
+                  <a:ln>
+                    <a:noFill/>
+                  </a:ln>
+                  <a:solidFill>
+                    <a:srgbClr val="9876AA"/>
+                  </a:solidFill>
+                  <a:effectLst/>
+                  <a:latin typeface="JetBrains Mono"/>
+                </a:rPr>
+                <a:t> </a:t>
+              </a:r>
+              <a:r>
+                <a:rPr kumimoji="0" lang="fr-FR" altLang="fr-FR" sz="1000" b="0" i="0" u="none" strike="noStrike" cap="none" normalizeH="0" baseline="0" dirty="0">
+                  <a:ln>
+                    <a:noFill/>
+                  </a:ln>
+                  <a:solidFill>
+                    <a:srgbClr val="A9B7C6"/>
+                  </a:solidFill>
+                  <a:effectLst/>
+                  <a:latin typeface="JetBrains Mono"/>
+                </a:rPr>
+                <a:t>= motorisation</a:t>
+              </a:r>
+              <a:r>
+                <a:rPr kumimoji="0" lang="fr-FR" altLang="fr-FR" sz="1000" b="0" i="0" u="none" strike="noStrike" cap="none" normalizeH="0" baseline="0" dirty="0">
+                  <a:ln>
+                    <a:noFill/>
+                  </a:ln>
+                  <a:solidFill>
+                    <a:srgbClr val="CC7832"/>
+                  </a:solidFill>
+                  <a:effectLst/>
+                  <a:latin typeface="JetBrains Mono"/>
+                </a:rPr>
+                <a:t>;</a:t>
+              </a:r>
+              <a:br>
+                <a:rPr kumimoji="0" lang="fr-FR" altLang="fr-FR" sz="1000" b="0" i="0" u="none" strike="noStrike" cap="none" normalizeH="0" baseline="0" dirty="0">
+                  <a:ln>
+                    <a:noFill/>
+                  </a:ln>
+                  <a:solidFill>
+                    <a:srgbClr val="CC7832"/>
+                  </a:solidFill>
+                  <a:effectLst/>
+                  <a:latin typeface="JetBrains Mono"/>
+                </a:rPr>
+              </a:br>
+              <a:r>
+                <a:rPr kumimoji="0" lang="fr-FR" altLang="fr-FR" sz="1000" b="0" i="0" u="none" strike="noStrike" cap="none" normalizeH="0" baseline="0" dirty="0">
+                  <a:ln>
+                    <a:noFill/>
+                  </a:ln>
+                  <a:solidFill>
+                    <a:srgbClr val="A9B7C6"/>
+                  </a:solidFill>
+                  <a:effectLst/>
+                  <a:latin typeface="JetBrains Mono"/>
+                </a:rPr>
+                <a:t>}</a:t>
+              </a:r>
+              <a:endParaRPr kumimoji="0" lang="fr-FR" altLang="fr-FR" sz="1800" b="0" i="0" u="none" strike="noStrike" cap="none" normalizeH="0" baseline="0" dirty="0">
+                <a:ln>
+                  <a:noFill/>
+                </a:ln>
+                <a:solidFill>
+                  <a:schemeClr val="tx1"/>
+                </a:solidFill>
+                <a:effectLst/>
+                <a:latin typeface="Arial" panose="020B0604020202020204" pitchFamily="34" charset="0"/>
+              </a:endParaRPr>
+            </a:p>
+          </p:txBody>
+        </p:sp>
+        <p:cxnSp>
+          <p:nvCxnSpPr>
+            <p:cNvPr id="48" name="Connecteur droit avec flèche 47">
+              <a:extLst>
+                <a:ext uri="{FF2B5EF4-FFF2-40B4-BE49-F238E27FC236}">
+                  <a16:creationId xmlns:a16="http://schemas.microsoft.com/office/drawing/2014/main" id="{0A835F1C-A0B1-4665-A80A-4FCC06A86704}"/>
+                </a:ext>
+              </a:extLst>
+            </p:cNvPr>
+            <p:cNvCxnSpPr>
+              <a:cxnSpLocks/>
+            </p:cNvCxnSpPr>
+            <p:nvPr/>
+          </p:nvCxnSpPr>
+          <p:spPr>
+            <a:xfrm>
+              <a:off x="2331717" y="5417197"/>
+              <a:ext cx="308741" cy="8515"/>
+            </a:xfrm>
+            <a:prstGeom prst="straightConnector1">
+              <a:avLst/>
+            </a:prstGeom>
+            <a:ln>
+              <a:tailEnd type="triangle"/>
+            </a:ln>
+          </p:spPr>
+          <p:style>
+            <a:lnRef idx="1">
+              <a:schemeClr val="accent1"/>
+            </a:lnRef>
+            <a:fillRef idx="0">
+              <a:schemeClr val="accent1"/>
+            </a:fillRef>
+            <a:effectRef idx="0">
+              <a:schemeClr val="accent1"/>
+            </a:effectRef>
+            <a:fontRef idx="minor">
+              <a:schemeClr val="tx1"/>
+            </a:fontRef>
+          </p:style>
+        </p:cxnSp>
+      </p:grpSp>
     </p:spTree>
     <p:extLst>
       <p:ext uri="{BB962C8B-B14F-4D97-AF65-F5344CB8AC3E}">
@@ -13045,7 +15533,7 @@
                                           </p:stCondLst>
                                         </p:cTn>
                                         <p:tgtEl>
-                                          <p:spTgt spid="3"/>
+                                          <p:spTgt spid="6"/>
                                         </p:tgtEl>
                                         <p:attrNameLst>
                                           <p:attrName>style.visibility</p:attrName>
@@ -13077,7 +15565,7 @@
                             </p:stCondLst>
                             <p:childTnLst>
                               <p:par>
-                                <p:cTn id="9" presetID="1" presetClass="entr" presetSubtype="0" fill="hold" grpId="0" nodeType="clickEffect">
+                                <p:cTn id="9" presetID="1" presetClass="entr" presetSubtype="0" fill="hold" nodeType="clickEffect">
                                   <p:stCondLst>
                                     <p:cond delay="0"/>
                                   </p:stCondLst>
@@ -13090,7 +15578,412 @@
                                           </p:stCondLst>
                                         </p:cTn>
                                         <p:tgtEl>
-                                          <p:spTgt spid="4"/>
+                                          <p:spTgt spid="17"/>
+                                        </p:tgtEl>
+                                        <p:attrNameLst>
+                                          <p:attrName>style.visibility</p:attrName>
+                                        </p:attrNameLst>
+                                      </p:cBhvr>
+                                      <p:to>
+                                        <p:strVal val="visible"/>
+                                      </p:to>
+                                    </p:set>
+                                  </p:childTnLst>
+                                </p:cTn>
+                              </p:par>
+                            </p:childTnLst>
+                          </p:cTn>
+                        </p:par>
+                      </p:childTnLst>
+                    </p:cTn>
+                  </p:par>
+                  <p:par>
+                    <p:cTn id="11" fill="hold">
+                      <p:stCondLst>
+                        <p:cond delay="indefinite"/>
+                      </p:stCondLst>
+                      <p:childTnLst>
+                        <p:par>
+                          <p:cTn id="12" fill="hold">
+                            <p:stCondLst>
+                              <p:cond delay="0"/>
+                            </p:stCondLst>
+                            <p:childTnLst>
+                              <p:par>
+                                <p:cTn id="13" presetID="1" presetClass="entr" presetSubtype="0" fill="hold" nodeType="clickEffect">
+                                  <p:stCondLst>
+                                    <p:cond delay="0"/>
+                                  </p:stCondLst>
+                                  <p:childTnLst>
+                                    <p:set>
+                                      <p:cBhvr>
+                                        <p:cTn id="14" dur="1" fill="hold">
+                                          <p:stCondLst>
+                                            <p:cond delay="0"/>
+                                          </p:stCondLst>
+                                        </p:cTn>
+                                        <p:tgtEl>
+                                          <p:spTgt spid="14"/>
+                                        </p:tgtEl>
+                                        <p:attrNameLst>
+                                          <p:attrName>style.visibility</p:attrName>
+                                        </p:attrNameLst>
+                                      </p:cBhvr>
+                                      <p:to>
+                                        <p:strVal val="visible"/>
+                                      </p:to>
+                                    </p:set>
+                                  </p:childTnLst>
+                                </p:cTn>
+                              </p:par>
+                            </p:childTnLst>
+                          </p:cTn>
+                        </p:par>
+                      </p:childTnLst>
+                    </p:cTn>
+                  </p:par>
+                  <p:par>
+                    <p:cTn id="15" fill="hold">
+                      <p:stCondLst>
+                        <p:cond delay="indefinite"/>
+                      </p:stCondLst>
+                      <p:childTnLst>
+                        <p:par>
+                          <p:cTn id="16" fill="hold">
+                            <p:stCondLst>
+                              <p:cond delay="0"/>
+                            </p:stCondLst>
+                            <p:childTnLst>
+                              <p:par>
+                                <p:cTn id="17" presetID="1" presetClass="entr" presetSubtype="0" fill="hold" nodeType="clickEffect">
+                                  <p:stCondLst>
+                                    <p:cond delay="0"/>
+                                  </p:stCondLst>
+                                  <p:childTnLst>
+                                    <p:set>
+                                      <p:cBhvr>
+                                        <p:cTn id="18" dur="1" fill="hold">
+                                          <p:stCondLst>
+                                            <p:cond delay="0"/>
+                                          </p:stCondLst>
+                                        </p:cTn>
+                                        <p:tgtEl>
+                                          <p:spTgt spid="15"/>
+                                        </p:tgtEl>
+                                        <p:attrNameLst>
+                                          <p:attrName>style.visibility</p:attrName>
+                                        </p:attrNameLst>
+                                      </p:cBhvr>
+                                      <p:to>
+                                        <p:strVal val="visible"/>
+                                      </p:to>
+                                    </p:set>
+                                  </p:childTnLst>
+                                </p:cTn>
+                              </p:par>
+                            </p:childTnLst>
+                          </p:cTn>
+                        </p:par>
+                      </p:childTnLst>
+                    </p:cTn>
+                  </p:par>
+                  <p:par>
+                    <p:cTn id="19" fill="hold">
+                      <p:stCondLst>
+                        <p:cond delay="indefinite"/>
+                      </p:stCondLst>
+                      <p:childTnLst>
+                        <p:par>
+                          <p:cTn id="20" fill="hold">
+                            <p:stCondLst>
+                              <p:cond delay="0"/>
+                            </p:stCondLst>
+                            <p:childTnLst>
+                              <p:par>
+                                <p:cTn id="21" presetID="1" presetClass="entr" presetSubtype="0" fill="hold" grpId="0" nodeType="clickEffect">
+                                  <p:stCondLst>
+                                    <p:cond delay="0"/>
+                                  </p:stCondLst>
+                                  <p:childTnLst>
+                                    <p:set>
+                                      <p:cBhvr>
+                                        <p:cTn id="22" dur="1" fill="hold">
+                                          <p:stCondLst>
+                                            <p:cond delay="0"/>
+                                          </p:stCondLst>
+                                        </p:cTn>
+                                        <p:tgtEl>
+                                          <p:spTgt spid="16"/>
+                                        </p:tgtEl>
+                                        <p:attrNameLst>
+                                          <p:attrName>style.visibility</p:attrName>
+                                        </p:attrNameLst>
+                                      </p:cBhvr>
+                                      <p:to>
+                                        <p:strVal val="visible"/>
+                                      </p:to>
+                                    </p:set>
+                                  </p:childTnLst>
+                                </p:cTn>
+                              </p:par>
+                            </p:childTnLst>
+                          </p:cTn>
+                        </p:par>
+                      </p:childTnLst>
+                    </p:cTn>
+                  </p:par>
+                  <p:par>
+                    <p:cTn id="23" fill="hold">
+                      <p:stCondLst>
+                        <p:cond delay="indefinite"/>
+                      </p:stCondLst>
+                      <p:childTnLst>
+                        <p:par>
+                          <p:cTn id="24" fill="hold">
+                            <p:stCondLst>
+                              <p:cond delay="0"/>
+                            </p:stCondLst>
+                            <p:childTnLst>
+                              <p:par>
+                                <p:cTn id="25" presetID="1" presetClass="entr" presetSubtype="0" fill="hold" grpId="0" nodeType="clickEffect">
+                                  <p:stCondLst>
+                                    <p:cond delay="0"/>
+                                  </p:stCondLst>
+                                  <p:childTnLst>
+                                    <p:set>
+                                      <p:cBhvr>
+                                        <p:cTn id="26" dur="1" fill="hold">
+                                          <p:stCondLst>
+                                            <p:cond delay="0"/>
+                                          </p:stCondLst>
+                                        </p:cTn>
+                                        <p:tgtEl>
+                                          <p:spTgt spid="18"/>
+                                        </p:tgtEl>
+                                        <p:attrNameLst>
+                                          <p:attrName>style.visibility</p:attrName>
+                                        </p:attrNameLst>
+                                      </p:cBhvr>
+                                      <p:to>
+                                        <p:strVal val="visible"/>
+                                      </p:to>
+                                    </p:set>
+                                  </p:childTnLst>
+                                </p:cTn>
+                              </p:par>
+                            </p:childTnLst>
+                          </p:cTn>
+                        </p:par>
+                      </p:childTnLst>
+                    </p:cTn>
+                  </p:par>
+                  <p:par>
+                    <p:cTn id="27" fill="hold">
+                      <p:stCondLst>
+                        <p:cond delay="indefinite"/>
+                      </p:stCondLst>
+                      <p:childTnLst>
+                        <p:par>
+                          <p:cTn id="28" fill="hold">
+                            <p:stCondLst>
+                              <p:cond delay="0"/>
+                            </p:stCondLst>
+                            <p:childTnLst>
+                              <p:par>
+                                <p:cTn id="29" presetID="1" presetClass="entr" presetSubtype="0" fill="hold" nodeType="clickEffect">
+                                  <p:stCondLst>
+                                    <p:cond delay="0"/>
+                                  </p:stCondLst>
+                                  <p:childTnLst>
+                                    <p:set>
+                                      <p:cBhvr>
+                                        <p:cTn id="30" dur="1" fill="hold">
+                                          <p:stCondLst>
+                                            <p:cond delay="0"/>
+                                          </p:stCondLst>
+                                        </p:cTn>
+                                        <p:tgtEl>
+                                          <p:spTgt spid="21"/>
+                                        </p:tgtEl>
+                                        <p:attrNameLst>
+                                          <p:attrName>style.visibility</p:attrName>
+                                        </p:attrNameLst>
+                                      </p:cBhvr>
+                                      <p:to>
+                                        <p:strVal val="visible"/>
+                                      </p:to>
+                                    </p:set>
+                                  </p:childTnLst>
+                                </p:cTn>
+                              </p:par>
+                            </p:childTnLst>
+                          </p:cTn>
+                        </p:par>
+                      </p:childTnLst>
+                    </p:cTn>
+                  </p:par>
+                  <p:par>
+                    <p:cTn id="31" fill="hold">
+                      <p:stCondLst>
+                        <p:cond delay="indefinite"/>
+                      </p:stCondLst>
+                      <p:childTnLst>
+                        <p:par>
+                          <p:cTn id="32" fill="hold">
+                            <p:stCondLst>
+                              <p:cond delay="0"/>
+                            </p:stCondLst>
+                            <p:childTnLst>
+                              <p:par>
+                                <p:cTn id="33" presetID="1" presetClass="entr" presetSubtype="0" fill="hold" nodeType="clickEffect">
+                                  <p:stCondLst>
+                                    <p:cond delay="0"/>
+                                  </p:stCondLst>
+                                  <p:childTnLst>
+                                    <p:set>
+                                      <p:cBhvr>
+                                        <p:cTn id="34" dur="1" fill="hold">
+                                          <p:stCondLst>
+                                            <p:cond delay="0"/>
+                                          </p:stCondLst>
+                                        </p:cTn>
+                                        <p:tgtEl>
+                                          <p:spTgt spid="30"/>
+                                        </p:tgtEl>
+                                        <p:attrNameLst>
+                                          <p:attrName>style.visibility</p:attrName>
+                                        </p:attrNameLst>
+                                      </p:cBhvr>
+                                      <p:to>
+                                        <p:strVal val="visible"/>
+                                      </p:to>
+                                    </p:set>
+                                  </p:childTnLst>
+                                </p:cTn>
+                              </p:par>
+                            </p:childTnLst>
+                          </p:cTn>
+                        </p:par>
+                      </p:childTnLst>
+                    </p:cTn>
+                  </p:par>
+                  <p:par>
+                    <p:cTn id="35" fill="hold">
+                      <p:stCondLst>
+                        <p:cond delay="indefinite"/>
+                      </p:stCondLst>
+                      <p:childTnLst>
+                        <p:par>
+                          <p:cTn id="36" fill="hold">
+                            <p:stCondLst>
+                              <p:cond delay="0"/>
+                            </p:stCondLst>
+                            <p:childTnLst>
+                              <p:par>
+                                <p:cTn id="37" presetID="1" presetClass="entr" presetSubtype="0" fill="hold" nodeType="clickEffect">
+                                  <p:stCondLst>
+                                    <p:cond delay="0"/>
+                                  </p:stCondLst>
+                                  <p:childTnLst>
+                                    <p:set>
+                                      <p:cBhvr>
+                                        <p:cTn id="38" dur="1" fill="hold">
+                                          <p:stCondLst>
+                                            <p:cond delay="0"/>
+                                          </p:stCondLst>
+                                        </p:cTn>
+                                        <p:tgtEl>
+                                          <p:spTgt spid="31"/>
+                                        </p:tgtEl>
+                                        <p:attrNameLst>
+                                          <p:attrName>style.visibility</p:attrName>
+                                        </p:attrNameLst>
+                                      </p:cBhvr>
+                                      <p:to>
+                                        <p:strVal val="visible"/>
+                                      </p:to>
+                                    </p:set>
+                                  </p:childTnLst>
+                                </p:cTn>
+                              </p:par>
+                            </p:childTnLst>
+                          </p:cTn>
+                        </p:par>
+                      </p:childTnLst>
+                    </p:cTn>
+                  </p:par>
+                  <p:par>
+                    <p:cTn id="39" fill="hold">
+                      <p:stCondLst>
+                        <p:cond delay="indefinite"/>
+                      </p:stCondLst>
+                      <p:childTnLst>
+                        <p:par>
+                          <p:cTn id="40" fill="hold">
+                            <p:stCondLst>
+                              <p:cond delay="0"/>
+                            </p:stCondLst>
+                            <p:childTnLst>
+                              <p:par>
+                                <p:cTn id="41" presetID="1" presetClass="entr" presetSubtype="0" fill="hold" nodeType="clickEffect">
+                                  <p:stCondLst>
+                                    <p:cond delay="0"/>
+                                  </p:stCondLst>
+                                  <p:childTnLst>
+                                    <p:set>
+                                      <p:cBhvr>
+                                        <p:cTn id="42" dur="1" fill="hold">
+                                          <p:stCondLst>
+                                            <p:cond delay="0"/>
+                                          </p:stCondLst>
+                                        </p:cTn>
+                                        <p:tgtEl>
+                                          <p:spTgt spid="45"/>
+                                        </p:tgtEl>
+                                        <p:attrNameLst>
+                                          <p:attrName>style.visibility</p:attrName>
+                                        </p:attrNameLst>
+                                      </p:cBhvr>
+                                      <p:to>
+                                        <p:strVal val="visible"/>
+                                      </p:to>
+                                    </p:set>
+                                  </p:childTnLst>
+                                </p:cTn>
+                              </p:par>
+                            </p:childTnLst>
+                          </p:cTn>
+                        </p:par>
+                      </p:childTnLst>
+                    </p:cTn>
+                  </p:par>
+                  <p:par>
+                    <p:cTn id="43" fill="hold">
+                      <p:stCondLst>
+                        <p:cond delay="indefinite"/>
+                      </p:stCondLst>
+                      <p:childTnLst>
+                        <p:par>
+                          <p:cTn id="44" fill="hold">
+                            <p:stCondLst>
+                              <p:cond delay="0"/>
+                            </p:stCondLst>
+                            <p:childTnLst>
+                              <p:par>
+                                <p:cTn id="45" presetID="1" presetClass="entr" presetSubtype="0" fill="hold" nodeType="clickEffect">
+                                  <p:stCondLst>
+                                    <p:cond delay="0"/>
+                                  </p:stCondLst>
+                                  <p:childTnLst>
+                                    <p:set>
+                                      <p:cBhvr>
+                                        <p:cTn id="46" dur="1" fill="hold">
+                                          <p:stCondLst>
+                                            <p:cond delay="0"/>
+                                          </p:stCondLst>
+                                        </p:cTn>
+                                        <p:tgtEl>
+                                          <p:spTgt spid="50"/>
                                         </p:tgtEl>
                                         <p:attrNameLst>
                                           <p:attrName>style.visibility</p:attrName>
@@ -13131,8 +16024,9 @@
       </p:par>
     </p:tnLst>
     <p:bldLst>
-      <p:bldP spid="3" grpId="0"/>
-      <p:bldP spid="4" grpId="0"/>
+      <p:bldP spid="6" grpId="0" animBg="1"/>
+      <p:bldP spid="16" grpId="0"/>
+      <p:bldP spid="18" grpId="0" animBg="1"/>
     </p:bldLst>
   </p:timing>
 </p:sld>
